--- a/Indivual Dev Log.pptx
+++ b/Indivual Dev Log.pptx
@@ -21,11 +21,12 @@
     <p:sldId id="265" r:id="rId15"/>
     <p:sldId id="266" r:id="rId16"/>
     <p:sldId id="267" r:id="rId17"/>
-    <p:sldId id="268" r:id="rId18"/>
-    <p:sldId id="269" r:id="rId19"/>
-    <p:sldId id="270" r:id="rId20"/>
-    <p:sldId id="271" r:id="rId21"/>
-    <p:sldId id="272" r:id="rId22"/>
+    <p:sldId id="277" r:id="rId18"/>
+    <p:sldId id="268" r:id="rId19"/>
+    <p:sldId id="269" r:id="rId20"/>
+    <p:sldId id="270" r:id="rId21"/>
+    <p:sldId id="271" r:id="rId22"/>
+    <p:sldId id="272" r:id="rId23"/>
   </p:sldIdLst>
   <p:sldSz cx="12192000" cy="6858000"/>
   <p:notesSz cx="6858000" cy="9144000"/>
@@ -124,6 +125,11 @@
       </a:defRPr>
     </a:lvl9pPr>
   </p:defaultTextStyle>
+  <p:extLst>
+    <p:ext uri="{EFAFB233-063F-42B5-8137-9DF3F51BA10A}">
+      <p15:sldGuideLst xmlns:p15="http://schemas.microsoft.com/office/powerpoint/2012/main"/>
+    </p:ext>
+  </p:extLst>
 </p:presentation>
 </file>
 
@@ -276,7 +282,7 @@
           <a:p>
             <a:fld id="{28A02A7F-83AC-4C86-BAA1-5C32FBF43984}" type="datetimeFigureOut">
               <a:rPr lang="en-GB" smtClean="0"/>
-              <a:t>04/04/2025</a:t>
+              <a:t>06/04/2025</a:t>
             </a:fld>
             <a:endParaRPr lang="en-GB"/>
           </a:p>
@@ -476,7 +482,7 @@
           <a:p>
             <a:fld id="{28A02A7F-83AC-4C86-BAA1-5C32FBF43984}" type="datetimeFigureOut">
               <a:rPr lang="en-GB" smtClean="0"/>
-              <a:t>04/04/2025</a:t>
+              <a:t>06/04/2025</a:t>
             </a:fld>
             <a:endParaRPr lang="en-GB"/>
           </a:p>
@@ -686,7 +692,7 @@
           <a:p>
             <a:fld id="{28A02A7F-83AC-4C86-BAA1-5C32FBF43984}" type="datetimeFigureOut">
               <a:rPr lang="en-GB" smtClean="0"/>
-              <a:t>04/04/2025</a:t>
+              <a:t>06/04/2025</a:t>
             </a:fld>
             <a:endParaRPr lang="en-GB"/>
           </a:p>
@@ -886,7 +892,7 @@
           <a:p>
             <a:fld id="{28A02A7F-83AC-4C86-BAA1-5C32FBF43984}" type="datetimeFigureOut">
               <a:rPr lang="en-GB" smtClean="0"/>
-              <a:t>04/04/2025</a:t>
+              <a:t>06/04/2025</a:t>
             </a:fld>
             <a:endParaRPr lang="en-GB"/>
           </a:p>
@@ -1162,7 +1168,7 @@
           <a:p>
             <a:fld id="{28A02A7F-83AC-4C86-BAA1-5C32FBF43984}" type="datetimeFigureOut">
               <a:rPr lang="en-GB" smtClean="0"/>
-              <a:t>04/04/2025</a:t>
+              <a:t>06/04/2025</a:t>
             </a:fld>
             <a:endParaRPr lang="en-GB"/>
           </a:p>
@@ -1430,7 +1436,7 @@
           <a:p>
             <a:fld id="{28A02A7F-83AC-4C86-BAA1-5C32FBF43984}" type="datetimeFigureOut">
               <a:rPr lang="en-GB" smtClean="0"/>
-              <a:t>04/04/2025</a:t>
+              <a:t>06/04/2025</a:t>
             </a:fld>
             <a:endParaRPr lang="en-GB"/>
           </a:p>
@@ -1845,7 +1851,7 @@
           <a:p>
             <a:fld id="{28A02A7F-83AC-4C86-BAA1-5C32FBF43984}" type="datetimeFigureOut">
               <a:rPr lang="en-GB" smtClean="0"/>
-              <a:t>04/04/2025</a:t>
+              <a:t>06/04/2025</a:t>
             </a:fld>
             <a:endParaRPr lang="en-GB"/>
           </a:p>
@@ -1987,7 +1993,7 @@
           <a:p>
             <a:fld id="{28A02A7F-83AC-4C86-BAA1-5C32FBF43984}" type="datetimeFigureOut">
               <a:rPr lang="en-GB" smtClean="0"/>
-              <a:t>04/04/2025</a:t>
+              <a:t>06/04/2025</a:t>
             </a:fld>
             <a:endParaRPr lang="en-GB"/>
           </a:p>
@@ -2100,7 +2106,7 @@
           <a:p>
             <a:fld id="{28A02A7F-83AC-4C86-BAA1-5C32FBF43984}" type="datetimeFigureOut">
               <a:rPr lang="en-GB" smtClean="0"/>
-              <a:t>04/04/2025</a:t>
+              <a:t>06/04/2025</a:t>
             </a:fld>
             <a:endParaRPr lang="en-GB"/>
           </a:p>
@@ -2413,7 +2419,7 @@
           <a:p>
             <a:fld id="{28A02A7F-83AC-4C86-BAA1-5C32FBF43984}" type="datetimeFigureOut">
               <a:rPr lang="en-GB" smtClean="0"/>
-              <a:t>04/04/2025</a:t>
+              <a:t>06/04/2025</a:t>
             </a:fld>
             <a:endParaRPr lang="en-GB"/>
           </a:p>
@@ -2702,7 +2708,7 @@
           <a:p>
             <a:fld id="{28A02A7F-83AC-4C86-BAA1-5C32FBF43984}" type="datetimeFigureOut">
               <a:rPr lang="en-GB" smtClean="0"/>
-              <a:t>04/04/2025</a:t>
+              <a:t>06/04/2025</a:t>
             </a:fld>
             <a:endParaRPr lang="en-GB"/>
           </a:p>
@@ -2945,7 +2951,7 @@
           <a:p>
             <a:fld id="{28A02A7F-83AC-4C86-BAA1-5C32FBF43984}" type="datetimeFigureOut">
               <a:rPr lang="en-GB" smtClean="0"/>
-              <a:t>04/04/2025</a:t>
+              <a:t>06/04/2025</a:t>
             </a:fld>
             <a:endParaRPr lang="en-GB"/>
           </a:p>
@@ -3362,6 +3368,53 @@
           <a:chExt cx="0" cy="0"/>
         </a:xfrm>
       </p:grpSpPr>
+      <p:pic>
+        <p:nvPicPr>
+          <p:cNvPr id="2065" name="Picture 17" descr="The Casting of Frank Stone | Ein filmreifes Horror-Erlebnis aus der ...">
+            <a:extLst>
+              <a:ext uri="{FF2B5EF4-FFF2-40B4-BE49-F238E27FC236}">
+                <a16:creationId xmlns:a16="http://schemas.microsoft.com/office/drawing/2014/main" id="{DBD74451-BECA-7A17-DEA0-19B24E9D6D96}"/>
+              </a:ext>
+            </a:extLst>
+          </p:cNvPr>
+          <p:cNvPicPr>
+            <a:picLocks noChangeAspect="1" noChangeArrowheads="1"/>
+          </p:cNvPicPr>
+          <p:nvPr/>
+        </p:nvPicPr>
+        <p:blipFill>
+          <a:blip r:embed="rId2">
+            <a:extLst>
+              <a:ext uri="{28A0092B-C50C-407E-A947-70E740481C1C}">
+                <a14:useLocalDpi xmlns:a14="http://schemas.microsoft.com/office/drawing/2010/main" val="0"/>
+              </a:ext>
+            </a:extLst>
+          </a:blip>
+          <a:srcRect/>
+          <a:stretch>
+            <a:fillRect/>
+          </a:stretch>
+        </p:blipFill>
+        <p:spPr bwMode="auto">
+          <a:xfrm>
+            <a:off x="0" y="-2128"/>
+            <a:ext cx="12192000" cy="6858000"/>
+          </a:xfrm>
+          <a:prstGeom prst="rect">
+            <a:avLst/>
+          </a:prstGeom>
+          <a:noFill/>
+          <a:extLst>
+            <a:ext uri="{909E8E84-426E-40DD-AFC4-6F175D3DCCD1}">
+              <a14:hiddenFill xmlns:a14="http://schemas.microsoft.com/office/drawing/2010/main">
+                <a:solidFill>
+                  <a:srgbClr val="FFFFFF"/>
+                </a:solidFill>
+              </a14:hiddenFill>
+            </a:ext>
+          </a:extLst>
+        </p:spPr>
+      </p:pic>
       <p:sp>
         <p:nvSpPr>
           <p:cNvPr id="2" name="Title 1">
@@ -3384,12 +3437,12 @@
           <a:lstStyle/>
           <a:p>
             <a:r>
-              <a:rPr lang="en-GB" dirty="0" err="1"/>
-              <a:t>Indivual</a:t>
-            </a:r>
-            <a:r>
-              <a:rPr lang="en-GB" dirty="0"/>
-              <a:t> Dev Log</a:t>
+              <a:rPr lang="en-GB" dirty="0">
+                <a:solidFill>
+                  <a:schemeClr val="bg1"/>
+                </a:solidFill>
+              </a:rPr>
+              <a:t>Induvial Dev Log</a:t>
             </a:r>
           </a:p>
         </p:txBody>
@@ -3415,10 +3468,158 @@
           <a:bodyPr/>
           <a:lstStyle/>
           <a:p>
-            <a:endParaRPr lang="en-GB"/>
-          </a:p>
-        </p:txBody>
-      </p:sp>
+            <a:r>
+              <a:rPr lang="en-GB" dirty="0">
+                <a:solidFill>
+                  <a:schemeClr val="bg1"/>
+                </a:solidFill>
+              </a:rPr>
+              <a:t>By Sidd</a:t>
+            </a:r>
+          </a:p>
+        </p:txBody>
+      </p:sp>
+      <p:pic>
+        <p:nvPicPr>
+          <p:cNvPr id="2061" name="Picture 13" descr="1920x1080 Black Bars Png | Meme Image">
+            <a:extLst>
+              <a:ext uri="{FF2B5EF4-FFF2-40B4-BE49-F238E27FC236}">
+                <a16:creationId xmlns:a16="http://schemas.microsoft.com/office/drawing/2014/main" id="{428D236F-9897-8258-B8BC-DD63264CD175}"/>
+              </a:ext>
+            </a:extLst>
+          </p:cNvPr>
+          <p:cNvPicPr>
+            <a:picLocks noChangeAspect="1" noChangeArrowheads="1"/>
+          </p:cNvPicPr>
+          <p:nvPr/>
+        </p:nvPicPr>
+        <p:blipFill>
+          <a:blip r:embed="rId3">
+            <a:extLst>
+              <a:ext uri="{28A0092B-C50C-407E-A947-70E740481C1C}">
+                <a14:useLocalDpi xmlns:a14="http://schemas.microsoft.com/office/drawing/2010/main" val="0"/>
+              </a:ext>
+            </a:extLst>
+          </a:blip>
+          <a:srcRect/>
+          <a:stretch>
+            <a:fillRect/>
+          </a:stretch>
+        </p:blipFill>
+        <p:spPr bwMode="auto">
+          <a:xfrm>
+            <a:off x="0" y="2129"/>
+            <a:ext cx="12192000" cy="6855871"/>
+          </a:xfrm>
+          <a:prstGeom prst="rect">
+            <a:avLst/>
+          </a:prstGeom>
+          <a:noFill/>
+          <a:extLst>
+            <a:ext uri="{909E8E84-426E-40DD-AFC4-6F175D3DCCD1}">
+              <a14:hiddenFill xmlns:a14="http://schemas.microsoft.com/office/drawing/2010/main">
+                <a:solidFill>
+                  <a:srgbClr val="FFFFFF"/>
+                </a:solidFill>
+              </a14:hiddenFill>
+            </a:ext>
+          </a:extLst>
+        </p:spPr>
+      </p:pic>
+      <p:pic>
+        <p:nvPicPr>
+          <p:cNvPr id="2059" name="Picture 11" descr="Media Gallery | The Casting of Frank Stone">
+            <a:extLst>
+              <a:ext uri="{FF2B5EF4-FFF2-40B4-BE49-F238E27FC236}">
+                <a16:creationId xmlns:a16="http://schemas.microsoft.com/office/drawing/2014/main" id="{956C05F0-413F-5229-B764-9281ABEEA6CF}"/>
+              </a:ext>
+            </a:extLst>
+          </p:cNvPr>
+          <p:cNvPicPr>
+            <a:picLocks noChangeAspect="1" noChangeArrowheads="1"/>
+          </p:cNvPicPr>
+          <p:nvPr/>
+        </p:nvPicPr>
+        <p:blipFill>
+          <a:blip r:embed="rId4">
+            <a:extLst>
+              <a:ext uri="{28A0092B-C50C-407E-A947-70E740481C1C}">
+                <a14:useLocalDpi xmlns:a14="http://schemas.microsoft.com/office/drawing/2010/main" val="0"/>
+              </a:ext>
+            </a:extLst>
+          </a:blip>
+          <a:srcRect/>
+          <a:stretch>
+            <a:fillRect/>
+          </a:stretch>
+        </p:blipFill>
+        <p:spPr bwMode="auto">
+          <a:xfrm>
+            <a:off x="0" y="-61825"/>
+            <a:ext cx="5714544" cy="2184226"/>
+          </a:xfrm>
+          <a:prstGeom prst="rect">
+            <a:avLst/>
+          </a:prstGeom>
+          <a:noFill/>
+          <a:extLst>
+            <a:ext uri="{909E8E84-426E-40DD-AFC4-6F175D3DCCD1}">
+              <a14:hiddenFill xmlns:a14="http://schemas.microsoft.com/office/drawing/2010/main">
+                <a:solidFill>
+                  <a:srgbClr val="FFFFFF"/>
+                </a:solidFill>
+              </a14:hiddenFill>
+            </a:ext>
+          </a:extLst>
+        </p:spPr>
+      </p:pic>
+      <p:pic>
+        <p:nvPicPr>
+          <p:cNvPr id="2058" name="Picture 10" descr="Supermassive Games | The Dark Pictures Wiki | Fandom">
+            <a:extLst>
+              <a:ext uri="{FF2B5EF4-FFF2-40B4-BE49-F238E27FC236}">
+                <a16:creationId xmlns:a16="http://schemas.microsoft.com/office/drawing/2014/main" id="{CF7AFC4D-6103-5890-8A3C-5F8DDA68FAF5}"/>
+              </a:ext>
+            </a:extLst>
+          </p:cNvPr>
+          <p:cNvPicPr>
+            <a:picLocks noChangeAspect="1" noChangeArrowheads="1"/>
+          </p:cNvPicPr>
+          <p:nvPr/>
+        </p:nvPicPr>
+        <p:blipFill>
+          <a:blip r:embed="rId5">
+            <a:extLst>
+              <a:ext uri="{28A0092B-C50C-407E-A947-70E740481C1C}">
+                <a14:useLocalDpi xmlns:a14="http://schemas.microsoft.com/office/drawing/2010/main" val="0"/>
+              </a:ext>
+            </a:extLst>
+          </a:blip>
+          <a:srcRect/>
+          <a:stretch>
+            <a:fillRect/>
+          </a:stretch>
+        </p:blipFill>
+        <p:spPr bwMode="auto">
+          <a:xfrm>
+            <a:off x="8094378" y="5257800"/>
+            <a:ext cx="4097622" cy="1598072"/>
+          </a:xfrm>
+          <a:prstGeom prst="rect">
+            <a:avLst/>
+          </a:prstGeom>
+          <a:noFill/>
+          <a:extLst>
+            <a:ext uri="{909E8E84-426E-40DD-AFC4-6F175D3DCCD1}">
+              <a14:hiddenFill xmlns:a14="http://schemas.microsoft.com/office/drawing/2010/main">
+                <a:solidFill>
+                  <a:srgbClr val="FFFFFF"/>
+                </a:solidFill>
+              </a14:hiddenFill>
+            </a:ext>
+          </a:extLst>
+        </p:spPr>
+      </p:pic>
     </p:spTree>
     <p:extLst>
       <p:ext uri="{BB962C8B-B14F-4D97-AF65-F5344CB8AC3E}">
@@ -3451,6 +3652,152 @@
       </p:grpSpPr>
       <p:sp>
         <p:nvSpPr>
+          <p:cNvPr id="4" name="Rectangle 3">
+            <a:extLst>
+              <a:ext uri="{FF2B5EF4-FFF2-40B4-BE49-F238E27FC236}">
+                <a16:creationId xmlns:a16="http://schemas.microsoft.com/office/drawing/2014/main" id="{16224251-3012-3AD5-CD4A-3EA25F6CF104}"/>
+              </a:ext>
+            </a:extLst>
+          </p:cNvPr>
+          <p:cNvSpPr/>
+          <p:nvPr/>
+        </p:nvSpPr>
+        <p:spPr>
+          <a:xfrm>
+            <a:off x="0" y="0"/>
+            <a:ext cx="12192000" cy="6858000"/>
+          </a:xfrm>
+          <a:prstGeom prst="rect">
+            <a:avLst/>
+          </a:prstGeom>
+          <a:solidFill>
+            <a:schemeClr val="tx1"/>
+          </a:solidFill>
+          <a:ln>
+            <a:noFill/>
+          </a:ln>
+        </p:spPr>
+        <p:style>
+          <a:lnRef idx="2">
+            <a:schemeClr val="accent1">
+              <a:shade val="15000"/>
+            </a:schemeClr>
+          </a:lnRef>
+          <a:fillRef idx="1">
+            <a:schemeClr val="accent1"/>
+          </a:fillRef>
+          <a:effectRef idx="0">
+            <a:schemeClr val="accent1"/>
+          </a:effectRef>
+          <a:fontRef idx="minor">
+            <a:schemeClr val="lt1"/>
+          </a:fontRef>
+        </p:style>
+        <p:txBody>
+          <a:bodyPr rtlCol="0" anchor="ctr"/>
+          <a:lstStyle>
+            <a:defPPr>
+              <a:defRPr lang="en-US"/>
+            </a:defPPr>
+            <a:lvl1pPr marL="0" algn="l" defTabSz="914400" rtl="0" eaLnBrk="1" latinLnBrk="0" hangingPunct="1">
+              <a:defRPr sz="1800" kern="1200">
+                <a:solidFill>
+                  <a:schemeClr val="lt1"/>
+                </a:solidFill>
+                <a:latin typeface="+mn-lt"/>
+                <a:ea typeface="+mn-ea"/>
+                <a:cs typeface="+mn-cs"/>
+              </a:defRPr>
+            </a:lvl1pPr>
+            <a:lvl2pPr marL="457200" algn="l" defTabSz="914400" rtl="0" eaLnBrk="1" latinLnBrk="0" hangingPunct="1">
+              <a:defRPr sz="1800" kern="1200">
+                <a:solidFill>
+                  <a:schemeClr val="lt1"/>
+                </a:solidFill>
+                <a:latin typeface="+mn-lt"/>
+                <a:ea typeface="+mn-ea"/>
+                <a:cs typeface="+mn-cs"/>
+              </a:defRPr>
+            </a:lvl2pPr>
+            <a:lvl3pPr marL="914400" algn="l" defTabSz="914400" rtl="0" eaLnBrk="1" latinLnBrk="0" hangingPunct="1">
+              <a:defRPr sz="1800" kern="1200">
+                <a:solidFill>
+                  <a:schemeClr val="lt1"/>
+                </a:solidFill>
+                <a:latin typeface="+mn-lt"/>
+                <a:ea typeface="+mn-ea"/>
+                <a:cs typeface="+mn-cs"/>
+              </a:defRPr>
+            </a:lvl3pPr>
+            <a:lvl4pPr marL="1371600" algn="l" defTabSz="914400" rtl="0" eaLnBrk="1" latinLnBrk="0" hangingPunct="1">
+              <a:defRPr sz="1800" kern="1200">
+                <a:solidFill>
+                  <a:schemeClr val="lt1"/>
+                </a:solidFill>
+                <a:latin typeface="+mn-lt"/>
+                <a:ea typeface="+mn-ea"/>
+                <a:cs typeface="+mn-cs"/>
+              </a:defRPr>
+            </a:lvl4pPr>
+            <a:lvl5pPr marL="1828800" algn="l" defTabSz="914400" rtl="0" eaLnBrk="1" latinLnBrk="0" hangingPunct="1">
+              <a:defRPr sz="1800" kern="1200">
+                <a:solidFill>
+                  <a:schemeClr val="lt1"/>
+                </a:solidFill>
+                <a:latin typeface="+mn-lt"/>
+                <a:ea typeface="+mn-ea"/>
+                <a:cs typeface="+mn-cs"/>
+              </a:defRPr>
+            </a:lvl5pPr>
+            <a:lvl6pPr marL="2286000" algn="l" defTabSz="914400" rtl="0" eaLnBrk="1" latinLnBrk="0" hangingPunct="1">
+              <a:defRPr sz="1800" kern="1200">
+                <a:solidFill>
+                  <a:schemeClr val="lt1"/>
+                </a:solidFill>
+                <a:latin typeface="+mn-lt"/>
+                <a:ea typeface="+mn-ea"/>
+                <a:cs typeface="+mn-cs"/>
+              </a:defRPr>
+            </a:lvl6pPr>
+            <a:lvl7pPr marL="2743200" algn="l" defTabSz="914400" rtl="0" eaLnBrk="1" latinLnBrk="0" hangingPunct="1">
+              <a:defRPr sz="1800" kern="1200">
+                <a:solidFill>
+                  <a:schemeClr val="lt1"/>
+                </a:solidFill>
+                <a:latin typeface="+mn-lt"/>
+                <a:ea typeface="+mn-ea"/>
+                <a:cs typeface="+mn-cs"/>
+              </a:defRPr>
+            </a:lvl7pPr>
+            <a:lvl8pPr marL="3200400" algn="l" defTabSz="914400" rtl="0" eaLnBrk="1" latinLnBrk="0" hangingPunct="1">
+              <a:defRPr sz="1800" kern="1200">
+                <a:solidFill>
+                  <a:schemeClr val="lt1"/>
+                </a:solidFill>
+                <a:latin typeface="+mn-lt"/>
+                <a:ea typeface="+mn-ea"/>
+                <a:cs typeface="+mn-cs"/>
+              </a:defRPr>
+            </a:lvl8pPr>
+            <a:lvl9pPr marL="3657600" algn="l" defTabSz="914400" rtl="0" eaLnBrk="1" latinLnBrk="0" hangingPunct="1">
+              <a:defRPr sz="1800" kern="1200">
+                <a:solidFill>
+                  <a:schemeClr val="lt1"/>
+                </a:solidFill>
+                <a:latin typeface="+mn-lt"/>
+                <a:ea typeface="+mn-ea"/>
+                <a:cs typeface="+mn-cs"/>
+              </a:defRPr>
+            </a:lvl9pPr>
+          </a:lstStyle>
+          <a:p>
+            <a:pPr algn="ctr"/>
+            <a:endParaRPr lang="en-GB"/>
+          </a:p>
+        </p:txBody>
+      </p:sp>
+      <p:sp>
+        <p:nvSpPr>
           <p:cNvPr id="2" name="Title 1">
             <a:extLst>
               <a:ext uri="{FF2B5EF4-FFF2-40B4-BE49-F238E27FC236}">
@@ -3467,11 +3814,17 @@
         </p:nvSpPr>
         <p:spPr/>
         <p:txBody>
-          <a:bodyPr/>
+          <a:bodyPr>
+            <a:normAutofit/>
+          </a:bodyPr>
           <a:lstStyle/>
           <a:p>
             <a:r>
-              <a:rPr lang="en-GB" dirty="0"/>
+              <a:rPr lang="en-GB" sz="3200" dirty="0">
+                <a:solidFill>
+                  <a:schemeClr val="bg1"/>
+                </a:solidFill>
+              </a:rPr>
               <a:t>Implementation: Flash Mechanic (Week 4)</a:t>
             </a:r>
           </a:p>
@@ -3510,16 +3863,31 @@
             </a:pPr>
             <a:r>
               <a:rPr lang="en-GB" sz="1800" dirty="0">
-                <a:effectLst/>
-                <a:latin typeface="Aptos" panose="020B0004020202020204" pitchFamily="34" charset="0"/>
-                <a:ea typeface="Aptos" panose="020B0004020202020204" pitchFamily="34" charset="0"/>
-                <a:cs typeface="Times New Roman" panose="02020603050405020304" pitchFamily="18" charset="0"/>
-                <a:hlinkClick r:id="rId2"/>
+                <a:solidFill>
+                  <a:schemeClr val="accent1">
+                    <a:lumMod val="60000"/>
+                    <a:lumOff val="40000"/>
+                  </a:schemeClr>
+                </a:solidFill>
+                <a:effectLst/>
+                <a:latin typeface="Aptos" panose="020B0004020202020204" pitchFamily="34" charset="0"/>
+                <a:ea typeface="Aptos" panose="020B0004020202020204" pitchFamily="34" charset="0"/>
+                <a:cs typeface="Times New Roman" panose="02020603050405020304" pitchFamily="18" charset="0"/>
+                <a:hlinkClick r:id="rId2">
+                  <a:extLst>
+                    <a:ext uri="{A12FA001-AC4F-418D-AE19-62706E023703}">
+                      <ahyp:hlinkClr xmlns:ahyp="http://schemas.microsoft.com/office/drawing/2018/hyperlinkcolor" val="tx"/>
+                    </a:ext>
+                  </a:extLst>
+                </a:hlinkClick>
               </a:rPr>
               <a:t>Toggle Aiming Function </a:t>
             </a:r>
             <a:r>
               <a:rPr lang="en-GB" sz="1800" dirty="0">
+                <a:solidFill>
+                  <a:schemeClr val="bg1"/>
+                </a:solidFill>
                 <a:effectLst/>
                 <a:latin typeface="Aptos" panose="020B0004020202020204" pitchFamily="34" charset="0"/>
                 <a:ea typeface="Aptos" panose="020B0004020202020204" pitchFamily="34" charset="0"/>
@@ -3529,6 +3897,9 @@
             </a:r>
             <a:r>
               <a:rPr lang="en-GB" sz="1800" dirty="0" err="1">
+                <a:solidFill>
+                  <a:schemeClr val="bg1"/>
+                </a:solidFill>
                 <a:effectLst/>
                 <a:latin typeface="Aptos" panose="020B0004020202020204" pitchFamily="34" charset="0"/>
                 <a:ea typeface="Aptos" panose="020B0004020202020204" pitchFamily="34" charset="0"/>
@@ -3538,6 +3909,9 @@
             </a:r>
             <a:r>
               <a:rPr lang="en-GB" sz="1800" dirty="0">
+                <a:solidFill>
+                  <a:schemeClr val="bg1"/>
+                </a:solidFill>
                 <a:effectLst/>
                 <a:latin typeface="Aptos" panose="020B0004020202020204" pitchFamily="34" charset="0"/>
                 <a:ea typeface="Aptos" panose="020B0004020202020204" pitchFamily="34" charset="0"/>
@@ -3547,6 +3921,9 @@
             </a:r>
             <a:r>
               <a:rPr lang="en-GB" sz="1800" dirty="0" err="1">
+                <a:solidFill>
+                  <a:schemeClr val="bg1"/>
+                </a:solidFill>
                 <a:effectLst/>
                 <a:latin typeface="Aptos" panose="020B0004020202020204" pitchFamily="34" charset="0"/>
                 <a:ea typeface="Aptos" panose="020B0004020202020204" pitchFamily="34" charset="0"/>
@@ -3556,6 +3933,9 @@
             </a:r>
             <a:r>
               <a:rPr lang="en-GB" sz="1800" dirty="0">
+                <a:solidFill>
+                  <a:schemeClr val="bg1"/>
+                </a:solidFill>
                 <a:effectLst/>
                 <a:latin typeface="Aptos" panose="020B0004020202020204" pitchFamily="34" charset="0"/>
                 <a:ea typeface="Aptos" panose="020B0004020202020204" pitchFamily="34" charset="0"/>
@@ -3575,16 +3955,31 @@
             </a:pPr>
             <a:r>
               <a:rPr lang="en-GB" sz="1800" dirty="0">
-                <a:effectLst/>
-                <a:latin typeface="Aptos" panose="020B0004020202020204" pitchFamily="34" charset="0"/>
-                <a:ea typeface="Aptos" panose="020B0004020202020204" pitchFamily="34" charset="0"/>
-                <a:cs typeface="Times New Roman" panose="02020603050405020304" pitchFamily="18" charset="0"/>
-                <a:hlinkClick r:id="rId3"/>
+                <a:solidFill>
+                  <a:schemeClr val="accent1">
+                    <a:lumMod val="60000"/>
+                    <a:lumOff val="40000"/>
+                  </a:schemeClr>
+                </a:solidFill>
+                <a:effectLst/>
+                <a:latin typeface="Aptos" panose="020B0004020202020204" pitchFamily="34" charset="0"/>
+                <a:ea typeface="Aptos" panose="020B0004020202020204" pitchFamily="34" charset="0"/>
+                <a:cs typeface="Times New Roman" panose="02020603050405020304" pitchFamily="18" charset="0"/>
+                <a:hlinkClick r:id="rId3">
+                  <a:extLst>
+                    <a:ext uri="{A12FA001-AC4F-418D-AE19-62706E023703}">
+                      <ahyp:hlinkClr xmlns:ahyp="http://schemas.microsoft.com/office/drawing/2018/hyperlinkcolor" val="tx"/>
+                    </a:ext>
+                  </a:extLst>
+                </a:hlinkClick>
               </a:rPr>
               <a:t>Trigger Flash Function </a:t>
             </a:r>
             <a:r>
               <a:rPr lang="en-GB" sz="1800" dirty="0">
+                <a:solidFill>
+                  <a:schemeClr val="bg1"/>
+                </a:solidFill>
                 <a:effectLst/>
                 <a:latin typeface="Aptos" panose="020B0004020202020204" pitchFamily="34" charset="0"/>
                 <a:ea typeface="Aptos" panose="020B0004020202020204" pitchFamily="34" charset="0"/>
@@ -3604,16 +3999,31 @@
             </a:pPr>
             <a:r>
               <a:rPr lang="en-GB" sz="1800" dirty="0">
-                <a:effectLst/>
-                <a:latin typeface="Aptos" panose="020B0004020202020204" pitchFamily="34" charset="0"/>
-                <a:ea typeface="Aptos" panose="020B0004020202020204" pitchFamily="34" charset="0"/>
-                <a:cs typeface="Times New Roman" panose="02020603050405020304" pitchFamily="18" charset="0"/>
-                <a:hlinkClick r:id="rId4"/>
+                <a:solidFill>
+                  <a:schemeClr val="accent1">
+                    <a:lumMod val="60000"/>
+                    <a:lumOff val="40000"/>
+                  </a:schemeClr>
+                </a:solidFill>
+                <a:effectLst/>
+                <a:latin typeface="Aptos" panose="020B0004020202020204" pitchFamily="34" charset="0"/>
+                <a:ea typeface="Aptos" panose="020B0004020202020204" pitchFamily="34" charset="0"/>
+                <a:cs typeface="Times New Roman" panose="02020603050405020304" pitchFamily="18" charset="0"/>
+                <a:hlinkClick r:id="rId4">
+                  <a:extLst>
+                    <a:ext uri="{A12FA001-AC4F-418D-AE19-62706E023703}">
+                      <ahyp:hlinkClr xmlns:ahyp="http://schemas.microsoft.com/office/drawing/2018/hyperlinkcolor" val="tx"/>
+                    </a:ext>
+                  </a:extLst>
+                </a:hlinkClick>
               </a:rPr>
               <a:t>Event Tick </a:t>
             </a:r>
             <a:r>
               <a:rPr lang="en-GB" sz="1800" dirty="0">
+                <a:solidFill>
+                  <a:schemeClr val="bg1"/>
+                </a:solidFill>
                 <a:effectLst/>
                 <a:latin typeface="Aptos" panose="020B0004020202020204" pitchFamily="34" charset="0"/>
                 <a:ea typeface="Aptos" panose="020B0004020202020204" pitchFamily="34" charset="0"/>
@@ -3623,6 +4033,9 @@
             </a:r>
             <a:r>
               <a:rPr lang="en-GB" sz="1800" dirty="0" err="1">
+                <a:solidFill>
+                  <a:schemeClr val="bg1"/>
+                </a:solidFill>
                 <a:effectLst/>
                 <a:latin typeface="Aptos" panose="020B0004020202020204" pitchFamily="34" charset="0"/>
                 <a:ea typeface="Aptos" panose="020B0004020202020204" pitchFamily="34" charset="0"/>
@@ -3632,6 +4045,9 @@
             </a:r>
             <a:r>
               <a:rPr lang="en-GB" sz="1800" dirty="0">
+                <a:solidFill>
+                  <a:schemeClr val="bg1"/>
+                </a:solidFill>
                 <a:effectLst/>
                 <a:latin typeface="Aptos" panose="020B0004020202020204" pitchFamily="34" charset="0"/>
                 <a:ea typeface="Aptos" panose="020B0004020202020204" pitchFamily="34" charset="0"/>
@@ -3674,6 +4090,152 @@
       </p:grpSpPr>
       <p:sp>
         <p:nvSpPr>
+          <p:cNvPr id="4" name="Rectangle 3">
+            <a:extLst>
+              <a:ext uri="{FF2B5EF4-FFF2-40B4-BE49-F238E27FC236}">
+                <a16:creationId xmlns:a16="http://schemas.microsoft.com/office/drawing/2014/main" id="{16224251-3012-3AD5-CD4A-3EA25F6CF104}"/>
+              </a:ext>
+            </a:extLst>
+          </p:cNvPr>
+          <p:cNvSpPr/>
+          <p:nvPr/>
+        </p:nvSpPr>
+        <p:spPr>
+          <a:xfrm>
+            <a:off x="0" y="0"/>
+            <a:ext cx="12192000" cy="6858000"/>
+          </a:xfrm>
+          <a:prstGeom prst="rect">
+            <a:avLst/>
+          </a:prstGeom>
+          <a:solidFill>
+            <a:schemeClr val="tx1"/>
+          </a:solidFill>
+          <a:ln>
+            <a:noFill/>
+          </a:ln>
+        </p:spPr>
+        <p:style>
+          <a:lnRef idx="2">
+            <a:schemeClr val="accent1">
+              <a:shade val="15000"/>
+            </a:schemeClr>
+          </a:lnRef>
+          <a:fillRef idx="1">
+            <a:schemeClr val="accent1"/>
+          </a:fillRef>
+          <a:effectRef idx="0">
+            <a:schemeClr val="accent1"/>
+          </a:effectRef>
+          <a:fontRef idx="minor">
+            <a:schemeClr val="lt1"/>
+          </a:fontRef>
+        </p:style>
+        <p:txBody>
+          <a:bodyPr rtlCol="0" anchor="ctr"/>
+          <a:lstStyle>
+            <a:defPPr>
+              <a:defRPr lang="en-US"/>
+            </a:defPPr>
+            <a:lvl1pPr marL="0" algn="l" defTabSz="914400" rtl="0" eaLnBrk="1" latinLnBrk="0" hangingPunct="1">
+              <a:defRPr sz="1800" kern="1200">
+                <a:solidFill>
+                  <a:schemeClr val="lt1"/>
+                </a:solidFill>
+                <a:latin typeface="+mn-lt"/>
+                <a:ea typeface="+mn-ea"/>
+                <a:cs typeface="+mn-cs"/>
+              </a:defRPr>
+            </a:lvl1pPr>
+            <a:lvl2pPr marL="457200" algn="l" defTabSz="914400" rtl="0" eaLnBrk="1" latinLnBrk="0" hangingPunct="1">
+              <a:defRPr sz="1800" kern="1200">
+                <a:solidFill>
+                  <a:schemeClr val="lt1"/>
+                </a:solidFill>
+                <a:latin typeface="+mn-lt"/>
+                <a:ea typeface="+mn-ea"/>
+                <a:cs typeface="+mn-cs"/>
+              </a:defRPr>
+            </a:lvl2pPr>
+            <a:lvl3pPr marL="914400" algn="l" defTabSz="914400" rtl="0" eaLnBrk="1" latinLnBrk="0" hangingPunct="1">
+              <a:defRPr sz="1800" kern="1200">
+                <a:solidFill>
+                  <a:schemeClr val="lt1"/>
+                </a:solidFill>
+                <a:latin typeface="+mn-lt"/>
+                <a:ea typeface="+mn-ea"/>
+                <a:cs typeface="+mn-cs"/>
+              </a:defRPr>
+            </a:lvl3pPr>
+            <a:lvl4pPr marL="1371600" algn="l" defTabSz="914400" rtl="0" eaLnBrk="1" latinLnBrk="0" hangingPunct="1">
+              <a:defRPr sz="1800" kern="1200">
+                <a:solidFill>
+                  <a:schemeClr val="lt1"/>
+                </a:solidFill>
+                <a:latin typeface="+mn-lt"/>
+                <a:ea typeface="+mn-ea"/>
+                <a:cs typeface="+mn-cs"/>
+              </a:defRPr>
+            </a:lvl4pPr>
+            <a:lvl5pPr marL="1828800" algn="l" defTabSz="914400" rtl="0" eaLnBrk="1" latinLnBrk="0" hangingPunct="1">
+              <a:defRPr sz="1800" kern="1200">
+                <a:solidFill>
+                  <a:schemeClr val="lt1"/>
+                </a:solidFill>
+                <a:latin typeface="+mn-lt"/>
+                <a:ea typeface="+mn-ea"/>
+                <a:cs typeface="+mn-cs"/>
+              </a:defRPr>
+            </a:lvl5pPr>
+            <a:lvl6pPr marL="2286000" algn="l" defTabSz="914400" rtl="0" eaLnBrk="1" latinLnBrk="0" hangingPunct="1">
+              <a:defRPr sz="1800" kern="1200">
+                <a:solidFill>
+                  <a:schemeClr val="lt1"/>
+                </a:solidFill>
+                <a:latin typeface="+mn-lt"/>
+                <a:ea typeface="+mn-ea"/>
+                <a:cs typeface="+mn-cs"/>
+              </a:defRPr>
+            </a:lvl6pPr>
+            <a:lvl7pPr marL="2743200" algn="l" defTabSz="914400" rtl="0" eaLnBrk="1" latinLnBrk="0" hangingPunct="1">
+              <a:defRPr sz="1800" kern="1200">
+                <a:solidFill>
+                  <a:schemeClr val="lt1"/>
+                </a:solidFill>
+                <a:latin typeface="+mn-lt"/>
+                <a:ea typeface="+mn-ea"/>
+                <a:cs typeface="+mn-cs"/>
+              </a:defRPr>
+            </a:lvl7pPr>
+            <a:lvl8pPr marL="3200400" algn="l" defTabSz="914400" rtl="0" eaLnBrk="1" latinLnBrk="0" hangingPunct="1">
+              <a:defRPr sz="1800" kern="1200">
+                <a:solidFill>
+                  <a:schemeClr val="lt1"/>
+                </a:solidFill>
+                <a:latin typeface="+mn-lt"/>
+                <a:ea typeface="+mn-ea"/>
+                <a:cs typeface="+mn-cs"/>
+              </a:defRPr>
+            </a:lvl8pPr>
+            <a:lvl9pPr marL="3657600" algn="l" defTabSz="914400" rtl="0" eaLnBrk="1" latinLnBrk="0" hangingPunct="1">
+              <a:defRPr sz="1800" kern="1200">
+                <a:solidFill>
+                  <a:schemeClr val="lt1"/>
+                </a:solidFill>
+                <a:latin typeface="+mn-lt"/>
+                <a:ea typeface="+mn-ea"/>
+                <a:cs typeface="+mn-cs"/>
+              </a:defRPr>
+            </a:lvl9pPr>
+          </a:lstStyle>
+          <a:p>
+            <a:pPr algn="ctr"/>
+            <a:endParaRPr lang="en-GB"/>
+          </a:p>
+        </p:txBody>
+      </p:sp>
+      <p:sp>
+        <p:nvSpPr>
           <p:cNvPr id="2" name="Title 1">
             <a:extLst>
               <a:ext uri="{FF2B5EF4-FFF2-40B4-BE49-F238E27FC236}">
@@ -3690,11 +4252,17 @@
         </p:nvSpPr>
         <p:spPr/>
         <p:txBody>
-          <a:bodyPr/>
+          <a:bodyPr>
+            <a:normAutofit/>
+          </a:bodyPr>
           <a:lstStyle/>
           <a:p>
             <a:r>
-              <a:rPr lang="en-GB" dirty="0"/>
+              <a:rPr lang="en-GB" sz="3200" dirty="0">
+                <a:solidFill>
+                  <a:schemeClr val="bg1"/>
+                </a:solidFill>
+              </a:rPr>
               <a:t>Implementation: Dialogue QTE Mechanic (Week 5)</a:t>
             </a:r>
           </a:p>
@@ -3721,7 +4289,14 @@
           <a:bodyPr/>
           <a:lstStyle/>
           <a:p>
-            <a:endParaRPr lang="en-GB"/>
+            <a:r>
+              <a:rPr lang="en-GB" dirty="0">
+                <a:solidFill>
+                  <a:schemeClr val="bg1"/>
+                </a:solidFill>
+              </a:rPr>
+              <a:t>h</a:t>
+            </a:r>
           </a:p>
         </p:txBody>
       </p:sp>
@@ -3757,6 +4332,152 @@
       </p:grpSpPr>
       <p:sp>
         <p:nvSpPr>
+          <p:cNvPr id="4" name="Rectangle 3">
+            <a:extLst>
+              <a:ext uri="{FF2B5EF4-FFF2-40B4-BE49-F238E27FC236}">
+                <a16:creationId xmlns:a16="http://schemas.microsoft.com/office/drawing/2014/main" id="{16224251-3012-3AD5-CD4A-3EA25F6CF104}"/>
+              </a:ext>
+            </a:extLst>
+          </p:cNvPr>
+          <p:cNvSpPr/>
+          <p:nvPr/>
+        </p:nvSpPr>
+        <p:spPr>
+          <a:xfrm>
+            <a:off x="0" y="0"/>
+            <a:ext cx="12192000" cy="6858000"/>
+          </a:xfrm>
+          <a:prstGeom prst="rect">
+            <a:avLst/>
+          </a:prstGeom>
+          <a:solidFill>
+            <a:schemeClr val="tx1"/>
+          </a:solidFill>
+          <a:ln>
+            <a:noFill/>
+          </a:ln>
+        </p:spPr>
+        <p:style>
+          <a:lnRef idx="2">
+            <a:schemeClr val="accent1">
+              <a:shade val="15000"/>
+            </a:schemeClr>
+          </a:lnRef>
+          <a:fillRef idx="1">
+            <a:schemeClr val="accent1"/>
+          </a:fillRef>
+          <a:effectRef idx="0">
+            <a:schemeClr val="accent1"/>
+          </a:effectRef>
+          <a:fontRef idx="minor">
+            <a:schemeClr val="lt1"/>
+          </a:fontRef>
+        </p:style>
+        <p:txBody>
+          <a:bodyPr rtlCol="0" anchor="ctr"/>
+          <a:lstStyle>
+            <a:defPPr>
+              <a:defRPr lang="en-US"/>
+            </a:defPPr>
+            <a:lvl1pPr marL="0" algn="l" defTabSz="914400" rtl="0" eaLnBrk="1" latinLnBrk="0" hangingPunct="1">
+              <a:defRPr sz="1800" kern="1200">
+                <a:solidFill>
+                  <a:schemeClr val="lt1"/>
+                </a:solidFill>
+                <a:latin typeface="+mn-lt"/>
+                <a:ea typeface="+mn-ea"/>
+                <a:cs typeface="+mn-cs"/>
+              </a:defRPr>
+            </a:lvl1pPr>
+            <a:lvl2pPr marL="457200" algn="l" defTabSz="914400" rtl="0" eaLnBrk="1" latinLnBrk="0" hangingPunct="1">
+              <a:defRPr sz="1800" kern="1200">
+                <a:solidFill>
+                  <a:schemeClr val="lt1"/>
+                </a:solidFill>
+                <a:latin typeface="+mn-lt"/>
+                <a:ea typeface="+mn-ea"/>
+                <a:cs typeface="+mn-cs"/>
+              </a:defRPr>
+            </a:lvl2pPr>
+            <a:lvl3pPr marL="914400" algn="l" defTabSz="914400" rtl="0" eaLnBrk="1" latinLnBrk="0" hangingPunct="1">
+              <a:defRPr sz="1800" kern="1200">
+                <a:solidFill>
+                  <a:schemeClr val="lt1"/>
+                </a:solidFill>
+                <a:latin typeface="+mn-lt"/>
+                <a:ea typeface="+mn-ea"/>
+                <a:cs typeface="+mn-cs"/>
+              </a:defRPr>
+            </a:lvl3pPr>
+            <a:lvl4pPr marL="1371600" algn="l" defTabSz="914400" rtl="0" eaLnBrk="1" latinLnBrk="0" hangingPunct="1">
+              <a:defRPr sz="1800" kern="1200">
+                <a:solidFill>
+                  <a:schemeClr val="lt1"/>
+                </a:solidFill>
+                <a:latin typeface="+mn-lt"/>
+                <a:ea typeface="+mn-ea"/>
+                <a:cs typeface="+mn-cs"/>
+              </a:defRPr>
+            </a:lvl4pPr>
+            <a:lvl5pPr marL="1828800" algn="l" defTabSz="914400" rtl="0" eaLnBrk="1" latinLnBrk="0" hangingPunct="1">
+              <a:defRPr sz="1800" kern="1200">
+                <a:solidFill>
+                  <a:schemeClr val="lt1"/>
+                </a:solidFill>
+                <a:latin typeface="+mn-lt"/>
+                <a:ea typeface="+mn-ea"/>
+                <a:cs typeface="+mn-cs"/>
+              </a:defRPr>
+            </a:lvl5pPr>
+            <a:lvl6pPr marL="2286000" algn="l" defTabSz="914400" rtl="0" eaLnBrk="1" latinLnBrk="0" hangingPunct="1">
+              <a:defRPr sz="1800" kern="1200">
+                <a:solidFill>
+                  <a:schemeClr val="lt1"/>
+                </a:solidFill>
+                <a:latin typeface="+mn-lt"/>
+                <a:ea typeface="+mn-ea"/>
+                <a:cs typeface="+mn-cs"/>
+              </a:defRPr>
+            </a:lvl6pPr>
+            <a:lvl7pPr marL="2743200" algn="l" defTabSz="914400" rtl="0" eaLnBrk="1" latinLnBrk="0" hangingPunct="1">
+              <a:defRPr sz="1800" kern="1200">
+                <a:solidFill>
+                  <a:schemeClr val="lt1"/>
+                </a:solidFill>
+                <a:latin typeface="+mn-lt"/>
+                <a:ea typeface="+mn-ea"/>
+                <a:cs typeface="+mn-cs"/>
+              </a:defRPr>
+            </a:lvl7pPr>
+            <a:lvl8pPr marL="3200400" algn="l" defTabSz="914400" rtl="0" eaLnBrk="1" latinLnBrk="0" hangingPunct="1">
+              <a:defRPr sz="1800" kern="1200">
+                <a:solidFill>
+                  <a:schemeClr val="lt1"/>
+                </a:solidFill>
+                <a:latin typeface="+mn-lt"/>
+                <a:ea typeface="+mn-ea"/>
+                <a:cs typeface="+mn-cs"/>
+              </a:defRPr>
+            </a:lvl8pPr>
+            <a:lvl9pPr marL="3657600" algn="l" defTabSz="914400" rtl="0" eaLnBrk="1" latinLnBrk="0" hangingPunct="1">
+              <a:defRPr sz="1800" kern="1200">
+                <a:solidFill>
+                  <a:schemeClr val="lt1"/>
+                </a:solidFill>
+                <a:latin typeface="+mn-lt"/>
+                <a:ea typeface="+mn-ea"/>
+                <a:cs typeface="+mn-cs"/>
+              </a:defRPr>
+            </a:lvl9pPr>
+          </a:lstStyle>
+          <a:p>
+            <a:pPr algn="ctr"/>
+            <a:endParaRPr lang="en-GB"/>
+          </a:p>
+        </p:txBody>
+      </p:sp>
+      <p:sp>
+        <p:nvSpPr>
           <p:cNvPr id="2" name="Title 1">
             <a:extLst>
               <a:ext uri="{FF2B5EF4-FFF2-40B4-BE49-F238E27FC236}">
@@ -3773,11 +4494,17 @@
         </p:nvSpPr>
         <p:spPr/>
         <p:txBody>
-          <a:bodyPr/>
+          <a:bodyPr>
+            <a:normAutofit/>
+          </a:bodyPr>
           <a:lstStyle/>
           <a:p>
             <a:r>
-              <a:rPr lang="en-GB" dirty="0"/>
+              <a:rPr lang="en-GB" sz="3200" dirty="0">
+                <a:solidFill>
+                  <a:schemeClr val="bg1"/>
+                </a:solidFill>
+              </a:rPr>
               <a:t>Implementation: Generator Puzzle (Week 6)</a:t>
             </a:r>
           </a:p>
@@ -3804,7 +4531,14 @@
           <a:bodyPr/>
           <a:lstStyle/>
           <a:p>
-            <a:endParaRPr lang="en-GB"/>
+            <a:r>
+              <a:rPr lang="en-GB" dirty="0">
+                <a:solidFill>
+                  <a:schemeClr val="bg1"/>
+                </a:solidFill>
+              </a:rPr>
+              <a:t>g</a:t>
+            </a:r>
           </a:p>
         </p:txBody>
       </p:sp>
@@ -3840,6 +4574,152 @@
       </p:grpSpPr>
       <p:sp>
         <p:nvSpPr>
+          <p:cNvPr id="4" name="Rectangle 3">
+            <a:extLst>
+              <a:ext uri="{FF2B5EF4-FFF2-40B4-BE49-F238E27FC236}">
+                <a16:creationId xmlns:a16="http://schemas.microsoft.com/office/drawing/2014/main" id="{16224251-3012-3AD5-CD4A-3EA25F6CF104}"/>
+              </a:ext>
+            </a:extLst>
+          </p:cNvPr>
+          <p:cNvSpPr/>
+          <p:nvPr/>
+        </p:nvSpPr>
+        <p:spPr>
+          <a:xfrm>
+            <a:off x="0" y="0"/>
+            <a:ext cx="12192000" cy="6858000"/>
+          </a:xfrm>
+          <a:prstGeom prst="rect">
+            <a:avLst/>
+          </a:prstGeom>
+          <a:solidFill>
+            <a:schemeClr val="tx1"/>
+          </a:solidFill>
+          <a:ln>
+            <a:noFill/>
+          </a:ln>
+        </p:spPr>
+        <p:style>
+          <a:lnRef idx="2">
+            <a:schemeClr val="accent1">
+              <a:shade val="15000"/>
+            </a:schemeClr>
+          </a:lnRef>
+          <a:fillRef idx="1">
+            <a:schemeClr val="accent1"/>
+          </a:fillRef>
+          <a:effectRef idx="0">
+            <a:schemeClr val="accent1"/>
+          </a:effectRef>
+          <a:fontRef idx="minor">
+            <a:schemeClr val="lt1"/>
+          </a:fontRef>
+        </p:style>
+        <p:txBody>
+          <a:bodyPr rtlCol="0" anchor="ctr"/>
+          <a:lstStyle>
+            <a:defPPr>
+              <a:defRPr lang="en-US"/>
+            </a:defPPr>
+            <a:lvl1pPr marL="0" algn="l" defTabSz="914400" rtl="0" eaLnBrk="1" latinLnBrk="0" hangingPunct="1">
+              <a:defRPr sz="1800" kern="1200">
+                <a:solidFill>
+                  <a:schemeClr val="lt1"/>
+                </a:solidFill>
+                <a:latin typeface="+mn-lt"/>
+                <a:ea typeface="+mn-ea"/>
+                <a:cs typeface="+mn-cs"/>
+              </a:defRPr>
+            </a:lvl1pPr>
+            <a:lvl2pPr marL="457200" algn="l" defTabSz="914400" rtl="0" eaLnBrk="1" latinLnBrk="0" hangingPunct="1">
+              <a:defRPr sz="1800" kern="1200">
+                <a:solidFill>
+                  <a:schemeClr val="lt1"/>
+                </a:solidFill>
+                <a:latin typeface="+mn-lt"/>
+                <a:ea typeface="+mn-ea"/>
+                <a:cs typeface="+mn-cs"/>
+              </a:defRPr>
+            </a:lvl2pPr>
+            <a:lvl3pPr marL="914400" algn="l" defTabSz="914400" rtl="0" eaLnBrk="1" latinLnBrk="0" hangingPunct="1">
+              <a:defRPr sz="1800" kern="1200">
+                <a:solidFill>
+                  <a:schemeClr val="lt1"/>
+                </a:solidFill>
+                <a:latin typeface="+mn-lt"/>
+                <a:ea typeface="+mn-ea"/>
+                <a:cs typeface="+mn-cs"/>
+              </a:defRPr>
+            </a:lvl3pPr>
+            <a:lvl4pPr marL="1371600" algn="l" defTabSz="914400" rtl="0" eaLnBrk="1" latinLnBrk="0" hangingPunct="1">
+              <a:defRPr sz="1800" kern="1200">
+                <a:solidFill>
+                  <a:schemeClr val="lt1"/>
+                </a:solidFill>
+                <a:latin typeface="+mn-lt"/>
+                <a:ea typeface="+mn-ea"/>
+                <a:cs typeface="+mn-cs"/>
+              </a:defRPr>
+            </a:lvl4pPr>
+            <a:lvl5pPr marL="1828800" algn="l" defTabSz="914400" rtl="0" eaLnBrk="1" latinLnBrk="0" hangingPunct="1">
+              <a:defRPr sz="1800" kern="1200">
+                <a:solidFill>
+                  <a:schemeClr val="lt1"/>
+                </a:solidFill>
+                <a:latin typeface="+mn-lt"/>
+                <a:ea typeface="+mn-ea"/>
+                <a:cs typeface="+mn-cs"/>
+              </a:defRPr>
+            </a:lvl5pPr>
+            <a:lvl6pPr marL="2286000" algn="l" defTabSz="914400" rtl="0" eaLnBrk="1" latinLnBrk="0" hangingPunct="1">
+              <a:defRPr sz="1800" kern="1200">
+                <a:solidFill>
+                  <a:schemeClr val="lt1"/>
+                </a:solidFill>
+                <a:latin typeface="+mn-lt"/>
+                <a:ea typeface="+mn-ea"/>
+                <a:cs typeface="+mn-cs"/>
+              </a:defRPr>
+            </a:lvl6pPr>
+            <a:lvl7pPr marL="2743200" algn="l" defTabSz="914400" rtl="0" eaLnBrk="1" latinLnBrk="0" hangingPunct="1">
+              <a:defRPr sz="1800" kern="1200">
+                <a:solidFill>
+                  <a:schemeClr val="lt1"/>
+                </a:solidFill>
+                <a:latin typeface="+mn-lt"/>
+                <a:ea typeface="+mn-ea"/>
+                <a:cs typeface="+mn-cs"/>
+              </a:defRPr>
+            </a:lvl7pPr>
+            <a:lvl8pPr marL="3200400" algn="l" defTabSz="914400" rtl="0" eaLnBrk="1" latinLnBrk="0" hangingPunct="1">
+              <a:defRPr sz="1800" kern="1200">
+                <a:solidFill>
+                  <a:schemeClr val="lt1"/>
+                </a:solidFill>
+                <a:latin typeface="+mn-lt"/>
+                <a:ea typeface="+mn-ea"/>
+                <a:cs typeface="+mn-cs"/>
+              </a:defRPr>
+            </a:lvl8pPr>
+            <a:lvl9pPr marL="3657600" algn="l" defTabSz="914400" rtl="0" eaLnBrk="1" latinLnBrk="0" hangingPunct="1">
+              <a:defRPr sz="1800" kern="1200">
+                <a:solidFill>
+                  <a:schemeClr val="lt1"/>
+                </a:solidFill>
+                <a:latin typeface="+mn-lt"/>
+                <a:ea typeface="+mn-ea"/>
+                <a:cs typeface="+mn-cs"/>
+              </a:defRPr>
+            </a:lvl9pPr>
+          </a:lstStyle>
+          <a:p>
+            <a:pPr algn="ctr"/>
+            <a:endParaRPr lang="en-GB"/>
+          </a:p>
+        </p:txBody>
+      </p:sp>
+      <p:sp>
+        <p:nvSpPr>
           <p:cNvPr id="2" name="Title 1">
             <a:extLst>
               <a:ext uri="{FF2B5EF4-FFF2-40B4-BE49-F238E27FC236}">
@@ -3856,11 +4736,17 @@
         </p:nvSpPr>
         <p:spPr/>
         <p:txBody>
-          <a:bodyPr/>
+          <a:bodyPr>
+            <a:normAutofit/>
+          </a:bodyPr>
           <a:lstStyle/>
           <a:p>
             <a:r>
-              <a:rPr lang="en-GB" dirty="0"/>
+              <a:rPr lang="en-GB" sz="3200" dirty="0">
+                <a:solidFill>
+                  <a:schemeClr val="bg1"/>
+                </a:solidFill>
+              </a:rPr>
               <a:t>Implementation: Heartbeat QTE Mechanic (Week 7)</a:t>
             </a:r>
           </a:p>
@@ -3887,7 +4773,14 @@
           <a:bodyPr/>
           <a:lstStyle/>
           <a:p>
-            <a:endParaRPr lang="en-GB"/>
+            <a:r>
+              <a:rPr lang="en-GB" dirty="0">
+                <a:solidFill>
+                  <a:schemeClr val="bg1"/>
+                </a:solidFill>
+              </a:rPr>
+              <a:t>h</a:t>
+            </a:r>
           </a:p>
         </p:txBody>
       </p:sp>
@@ -3923,6 +4816,152 @@
       </p:grpSpPr>
       <p:sp>
         <p:nvSpPr>
+          <p:cNvPr id="4" name="Rectangle 3">
+            <a:extLst>
+              <a:ext uri="{FF2B5EF4-FFF2-40B4-BE49-F238E27FC236}">
+                <a16:creationId xmlns:a16="http://schemas.microsoft.com/office/drawing/2014/main" id="{16224251-3012-3AD5-CD4A-3EA25F6CF104}"/>
+              </a:ext>
+            </a:extLst>
+          </p:cNvPr>
+          <p:cNvSpPr/>
+          <p:nvPr/>
+        </p:nvSpPr>
+        <p:spPr>
+          <a:xfrm>
+            <a:off x="0" y="0"/>
+            <a:ext cx="12192000" cy="6858000"/>
+          </a:xfrm>
+          <a:prstGeom prst="rect">
+            <a:avLst/>
+          </a:prstGeom>
+          <a:solidFill>
+            <a:schemeClr val="tx1"/>
+          </a:solidFill>
+          <a:ln>
+            <a:noFill/>
+          </a:ln>
+        </p:spPr>
+        <p:style>
+          <a:lnRef idx="2">
+            <a:schemeClr val="accent1">
+              <a:shade val="15000"/>
+            </a:schemeClr>
+          </a:lnRef>
+          <a:fillRef idx="1">
+            <a:schemeClr val="accent1"/>
+          </a:fillRef>
+          <a:effectRef idx="0">
+            <a:schemeClr val="accent1"/>
+          </a:effectRef>
+          <a:fontRef idx="minor">
+            <a:schemeClr val="lt1"/>
+          </a:fontRef>
+        </p:style>
+        <p:txBody>
+          <a:bodyPr rtlCol="0" anchor="ctr"/>
+          <a:lstStyle>
+            <a:defPPr>
+              <a:defRPr lang="en-US"/>
+            </a:defPPr>
+            <a:lvl1pPr marL="0" algn="l" defTabSz="914400" rtl="0" eaLnBrk="1" latinLnBrk="0" hangingPunct="1">
+              <a:defRPr sz="1800" kern="1200">
+                <a:solidFill>
+                  <a:schemeClr val="lt1"/>
+                </a:solidFill>
+                <a:latin typeface="+mn-lt"/>
+                <a:ea typeface="+mn-ea"/>
+                <a:cs typeface="+mn-cs"/>
+              </a:defRPr>
+            </a:lvl1pPr>
+            <a:lvl2pPr marL="457200" algn="l" defTabSz="914400" rtl="0" eaLnBrk="1" latinLnBrk="0" hangingPunct="1">
+              <a:defRPr sz="1800" kern="1200">
+                <a:solidFill>
+                  <a:schemeClr val="lt1"/>
+                </a:solidFill>
+                <a:latin typeface="+mn-lt"/>
+                <a:ea typeface="+mn-ea"/>
+                <a:cs typeface="+mn-cs"/>
+              </a:defRPr>
+            </a:lvl2pPr>
+            <a:lvl3pPr marL="914400" algn="l" defTabSz="914400" rtl="0" eaLnBrk="1" latinLnBrk="0" hangingPunct="1">
+              <a:defRPr sz="1800" kern="1200">
+                <a:solidFill>
+                  <a:schemeClr val="lt1"/>
+                </a:solidFill>
+                <a:latin typeface="+mn-lt"/>
+                <a:ea typeface="+mn-ea"/>
+                <a:cs typeface="+mn-cs"/>
+              </a:defRPr>
+            </a:lvl3pPr>
+            <a:lvl4pPr marL="1371600" algn="l" defTabSz="914400" rtl="0" eaLnBrk="1" latinLnBrk="0" hangingPunct="1">
+              <a:defRPr sz="1800" kern="1200">
+                <a:solidFill>
+                  <a:schemeClr val="lt1"/>
+                </a:solidFill>
+                <a:latin typeface="+mn-lt"/>
+                <a:ea typeface="+mn-ea"/>
+                <a:cs typeface="+mn-cs"/>
+              </a:defRPr>
+            </a:lvl4pPr>
+            <a:lvl5pPr marL="1828800" algn="l" defTabSz="914400" rtl="0" eaLnBrk="1" latinLnBrk="0" hangingPunct="1">
+              <a:defRPr sz="1800" kern="1200">
+                <a:solidFill>
+                  <a:schemeClr val="lt1"/>
+                </a:solidFill>
+                <a:latin typeface="+mn-lt"/>
+                <a:ea typeface="+mn-ea"/>
+                <a:cs typeface="+mn-cs"/>
+              </a:defRPr>
+            </a:lvl5pPr>
+            <a:lvl6pPr marL="2286000" algn="l" defTabSz="914400" rtl="0" eaLnBrk="1" latinLnBrk="0" hangingPunct="1">
+              <a:defRPr sz="1800" kern="1200">
+                <a:solidFill>
+                  <a:schemeClr val="lt1"/>
+                </a:solidFill>
+                <a:latin typeface="+mn-lt"/>
+                <a:ea typeface="+mn-ea"/>
+                <a:cs typeface="+mn-cs"/>
+              </a:defRPr>
+            </a:lvl6pPr>
+            <a:lvl7pPr marL="2743200" algn="l" defTabSz="914400" rtl="0" eaLnBrk="1" latinLnBrk="0" hangingPunct="1">
+              <a:defRPr sz="1800" kern="1200">
+                <a:solidFill>
+                  <a:schemeClr val="lt1"/>
+                </a:solidFill>
+                <a:latin typeface="+mn-lt"/>
+                <a:ea typeface="+mn-ea"/>
+                <a:cs typeface="+mn-cs"/>
+              </a:defRPr>
+            </a:lvl7pPr>
+            <a:lvl8pPr marL="3200400" algn="l" defTabSz="914400" rtl="0" eaLnBrk="1" latinLnBrk="0" hangingPunct="1">
+              <a:defRPr sz="1800" kern="1200">
+                <a:solidFill>
+                  <a:schemeClr val="lt1"/>
+                </a:solidFill>
+                <a:latin typeface="+mn-lt"/>
+                <a:ea typeface="+mn-ea"/>
+                <a:cs typeface="+mn-cs"/>
+              </a:defRPr>
+            </a:lvl8pPr>
+            <a:lvl9pPr marL="3657600" algn="l" defTabSz="914400" rtl="0" eaLnBrk="1" latinLnBrk="0" hangingPunct="1">
+              <a:defRPr sz="1800" kern="1200">
+                <a:solidFill>
+                  <a:schemeClr val="lt1"/>
+                </a:solidFill>
+                <a:latin typeface="+mn-lt"/>
+                <a:ea typeface="+mn-ea"/>
+                <a:cs typeface="+mn-cs"/>
+              </a:defRPr>
+            </a:lvl9pPr>
+          </a:lstStyle>
+          <a:p>
+            <a:pPr algn="ctr"/>
+            <a:endParaRPr lang="en-GB"/>
+          </a:p>
+        </p:txBody>
+      </p:sp>
+      <p:sp>
+        <p:nvSpPr>
           <p:cNvPr id="2" name="Title 1">
             <a:extLst>
               <a:ext uri="{FF2B5EF4-FFF2-40B4-BE49-F238E27FC236}">
@@ -3939,11 +4978,17 @@
         </p:nvSpPr>
         <p:spPr/>
         <p:txBody>
-          <a:bodyPr/>
+          <a:bodyPr>
+            <a:normAutofit/>
+          </a:bodyPr>
           <a:lstStyle/>
           <a:p>
             <a:r>
-              <a:rPr lang="en-GB" dirty="0"/>
+              <a:rPr lang="en-GB" sz="3200" dirty="0">
+                <a:solidFill>
+                  <a:schemeClr val="bg1"/>
+                </a:solidFill>
+              </a:rPr>
               <a:t>Implementation: Week 8 – 9 </a:t>
             </a:r>
           </a:p>
@@ -3982,6 +5027,9 @@
             </a:pPr>
             <a:r>
               <a:rPr lang="en-GB" sz="1800" dirty="0">
+                <a:solidFill>
+                  <a:schemeClr val="bg1"/>
+                </a:solidFill>
                 <a:effectLst/>
                 <a:latin typeface="Aptos" panose="020B0004020202020204" pitchFamily="34" charset="0"/>
                 <a:ea typeface="Aptos" panose="020B0004020202020204" pitchFamily="34" charset="0"/>
@@ -4001,6 +5049,9 @@
             </a:pPr>
             <a:r>
               <a:rPr lang="en-GB" sz="1800" dirty="0">
+                <a:solidFill>
+                  <a:schemeClr val="bg1"/>
+                </a:solidFill>
                 <a:effectLst/>
                 <a:latin typeface="Aptos" panose="020B0004020202020204" pitchFamily="34" charset="0"/>
                 <a:ea typeface="Aptos" panose="020B0004020202020204" pitchFamily="34" charset="0"/>
@@ -4020,6 +5071,9 @@
             </a:pPr>
             <a:r>
               <a:rPr lang="en-GB" sz="1800" dirty="0">
+                <a:solidFill>
+                  <a:schemeClr val="bg1"/>
+                </a:solidFill>
                 <a:effectLst/>
                 <a:latin typeface="Aptos" panose="020B0004020202020204" pitchFamily="34" charset="0"/>
                 <a:ea typeface="Aptos" panose="020B0004020202020204" pitchFamily="34" charset="0"/>
@@ -4062,6 +5116,152 @@
       </p:grpSpPr>
       <p:sp>
         <p:nvSpPr>
+          <p:cNvPr id="4" name="Rectangle 3">
+            <a:extLst>
+              <a:ext uri="{FF2B5EF4-FFF2-40B4-BE49-F238E27FC236}">
+                <a16:creationId xmlns:a16="http://schemas.microsoft.com/office/drawing/2014/main" id="{16224251-3012-3AD5-CD4A-3EA25F6CF104}"/>
+              </a:ext>
+            </a:extLst>
+          </p:cNvPr>
+          <p:cNvSpPr/>
+          <p:nvPr/>
+        </p:nvSpPr>
+        <p:spPr>
+          <a:xfrm>
+            <a:off x="0" y="0"/>
+            <a:ext cx="12192000" cy="6858000"/>
+          </a:xfrm>
+          <a:prstGeom prst="rect">
+            <a:avLst/>
+          </a:prstGeom>
+          <a:solidFill>
+            <a:schemeClr val="tx1"/>
+          </a:solidFill>
+          <a:ln>
+            <a:noFill/>
+          </a:ln>
+        </p:spPr>
+        <p:style>
+          <a:lnRef idx="2">
+            <a:schemeClr val="accent1">
+              <a:shade val="15000"/>
+            </a:schemeClr>
+          </a:lnRef>
+          <a:fillRef idx="1">
+            <a:schemeClr val="accent1"/>
+          </a:fillRef>
+          <a:effectRef idx="0">
+            <a:schemeClr val="accent1"/>
+          </a:effectRef>
+          <a:fontRef idx="minor">
+            <a:schemeClr val="lt1"/>
+          </a:fontRef>
+        </p:style>
+        <p:txBody>
+          <a:bodyPr rtlCol="0" anchor="ctr"/>
+          <a:lstStyle>
+            <a:defPPr>
+              <a:defRPr lang="en-US"/>
+            </a:defPPr>
+            <a:lvl1pPr marL="0" algn="l" defTabSz="914400" rtl="0" eaLnBrk="1" latinLnBrk="0" hangingPunct="1">
+              <a:defRPr sz="1800" kern="1200">
+                <a:solidFill>
+                  <a:schemeClr val="lt1"/>
+                </a:solidFill>
+                <a:latin typeface="+mn-lt"/>
+                <a:ea typeface="+mn-ea"/>
+                <a:cs typeface="+mn-cs"/>
+              </a:defRPr>
+            </a:lvl1pPr>
+            <a:lvl2pPr marL="457200" algn="l" defTabSz="914400" rtl="0" eaLnBrk="1" latinLnBrk="0" hangingPunct="1">
+              <a:defRPr sz="1800" kern="1200">
+                <a:solidFill>
+                  <a:schemeClr val="lt1"/>
+                </a:solidFill>
+                <a:latin typeface="+mn-lt"/>
+                <a:ea typeface="+mn-ea"/>
+                <a:cs typeface="+mn-cs"/>
+              </a:defRPr>
+            </a:lvl2pPr>
+            <a:lvl3pPr marL="914400" algn="l" defTabSz="914400" rtl="0" eaLnBrk="1" latinLnBrk="0" hangingPunct="1">
+              <a:defRPr sz="1800" kern="1200">
+                <a:solidFill>
+                  <a:schemeClr val="lt1"/>
+                </a:solidFill>
+                <a:latin typeface="+mn-lt"/>
+                <a:ea typeface="+mn-ea"/>
+                <a:cs typeface="+mn-cs"/>
+              </a:defRPr>
+            </a:lvl3pPr>
+            <a:lvl4pPr marL="1371600" algn="l" defTabSz="914400" rtl="0" eaLnBrk="1" latinLnBrk="0" hangingPunct="1">
+              <a:defRPr sz="1800" kern="1200">
+                <a:solidFill>
+                  <a:schemeClr val="lt1"/>
+                </a:solidFill>
+                <a:latin typeface="+mn-lt"/>
+                <a:ea typeface="+mn-ea"/>
+                <a:cs typeface="+mn-cs"/>
+              </a:defRPr>
+            </a:lvl4pPr>
+            <a:lvl5pPr marL="1828800" algn="l" defTabSz="914400" rtl="0" eaLnBrk="1" latinLnBrk="0" hangingPunct="1">
+              <a:defRPr sz="1800" kern="1200">
+                <a:solidFill>
+                  <a:schemeClr val="lt1"/>
+                </a:solidFill>
+                <a:latin typeface="+mn-lt"/>
+                <a:ea typeface="+mn-ea"/>
+                <a:cs typeface="+mn-cs"/>
+              </a:defRPr>
+            </a:lvl5pPr>
+            <a:lvl6pPr marL="2286000" algn="l" defTabSz="914400" rtl="0" eaLnBrk="1" latinLnBrk="0" hangingPunct="1">
+              <a:defRPr sz="1800" kern="1200">
+                <a:solidFill>
+                  <a:schemeClr val="lt1"/>
+                </a:solidFill>
+                <a:latin typeface="+mn-lt"/>
+                <a:ea typeface="+mn-ea"/>
+                <a:cs typeface="+mn-cs"/>
+              </a:defRPr>
+            </a:lvl6pPr>
+            <a:lvl7pPr marL="2743200" algn="l" defTabSz="914400" rtl="0" eaLnBrk="1" latinLnBrk="0" hangingPunct="1">
+              <a:defRPr sz="1800" kern="1200">
+                <a:solidFill>
+                  <a:schemeClr val="lt1"/>
+                </a:solidFill>
+                <a:latin typeface="+mn-lt"/>
+                <a:ea typeface="+mn-ea"/>
+                <a:cs typeface="+mn-cs"/>
+              </a:defRPr>
+            </a:lvl7pPr>
+            <a:lvl8pPr marL="3200400" algn="l" defTabSz="914400" rtl="0" eaLnBrk="1" latinLnBrk="0" hangingPunct="1">
+              <a:defRPr sz="1800" kern="1200">
+                <a:solidFill>
+                  <a:schemeClr val="lt1"/>
+                </a:solidFill>
+                <a:latin typeface="+mn-lt"/>
+                <a:ea typeface="+mn-ea"/>
+                <a:cs typeface="+mn-cs"/>
+              </a:defRPr>
+            </a:lvl8pPr>
+            <a:lvl9pPr marL="3657600" algn="l" defTabSz="914400" rtl="0" eaLnBrk="1" latinLnBrk="0" hangingPunct="1">
+              <a:defRPr sz="1800" kern="1200">
+                <a:solidFill>
+                  <a:schemeClr val="lt1"/>
+                </a:solidFill>
+                <a:latin typeface="+mn-lt"/>
+                <a:ea typeface="+mn-ea"/>
+                <a:cs typeface="+mn-cs"/>
+              </a:defRPr>
+            </a:lvl9pPr>
+          </a:lstStyle>
+          <a:p>
+            <a:pPr algn="ctr"/>
+            <a:endParaRPr lang="en-GB"/>
+          </a:p>
+        </p:txBody>
+      </p:sp>
+      <p:sp>
+        <p:nvSpPr>
           <p:cNvPr id="2" name="Title 1">
             <a:extLst>
               <a:ext uri="{FF2B5EF4-FFF2-40B4-BE49-F238E27FC236}">
@@ -4078,11 +5278,17 @@
         </p:nvSpPr>
         <p:spPr/>
         <p:txBody>
-          <a:bodyPr/>
+          <a:bodyPr>
+            <a:normAutofit/>
+          </a:bodyPr>
           <a:lstStyle/>
           <a:p>
             <a:r>
-              <a:rPr lang="en-GB" dirty="0"/>
+              <a:rPr lang="en-GB" sz="3200" dirty="0">
+                <a:solidFill>
+                  <a:schemeClr val="bg1"/>
+                </a:solidFill>
+              </a:rPr>
               <a:t>Implementation: Testing (Week 9)</a:t>
             </a:r>
           </a:p>
@@ -4119,6 +5325,9 @@
             </a:pPr>
             <a:r>
               <a:rPr lang="en-GB" sz="1800" dirty="0">
+                <a:solidFill>
+                  <a:schemeClr val="bg1"/>
+                </a:solidFill>
                 <a:effectLst/>
                 <a:latin typeface="Aptos" panose="020B0004020202020204" pitchFamily="34" charset="0"/>
                 <a:ea typeface="Aptos" panose="020B0004020202020204" pitchFamily="34" charset="0"/>
@@ -4161,6 +5370,152 @@
       </p:grpSpPr>
       <p:sp>
         <p:nvSpPr>
+          <p:cNvPr id="4" name="Rectangle 3">
+            <a:extLst>
+              <a:ext uri="{FF2B5EF4-FFF2-40B4-BE49-F238E27FC236}">
+                <a16:creationId xmlns:a16="http://schemas.microsoft.com/office/drawing/2014/main" id="{16224251-3012-3AD5-CD4A-3EA25F6CF104}"/>
+              </a:ext>
+            </a:extLst>
+          </p:cNvPr>
+          <p:cNvSpPr/>
+          <p:nvPr/>
+        </p:nvSpPr>
+        <p:spPr>
+          <a:xfrm>
+            <a:off x="0" y="0"/>
+            <a:ext cx="12192000" cy="6858000"/>
+          </a:xfrm>
+          <a:prstGeom prst="rect">
+            <a:avLst/>
+          </a:prstGeom>
+          <a:solidFill>
+            <a:schemeClr val="tx1"/>
+          </a:solidFill>
+          <a:ln>
+            <a:noFill/>
+          </a:ln>
+        </p:spPr>
+        <p:style>
+          <a:lnRef idx="2">
+            <a:schemeClr val="accent1">
+              <a:shade val="15000"/>
+            </a:schemeClr>
+          </a:lnRef>
+          <a:fillRef idx="1">
+            <a:schemeClr val="accent1"/>
+          </a:fillRef>
+          <a:effectRef idx="0">
+            <a:schemeClr val="accent1"/>
+          </a:effectRef>
+          <a:fontRef idx="minor">
+            <a:schemeClr val="lt1"/>
+          </a:fontRef>
+        </p:style>
+        <p:txBody>
+          <a:bodyPr rtlCol="0" anchor="ctr"/>
+          <a:lstStyle>
+            <a:defPPr>
+              <a:defRPr lang="en-US"/>
+            </a:defPPr>
+            <a:lvl1pPr marL="0" algn="l" defTabSz="914400" rtl="0" eaLnBrk="1" latinLnBrk="0" hangingPunct="1">
+              <a:defRPr sz="1800" kern="1200">
+                <a:solidFill>
+                  <a:schemeClr val="lt1"/>
+                </a:solidFill>
+                <a:latin typeface="+mn-lt"/>
+                <a:ea typeface="+mn-ea"/>
+                <a:cs typeface="+mn-cs"/>
+              </a:defRPr>
+            </a:lvl1pPr>
+            <a:lvl2pPr marL="457200" algn="l" defTabSz="914400" rtl="0" eaLnBrk="1" latinLnBrk="0" hangingPunct="1">
+              <a:defRPr sz="1800" kern="1200">
+                <a:solidFill>
+                  <a:schemeClr val="lt1"/>
+                </a:solidFill>
+                <a:latin typeface="+mn-lt"/>
+                <a:ea typeface="+mn-ea"/>
+                <a:cs typeface="+mn-cs"/>
+              </a:defRPr>
+            </a:lvl2pPr>
+            <a:lvl3pPr marL="914400" algn="l" defTabSz="914400" rtl="0" eaLnBrk="1" latinLnBrk="0" hangingPunct="1">
+              <a:defRPr sz="1800" kern="1200">
+                <a:solidFill>
+                  <a:schemeClr val="lt1"/>
+                </a:solidFill>
+                <a:latin typeface="+mn-lt"/>
+                <a:ea typeface="+mn-ea"/>
+                <a:cs typeface="+mn-cs"/>
+              </a:defRPr>
+            </a:lvl3pPr>
+            <a:lvl4pPr marL="1371600" algn="l" defTabSz="914400" rtl="0" eaLnBrk="1" latinLnBrk="0" hangingPunct="1">
+              <a:defRPr sz="1800" kern="1200">
+                <a:solidFill>
+                  <a:schemeClr val="lt1"/>
+                </a:solidFill>
+                <a:latin typeface="+mn-lt"/>
+                <a:ea typeface="+mn-ea"/>
+                <a:cs typeface="+mn-cs"/>
+              </a:defRPr>
+            </a:lvl4pPr>
+            <a:lvl5pPr marL="1828800" algn="l" defTabSz="914400" rtl="0" eaLnBrk="1" latinLnBrk="0" hangingPunct="1">
+              <a:defRPr sz="1800" kern="1200">
+                <a:solidFill>
+                  <a:schemeClr val="lt1"/>
+                </a:solidFill>
+                <a:latin typeface="+mn-lt"/>
+                <a:ea typeface="+mn-ea"/>
+                <a:cs typeface="+mn-cs"/>
+              </a:defRPr>
+            </a:lvl5pPr>
+            <a:lvl6pPr marL="2286000" algn="l" defTabSz="914400" rtl="0" eaLnBrk="1" latinLnBrk="0" hangingPunct="1">
+              <a:defRPr sz="1800" kern="1200">
+                <a:solidFill>
+                  <a:schemeClr val="lt1"/>
+                </a:solidFill>
+                <a:latin typeface="+mn-lt"/>
+                <a:ea typeface="+mn-ea"/>
+                <a:cs typeface="+mn-cs"/>
+              </a:defRPr>
+            </a:lvl6pPr>
+            <a:lvl7pPr marL="2743200" algn="l" defTabSz="914400" rtl="0" eaLnBrk="1" latinLnBrk="0" hangingPunct="1">
+              <a:defRPr sz="1800" kern="1200">
+                <a:solidFill>
+                  <a:schemeClr val="lt1"/>
+                </a:solidFill>
+                <a:latin typeface="+mn-lt"/>
+                <a:ea typeface="+mn-ea"/>
+                <a:cs typeface="+mn-cs"/>
+              </a:defRPr>
+            </a:lvl7pPr>
+            <a:lvl8pPr marL="3200400" algn="l" defTabSz="914400" rtl="0" eaLnBrk="1" latinLnBrk="0" hangingPunct="1">
+              <a:defRPr sz="1800" kern="1200">
+                <a:solidFill>
+                  <a:schemeClr val="lt1"/>
+                </a:solidFill>
+                <a:latin typeface="+mn-lt"/>
+                <a:ea typeface="+mn-ea"/>
+                <a:cs typeface="+mn-cs"/>
+              </a:defRPr>
+            </a:lvl8pPr>
+            <a:lvl9pPr marL="3657600" algn="l" defTabSz="914400" rtl="0" eaLnBrk="1" latinLnBrk="0" hangingPunct="1">
+              <a:defRPr sz="1800" kern="1200">
+                <a:solidFill>
+                  <a:schemeClr val="lt1"/>
+                </a:solidFill>
+                <a:latin typeface="+mn-lt"/>
+                <a:ea typeface="+mn-ea"/>
+                <a:cs typeface="+mn-cs"/>
+              </a:defRPr>
+            </a:lvl9pPr>
+          </a:lstStyle>
+          <a:p>
+            <a:pPr algn="ctr"/>
+            <a:endParaRPr lang="en-GB"/>
+          </a:p>
+        </p:txBody>
+      </p:sp>
+      <p:sp>
+        <p:nvSpPr>
           <p:cNvPr id="2" name="Title 1">
             <a:extLst>
               <a:ext uri="{FF2B5EF4-FFF2-40B4-BE49-F238E27FC236}">
@@ -4177,11 +5532,17 @@
         </p:nvSpPr>
         <p:spPr/>
         <p:txBody>
-          <a:bodyPr/>
+          <a:bodyPr>
+            <a:normAutofit/>
+          </a:bodyPr>
           <a:lstStyle/>
           <a:p>
             <a:r>
-              <a:rPr lang="en-GB" dirty="0"/>
+              <a:rPr lang="en-GB" sz="3200" dirty="0">
+                <a:solidFill>
+                  <a:schemeClr val="bg1"/>
+                </a:solidFill>
+              </a:rPr>
               <a:t>Implementation: Technical Difficulties</a:t>
             </a:r>
           </a:p>
@@ -4218,6 +5579,9 @@
             </a:pPr>
             <a:r>
               <a:rPr lang="en-GB" sz="1800" dirty="0">
+                <a:solidFill>
+                  <a:schemeClr val="bg1"/>
+                </a:solidFill>
                 <a:effectLst/>
                 <a:latin typeface="Aptos" panose="020B0004020202020204" pitchFamily="34" charset="0"/>
                 <a:ea typeface="Aptos" panose="020B0004020202020204" pitchFamily="34" charset="0"/>
@@ -4227,6 +5591,9 @@
             </a:r>
             <a:r>
               <a:rPr lang="en-GB" sz="1800" dirty="0" err="1">
+                <a:solidFill>
+                  <a:schemeClr val="bg1"/>
+                </a:solidFill>
                 <a:effectLst/>
                 <a:latin typeface="Aptos" panose="020B0004020202020204" pitchFamily="34" charset="0"/>
                 <a:ea typeface="Aptos" panose="020B0004020202020204" pitchFamily="34" charset="0"/>
@@ -4236,6 +5603,9 @@
             </a:r>
             <a:r>
               <a:rPr lang="en-GB" sz="1800" dirty="0">
+                <a:solidFill>
+                  <a:schemeClr val="bg1"/>
+                </a:solidFill>
                 <a:effectLst/>
                 <a:latin typeface="Aptos" panose="020B0004020202020204" pitchFamily="34" charset="0"/>
                 <a:ea typeface="Aptos" panose="020B0004020202020204" pitchFamily="34" charset="0"/>
@@ -4278,10 +5648,156 @@
       </p:grpSpPr>
       <p:sp>
         <p:nvSpPr>
+          <p:cNvPr id="4" name="Rectangle 3">
+            <a:extLst>
+              <a:ext uri="{FF2B5EF4-FFF2-40B4-BE49-F238E27FC236}">
+                <a16:creationId xmlns:a16="http://schemas.microsoft.com/office/drawing/2014/main" id="{16224251-3012-3AD5-CD4A-3EA25F6CF104}"/>
+              </a:ext>
+            </a:extLst>
+          </p:cNvPr>
+          <p:cNvSpPr/>
+          <p:nvPr/>
+        </p:nvSpPr>
+        <p:spPr>
+          <a:xfrm>
+            <a:off x="0" y="0"/>
+            <a:ext cx="12192000" cy="6858000"/>
+          </a:xfrm>
+          <a:prstGeom prst="rect">
+            <a:avLst/>
+          </a:prstGeom>
+          <a:solidFill>
+            <a:schemeClr val="tx1"/>
+          </a:solidFill>
+          <a:ln>
+            <a:noFill/>
+          </a:ln>
+        </p:spPr>
+        <p:style>
+          <a:lnRef idx="2">
+            <a:schemeClr val="accent1">
+              <a:shade val="15000"/>
+            </a:schemeClr>
+          </a:lnRef>
+          <a:fillRef idx="1">
+            <a:schemeClr val="accent1"/>
+          </a:fillRef>
+          <a:effectRef idx="0">
+            <a:schemeClr val="accent1"/>
+          </a:effectRef>
+          <a:fontRef idx="minor">
+            <a:schemeClr val="lt1"/>
+          </a:fontRef>
+        </p:style>
+        <p:txBody>
+          <a:bodyPr rtlCol="0" anchor="ctr"/>
+          <a:lstStyle>
+            <a:defPPr>
+              <a:defRPr lang="en-US"/>
+            </a:defPPr>
+            <a:lvl1pPr marL="0" algn="l" defTabSz="914400" rtl="0" eaLnBrk="1" latinLnBrk="0" hangingPunct="1">
+              <a:defRPr sz="1800" kern="1200">
+                <a:solidFill>
+                  <a:schemeClr val="lt1"/>
+                </a:solidFill>
+                <a:latin typeface="+mn-lt"/>
+                <a:ea typeface="+mn-ea"/>
+                <a:cs typeface="+mn-cs"/>
+              </a:defRPr>
+            </a:lvl1pPr>
+            <a:lvl2pPr marL="457200" algn="l" defTabSz="914400" rtl="0" eaLnBrk="1" latinLnBrk="0" hangingPunct="1">
+              <a:defRPr sz="1800" kern="1200">
+                <a:solidFill>
+                  <a:schemeClr val="lt1"/>
+                </a:solidFill>
+                <a:latin typeface="+mn-lt"/>
+                <a:ea typeface="+mn-ea"/>
+                <a:cs typeface="+mn-cs"/>
+              </a:defRPr>
+            </a:lvl2pPr>
+            <a:lvl3pPr marL="914400" algn="l" defTabSz="914400" rtl="0" eaLnBrk="1" latinLnBrk="0" hangingPunct="1">
+              <a:defRPr sz="1800" kern="1200">
+                <a:solidFill>
+                  <a:schemeClr val="lt1"/>
+                </a:solidFill>
+                <a:latin typeface="+mn-lt"/>
+                <a:ea typeface="+mn-ea"/>
+                <a:cs typeface="+mn-cs"/>
+              </a:defRPr>
+            </a:lvl3pPr>
+            <a:lvl4pPr marL="1371600" algn="l" defTabSz="914400" rtl="0" eaLnBrk="1" latinLnBrk="0" hangingPunct="1">
+              <a:defRPr sz="1800" kern="1200">
+                <a:solidFill>
+                  <a:schemeClr val="lt1"/>
+                </a:solidFill>
+                <a:latin typeface="+mn-lt"/>
+                <a:ea typeface="+mn-ea"/>
+                <a:cs typeface="+mn-cs"/>
+              </a:defRPr>
+            </a:lvl4pPr>
+            <a:lvl5pPr marL="1828800" algn="l" defTabSz="914400" rtl="0" eaLnBrk="1" latinLnBrk="0" hangingPunct="1">
+              <a:defRPr sz="1800" kern="1200">
+                <a:solidFill>
+                  <a:schemeClr val="lt1"/>
+                </a:solidFill>
+                <a:latin typeface="+mn-lt"/>
+                <a:ea typeface="+mn-ea"/>
+                <a:cs typeface="+mn-cs"/>
+              </a:defRPr>
+            </a:lvl5pPr>
+            <a:lvl6pPr marL="2286000" algn="l" defTabSz="914400" rtl="0" eaLnBrk="1" latinLnBrk="0" hangingPunct="1">
+              <a:defRPr sz="1800" kern="1200">
+                <a:solidFill>
+                  <a:schemeClr val="lt1"/>
+                </a:solidFill>
+                <a:latin typeface="+mn-lt"/>
+                <a:ea typeface="+mn-ea"/>
+                <a:cs typeface="+mn-cs"/>
+              </a:defRPr>
+            </a:lvl6pPr>
+            <a:lvl7pPr marL="2743200" algn="l" defTabSz="914400" rtl="0" eaLnBrk="1" latinLnBrk="0" hangingPunct="1">
+              <a:defRPr sz="1800" kern="1200">
+                <a:solidFill>
+                  <a:schemeClr val="lt1"/>
+                </a:solidFill>
+                <a:latin typeface="+mn-lt"/>
+                <a:ea typeface="+mn-ea"/>
+                <a:cs typeface="+mn-cs"/>
+              </a:defRPr>
+            </a:lvl7pPr>
+            <a:lvl8pPr marL="3200400" algn="l" defTabSz="914400" rtl="0" eaLnBrk="1" latinLnBrk="0" hangingPunct="1">
+              <a:defRPr sz="1800" kern="1200">
+                <a:solidFill>
+                  <a:schemeClr val="lt1"/>
+                </a:solidFill>
+                <a:latin typeface="+mn-lt"/>
+                <a:ea typeface="+mn-ea"/>
+                <a:cs typeface="+mn-cs"/>
+              </a:defRPr>
+            </a:lvl8pPr>
+            <a:lvl9pPr marL="3657600" algn="l" defTabSz="914400" rtl="0" eaLnBrk="1" latinLnBrk="0" hangingPunct="1">
+              <a:defRPr sz="1800" kern="1200">
+                <a:solidFill>
+                  <a:schemeClr val="lt1"/>
+                </a:solidFill>
+                <a:latin typeface="+mn-lt"/>
+                <a:ea typeface="+mn-ea"/>
+                <a:cs typeface="+mn-cs"/>
+              </a:defRPr>
+            </a:lvl9pPr>
+          </a:lstStyle>
+          <a:p>
+            <a:pPr algn="ctr"/>
+            <a:endParaRPr lang="en-GB"/>
+          </a:p>
+        </p:txBody>
+      </p:sp>
+      <p:sp>
+        <p:nvSpPr>
           <p:cNvPr id="2" name="Title 1">
             <a:extLst>
               <a:ext uri="{FF2B5EF4-FFF2-40B4-BE49-F238E27FC236}">
-                <a16:creationId xmlns:a16="http://schemas.microsoft.com/office/drawing/2014/main" id="{63C01D6D-A69E-B033-4E26-8196367553EB}"/>
+                <a16:creationId xmlns:a16="http://schemas.microsoft.com/office/drawing/2014/main" id="{832DEC32-D352-B67E-CA72-64EFCE00D459}"/>
               </a:ext>
             </a:extLst>
           </p:cNvPr>
@@ -4294,217 +5810,18 @@
         </p:nvSpPr>
         <p:spPr/>
         <p:txBody>
-          <a:bodyPr/>
-          <a:lstStyle/>
-          <a:p>
-            <a:r>
-              <a:rPr lang="en-GB" dirty="0"/>
-              <a:t>Critical Reflection: Research Effectiveness (Week 10)</a:t>
-            </a:r>
-          </a:p>
-        </p:txBody>
-      </p:sp>
-      <p:sp>
-        <p:nvSpPr>
-          <p:cNvPr id="3" name="Content Placeholder 2">
-            <a:extLst>
-              <a:ext uri="{FF2B5EF4-FFF2-40B4-BE49-F238E27FC236}">
-                <a16:creationId xmlns:a16="http://schemas.microsoft.com/office/drawing/2014/main" id="{AFB84947-11CA-84F4-9A48-898D7E9A11DF}"/>
-              </a:ext>
-            </a:extLst>
-          </p:cNvPr>
-          <p:cNvSpPr>
-            <a:spLocks noGrp="1"/>
-          </p:cNvSpPr>
-          <p:nvPr>
-            <p:ph idx="1"/>
-          </p:nvPr>
-        </p:nvSpPr>
-        <p:spPr/>
-        <p:txBody>
           <a:bodyPr>
-            <a:normAutofit fontScale="85000" lnSpcReduction="10000"/>
+            <a:normAutofit/>
           </a:bodyPr>
           <a:lstStyle/>
           <a:p>
-            <a:pPr>
-              <a:lnSpc>
-                <a:spcPct val="107000"/>
-              </a:lnSpc>
-              <a:spcAft>
-                <a:spcPts val="800"/>
-              </a:spcAft>
-            </a:pPr>
-            <a:r>
-              <a:rPr lang="en-GB" sz="1800" dirty="0">
-                <a:effectLst/>
-                <a:latin typeface="Aptos" panose="020B0004020202020204" pitchFamily="34" charset="0"/>
-                <a:ea typeface="Aptos" panose="020B0004020202020204" pitchFamily="34" charset="0"/>
-                <a:cs typeface="Times New Roman" panose="02020603050405020304" pitchFamily="18" charset="0"/>
-              </a:rPr>
-              <a:t>The research I conducted for this project has been incredibly valuable, providing me with a strong foundation for understanding the source material, </a:t>
-            </a:r>
-            <a:r>
-              <a:rPr lang="en-GB" sz="1800" i="1" dirty="0">
-                <a:effectLst/>
-                <a:latin typeface="Aptos" panose="020B0004020202020204" pitchFamily="34" charset="0"/>
-                <a:ea typeface="Aptos" panose="020B0004020202020204" pitchFamily="34" charset="0"/>
-                <a:cs typeface="Times New Roman" panose="02020603050405020304" pitchFamily="18" charset="0"/>
-              </a:rPr>
-              <a:t>*The Casting of Frank Stone*</a:t>
-            </a:r>
-            <a:r>
-              <a:rPr lang="en-GB" sz="1800" dirty="0">
-                <a:effectLst/>
-                <a:latin typeface="Aptos" panose="020B0004020202020204" pitchFamily="34" charset="0"/>
-                <a:ea typeface="Aptos" panose="020B0004020202020204" pitchFamily="34" charset="0"/>
-                <a:cs typeface="Times New Roman" panose="02020603050405020304" pitchFamily="18" charset="0"/>
-              </a:rPr>
-              <a:t>, and the broader context of horror and interactive narrative mechanics. </a:t>
-            </a:r>
-            <a:r>
-              <a:rPr lang="en-GB" sz="1800" dirty="0" err="1">
-                <a:effectLst/>
-                <a:latin typeface="Aptos" panose="020B0004020202020204" pitchFamily="34" charset="0"/>
-                <a:ea typeface="Aptos" panose="020B0004020202020204" pitchFamily="34" charset="0"/>
-                <a:cs typeface="Times New Roman" panose="02020603050405020304" pitchFamily="18" charset="0"/>
-              </a:rPr>
-              <a:t>Analyzing</a:t>
-            </a:r>
-            <a:r>
-              <a:rPr lang="en-GB" sz="1800" dirty="0">
-                <a:effectLst/>
-                <a:latin typeface="Aptos" panose="020B0004020202020204" pitchFamily="34" charset="0"/>
-                <a:ea typeface="Aptos" panose="020B0004020202020204" pitchFamily="34" charset="0"/>
-                <a:cs typeface="Times New Roman" panose="02020603050405020304" pitchFamily="18" charset="0"/>
-              </a:rPr>
-              <a:t> gameplay mechanics such as movement systems, QTEs, and flashlight mechanics helped me replicate the immersive experience of the original game, ensuring the gameplay elements in my project function cohesively to build tension. Exploring various horror mechanics like jump scares, task juggling, and hiding deepened my understanding of how to intensify emotional engagement, while research into interactive narrative mechanics, like choice and consequence and branching narratives, offered insight into crafting a responsive and dynamic story. Even though I didn’t play </a:t>
-            </a:r>
-            <a:r>
-              <a:rPr lang="en-GB" sz="1800" i="1" dirty="0">
-                <a:effectLst/>
-                <a:latin typeface="Aptos" panose="020B0004020202020204" pitchFamily="34" charset="0"/>
-                <a:ea typeface="Aptos" panose="020B0004020202020204" pitchFamily="34" charset="0"/>
-                <a:cs typeface="Times New Roman" panose="02020603050405020304" pitchFamily="18" charset="0"/>
-              </a:rPr>
-              <a:t>*The Casting of Frank Stone*</a:t>
-            </a:r>
-            <a:r>
-              <a:rPr lang="en-GB" sz="1800" dirty="0">
-                <a:effectLst/>
-                <a:latin typeface="Aptos" panose="020B0004020202020204" pitchFamily="34" charset="0"/>
-                <a:ea typeface="Aptos" panose="020B0004020202020204" pitchFamily="34" charset="0"/>
-                <a:cs typeface="Times New Roman" panose="02020603050405020304" pitchFamily="18" charset="0"/>
-              </a:rPr>
-              <a:t> directly, </a:t>
-            </a:r>
-            <a:r>
-              <a:rPr lang="en-GB" sz="1800" dirty="0" err="1">
-                <a:effectLst/>
-                <a:latin typeface="Aptos" panose="020B0004020202020204" pitchFamily="34" charset="0"/>
-                <a:ea typeface="Aptos" panose="020B0004020202020204" pitchFamily="34" charset="0"/>
-                <a:cs typeface="Times New Roman" panose="02020603050405020304" pitchFamily="18" charset="0"/>
-              </a:rPr>
-              <a:t>analyzing</a:t>
-            </a:r>
-            <a:r>
-              <a:rPr lang="en-GB" sz="1800" dirty="0">
-                <a:effectLst/>
-                <a:latin typeface="Aptos" panose="020B0004020202020204" pitchFamily="34" charset="0"/>
-                <a:ea typeface="Aptos" panose="020B0004020202020204" pitchFamily="34" charset="0"/>
-                <a:cs typeface="Times New Roman" panose="02020603050405020304" pitchFamily="18" charset="0"/>
-              </a:rPr>
-              <a:t> a full gameplay walkthrough provided critical understanding of its mechanics and concrete examples for my development. The sources that had the most significant impact were the gameplay analysis of </a:t>
-            </a:r>
-            <a:r>
-              <a:rPr lang="en-GB" sz="1800" i="1" dirty="0">
-                <a:effectLst/>
-                <a:latin typeface="Aptos" panose="020B0004020202020204" pitchFamily="34" charset="0"/>
-                <a:ea typeface="Aptos" panose="020B0004020202020204" pitchFamily="34" charset="0"/>
-                <a:cs typeface="Times New Roman" panose="02020603050405020304" pitchFamily="18" charset="0"/>
-              </a:rPr>
-              <a:t>*The Casting of Frank Stone*</a:t>
-            </a:r>
-            <a:r>
-              <a:rPr lang="en-GB" sz="1800" dirty="0">
-                <a:effectLst/>
-                <a:latin typeface="Aptos" panose="020B0004020202020204" pitchFamily="34" charset="0"/>
-                <a:ea typeface="Aptos" panose="020B0004020202020204" pitchFamily="34" charset="0"/>
-                <a:cs typeface="Times New Roman" panose="02020603050405020304" pitchFamily="18" charset="0"/>
-              </a:rPr>
-              <a:t>, the article on horror gameplay mechanics from </a:t>
-            </a:r>
-            <a:r>
-              <a:rPr lang="en-GB" sz="1800" i="1" dirty="0">
-                <a:effectLst/>
-                <a:latin typeface="Aptos" panose="020B0004020202020204" pitchFamily="34" charset="0"/>
-                <a:ea typeface="Aptos" panose="020B0004020202020204" pitchFamily="34" charset="0"/>
-                <a:cs typeface="Times New Roman" panose="02020603050405020304" pitchFamily="18" charset="0"/>
-              </a:rPr>
-              <a:t>*</a:t>
-            </a:r>
-            <a:r>
-              <a:rPr lang="en-GB" sz="1800" i="1" dirty="0" err="1">
-                <a:effectLst/>
-                <a:latin typeface="Aptos" panose="020B0004020202020204" pitchFamily="34" charset="0"/>
-                <a:ea typeface="Aptos" panose="020B0004020202020204" pitchFamily="34" charset="0"/>
-                <a:cs typeface="Times New Roman" panose="02020603050405020304" pitchFamily="18" charset="0"/>
-              </a:rPr>
-              <a:t>TheGamer</a:t>
-            </a:r>
-            <a:r>
-              <a:rPr lang="en-GB" sz="1800" i="1" dirty="0">
-                <a:effectLst/>
-                <a:latin typeface="Aptos" panose="020B0004020202020204" pitchFamily="34" charset="0"/>
-                <a:ea typeface="Aptos" panose="020B0004020202020204" pitchFamily="34" charset="0"/>
-                <a:cs typeface="Times New Roman" panose="02020603050405020304" pitchFamily="18" charset="0"/>
-              </a:rPr>
-              <a:t>*</a:t>
-            </a:r>
-            <a:r>
-              <a:rPr lang="en-GB" sz="1800" dirty="0">
-                <a:effectLst/>
-                <a:latin typeface="Aptos" panose="020B0004020202020204" pitchFamily="34" charset="0"/>
-                <a:ea typeface="Aptos" panose="020B0004020202020204" pitchFamily="34" charset="0"/>
-                <a:cs typeface="Times New Roman" panose="02020603050405020304" pitchFamily="18" charset="0"/>
-              </a:rPr>
-              <a:t>, and the insights from the </a:t>
-            </a:r>
-            <a:r>
-              <a:rPr lang="en-GB" sz="1800" i="1" dirty="0">
-                <a:effectLst/>
-                <a:latin typeface="Aptos" panose="020B0004020202020204" pitchFamily="34" charset="0"/>
-                <a:ea typeface="Aptos" panose="020B0004020202020204" pitchFamily="34" charset="0"/>
-                <a:cs typeface="Times New Roman" panose="02020603050405020304" pitchFamily="18" charset="0"/>
-              </a:rPr>
-              <a:t>*</a:t>
-            </a:r>
-            <a:r>
-              <a:rPr lang="en-GB" sz="1800" i="1" dirty="0" err="1">
-                <a:effectLst/>
-                <a:latin typeface="Aptos" panose="020B0004020202020204" pitchFamily="34" charset="0"/>
-                <a:ea typeface="Aptos" panose="020B0004020202020204" pitchFamily="34" charset="0"/>
-                <a:cs typeface="Times New Roman" panose="02020603050405020304" pitchFamily="18" charset="0"/>
-              </a:rPr>
-              <a:t>FasterCapital</a:t>
-            </a:r>
-            <a:r>
-              <a:rPr lang="en-GB" sz="1800" i="1" dirty="0">
-                <a:effectLst/>
-                <a:latin typeface="Aptos" panose="020B0004020202020204" pitchFamily="34" charset="0"/>
-                <a:ea typeface="Aptos" panose="020B0004020202020204" pitchFamily="34" charset="0"/>
-                <a:cs typeface="Times New Roman" panose="02020603050405020304" pitchFamily="18" charset="0"/>
-              </a:rPr>
-              <a:t>*</a:t>
-            </a:r>
-            <a:r>
-              <a:rPr lang="en-GB" sz="1800" dirty="0">
-                <a:effectLst/>
-                <a:latin typeface="Aptos" panose="020B0004020202020204" pitchFamily="34" charset="0"/>
-                <a:ea typeface="Aptos" panose="020B0004020202020204" pitchFamily="34" charset="0"/>
-                <a:cs typeface="Times New Roman" panose="02020603050405020304" pitchFamily="18" charset="0"/>
-              </a:rPr>
-              <a:t> article on interactive narrative mechanics. These sources collectively shaped my approach, from technical aspects like movement and QTEs to the narrative through concepts like branching storylines and dynamic character development. One key research gap that could have improved my outcomes is a deeper exploration of player psychology in horror games, particularly how different mechanics, such as pacing of scares or psychological tension, affect player engagement. I also could have benefited from more specific case studies on interactive narratives and research into horror game audio design, which would have helped refine the atmospheric elements of my game and improved its immersive experience.</a:t>
+            <a:r>
+              <a:rPr lang="en-GB" sz="3200" dirty="0">
+                <a:solidFill>
+                  <a:schemeClr val="bg1"/>
+                </a:solidFill>
+              </a:rPr>
+              <a:t>Gameplay Video</a:t>
             </a:r>
           </a:p>
         </p:txBody>
@@ -4512,7 +5829,7 @@
     </p:spTree>
     <p:extLst>
       <p:ext uri="{BB962C8B-B14F-4D97-AF65-F5344CB8AC3E}">
-        <p14:creationId xmlns:p14="http://schemas.microsoft.com/office/powerpoint/2010/main" val="2160038588"/>
+        <p14:creationId xmlns:p14="http://schemas.microsoft.com/office/powerpoint/2010/main" val="1504448249"/>
       </p:ext>
     </p:extLst>
   </p:cSld>
@@ -4541,10 +5858,156 @@
       </p:grpSpPr>
       <p:sp>
         <p:nvSpPr>
+          <p:cNvPr id="4" name="Rectangle 3">
+            <a:extLst>
+              <a:ext uri="{FF2B5EF4-FFF2-40B4-BE49-F238E27FC236}">
+                <a16:creationId xmlns:a16="http://schemas.microsoft.com/office/drawing/2014/main" id="{16224251-3012-3AD5-CD4A-3EA25F6CF104}"/>
+              </a:ext>
+            </a:extLst>
+          </p:cNvPr>
+          <p:cNvSpPr/>
+          <p:nvPr/>
+        </p:nvSpPr>
+        <p:spPr>
+          <a:xfrm>
+            <a:off x="0" y="0"/>
+            <a:ext cx="12192000" cy="6858000"/>
+          </a:xfrm>
+          <a:prstGeom prst="rect">
+            <a:avLst/>
+          </a:prstGeom>
+          <a:solidFill>
+            <a:schemeClr val="tx1"/>
+          </a:solidFill>
+          <a:ln>
+            <a:noFill/>
+          </a:ln>
+        </p:spPr>
+        <p:style>
+          <a:lnRef idx="2">
+            <a:schemeClr val="accent1">
+              <a:shade val="15000"/>
+            </a:schemeClr>
+          </a:lnRef>
+          <a:fillRef idx="1">
+            <a:schemeClr val="accent1"/>
+          </a:fillRef>
+          <a:effectRef idx="0">
+            <a:schemeClr val="accent1"/>
+          </a:effectRef>
+          <a:fontRef idx="minor">
+            <a:schemeClr val="lt1"/>
+          </a:fontRef>
+        </p:style>
+        <p:txBody>
+          <a:bodyPr rtlCol="0" anchor="ctr"/>
+          <a:lstStyle>
+            <a:defPPr>
+              <a:defRPr lang="en-US"/>
+            </a:defPPr>
+            <a:lvl1pPr marL="0" algn="l" defTabSz="914400" rtl="0" eaLnBrk="1" latinLnBrk="0" hangingPunct="1">
+              <a:defRPr sz="1800" kern="1200">
+                <a:solidFill>
+                  <a:schemeClr val="lt1"/>
+                </a:solidFill>
+                <a:latin typeface="+mn-lt"/>
+                <a:ea typeface="+mn-ea"/>
+                <a:cs typeface="+mn-cs"/>
+              </a:defRPr>
+            </a:lvl1pPr>
+            <a:lvl2pPr marL="457200" algn="l" defTabSz="914400" rtl="0" eaLnBrk="1" latinLnBrk="0" hangingPunct="1">
+              <a:defRPr sz="1800" kern="1200">
+                <a:solidFill>
+                  <a:schemeClr val="lt1"/>
+                </a:solidFill>
+                <a:latin typeface="+mn-lt"/>
+                <a:ea typeface="+mn-ea"/>
+                <a:cs typeface="+mn-cs"/>
+              </a:defRPr>
+            </a:lvl2pPr>
+            <a:lvl3pPr marL="914400" algn="l" defTabSz="914400" rtl="0" eaLnBrk="1" latinLnBrk="0" hangingPunct="1">
+              <a:defRPr sz="1800" kern="1200">
+                <a:solidFill>
+                  <a:schemeClr val="lt1"/>
+                </a:solidFill>
+                <a:latin typeface="+mn-lt"/>
+                <a:ea typeface="+mn-ea"/>
+                <a:cs typeface="+mn-cs"/>
+              </a:defRPr>
+            </a:lvl3pPr>
+            <a:lvl4pPr marL="1371600" algn="l" defTabSz="914400" rtl="0" eaLnBrk="1" latinLnBrk="0" hangingPunct="1">
+              <a:defRPr sz="1800" kern="1200">
+                <a:solidFill>
+                  <a:schemeClr val="lt1"/>
+                </a:solidFill>
+                <a:latin typeface="+mn-lt"/>
+                <a:ea typeface="+mn-ea"/>
+                <a:cs typeface="+mn-cs"/>
+              </a:defRPr>
+            </a:lvl4pPr>
+            <a:lvl5pPr marL="1828800" algn="l" defTabSz="914400" rtl="0" eaLnBrk="1" latinLnBrk="0" hangingPunct="1">
+              <a:defRPr sz="1800" kern="1200">
+                <a:solidFill>
+                  <a:schemeClr val="lt1"/>
+                </a:solidFill>
+                <a:latin typeface="+mn-lt"/>
+                <a:ea typeface="+mn-ea"/>
+                <a:cs typeface="+mn-cs"/>
+              </a:defRPr>
+            </a:lvl5pPr>
+            <a:lvl6pPr marL="2286000" algn="l" defTabSz="914400" rtl="0" eaLnBrk="1" latinLnBrk="0" hangingPunct="1">
+              <a:defRPr sz="1800" kern="1200">
+                <a:solidFill>
+                  <a:schemeClr val="lt1"/>
+                </a:solidFill>
+                <a:latin typeface="+mn-lt"/>
+                <a:ea typeface="+mn-ea"/>
+                <a:cs typeface="+mn-cs"/>
+              </a:defRPr>
+            </a:lvl6pPr>
+            <a:lvl7pPr marL="2743200" algn="l" defTabSz="914400" rtl="0" eaLnBrk="1" latinLnBrk="0" hangingPunct="1">
+              <a:defRPr sz="1800" kern="1200">
+                <a:solidFill>
+                  <a:schemeClr val="lt1"/>
+                </a:solidFill>
+                <a:latin typeface="+mn-lt"/>
+                <a:ea typeface="+mn-ea"/>
+                <a:cs typeface="+mn-cs"/>
+              </a:defRPr>
+            </a:lvl7pPr>
+            <a:lvl8pPr marL="3200400" algn="l" defTabSz="914400" rtl="0" eaLnBrk="1" latinLnBrk="0" hangingPunct="1">
+              <a:defRPr sz="1800" kern="1200">
+                <a:solidFill>
+                  <a:schemeClr val="lt1"/>
+                </a:solidFill>
+                <a:latin typeface="+mn-lt"/>
+                <a:ea typeface="+mn-ea"/>
+                <a:cs typeface="+mn-cs"/>
+              </a:defRPr>
+            </a:lvl8pPr>
+            <a:lvl9pPr marL="3657600" algn="l" defTabSz="914400" rtl="0" eaLnBrk="1" latinLnBrk="0" hangingPunct="1">
+              <a:defRPr sz="1800" kern="1200">
+                <a:solidFill>
+                  <a:schemeClr val="lt1"/>
+                </a:solidFill>
+                <a:latin typeface="+mn-lt"/>
+                <a:ea typeface="+mn-ea"/>
+                <a:cs typeface="+mn-cs"/>
+              </a:defRPr>
+            </a:lvl9pPr>
+          </a:lstStyle>
+          <a:p>
+            <a:pPr algn="ctr"/>
+            <a:endParaRPr lang="en-GB"/>
+          </a:p>
+        </p:txBody>
+      </p:sp>
+      <p:sp>
+        <p:nvSpPr>
           <p:cNvPr id="2" name="Title 1">
             <a:extLst>
               <a:ext uri="{FF2B5EF4-FFF2-40B4-BE49-F238E27FC236}">
-                <a16:creationId xmlns:a16="http://schemas.microsoft.com/office/drawing/2014/main" id="{36301E59-B5E5-6AB7-A55D-92D3CC31B3AB}"/>
+                <a16:creationId xmlns:a16="http://schemas.microsoft.com/office/drawing/2014/main" id="{63C01D6D-A69E-B033-4E26-8196367553EB}"/>
               </a:ext>
             </a:extLst>
           </p:cNvPr>
@@ -4557,12 +6020,18 @@
         </p:nvSpPr>
         <p:spPr/>
         <p:txBody>
-          <a:bodyPr/>
+          <a:bodyPr>
+            <a:normAutofit/>
+          </a:bodyPr>
           <a:lstStyle/>
           <a:p>
             <a:r>
-              <a:rPr lang="en-GB" dirty="0"/>
-              <a:t>Critical Reflection: Positive Analysis (Week 10)</a:t>
+              <a:rPr lang="en-GB" sz="3200" dirty="0">
+                <a:solidFill>
+                  <a:schemeClr val="bg1"/>
+                </a:solidFill>
+              </a:rPr>
+              <a:t>Critical Reflection: Research Effectiveness (Week 10)</a:t>
             </a:r>
           </a:p>
         </p:txBody>
@@ -4572,7 +6041,7 @@
           <p:cNvPr id="3" name="Content Placeholder 2">
             <a:extLst>
               <a:ext uri="{FF2B5EF4-FFF2-40B4-BE49-F238E27FC236}">
-                <a16:creationId xmlns:a16="http://schemas.microsoft.com/office/drawing/2014/main" id="{B73B2B44-C96D-8193-4702-F7AB8A08C39C}"/>
+                <a16:creationId xmlns:a16="http://schemas.microsoft.com/office/drawing/2014/main" id="{AFB84947-11CA-84F4-9A48-898D7E9A11DF}"/>
               </a:ext>
             </a:extLst>
           </p:cNvPr>
@@ -4586,7 +6055,7 @@
         <p:spPr/>
         <p:txBody>
           <a:bodyPr>
-            <a:normAutofit lnSpcReduction="10000"/>
+            <a:normAutofit fontScale="85000" lnSpcReduction="10000"/>
           </a:bodyPr>
           <a:lstStyle/>
           <a:p>
@@ -4600,56 +6069,239 @@
             </a:pPr>
             <a:r>
               <a:rPr lang="en-GB" sz="1800" dirty="0">
-                <a:effectLst/>
-                <a:latin typeface="Aptos" panose="020B0004020202020204" pitchFamily="34" charset="0"/>
-                <a:ea typeface="Aptos" panose="020B0004020202020204" pitchFamily="34" charset="0"/>
-                <a:cs typeface="Times New Roman" panose="02020603050405020304" pitchFamily="18" charset="0"/>
-              </a:rPr>
-              <a:t>As a game developer, I actively contributed beyond my primary role by participating in the motion capture process, working closely with animator to ensure fluid and realistic character movements. Additionally, I took part in voice and SFX recording sessions, helping to capture high-quality audio assets that enriched the overall gaming experience. My involvement in these areas reflects my adaptability, commitment to teamwork, and passion for delivering immersive and polished game content.</a:t>
-            </a:r>
-          </a:p>
-          <a:p>
-            <a:pPr>
-              <a:lnSpc>
-                <a:spcPct val="107000"/>
-              </a:lnSpc>
-              <a:spcAft>
-                <a:spcPts val="800"/>
-              </a:spcAft>
-            </a:pPr>
+                <a:solidFill>
+                  <a:schemeClr val="bg1"/>
+                </a:solidFill>
+                <a:effectLst/>
+                <a:latin typeface="Aptos" panose="020B0004020202020204" pitchFamily="34" charset="0"/>
+                <a:ea typeface="Aptos" panose="020B0004020202020204" pitchFamily="34" charset="0"/>
+                <a:cs typeface="Times New Roman" panose="02020603050405020304" pitchFamily="18" charset="0"/>
+              </a:rPr>
+              <a:t>The research I conducted for this project has been incredibly valuable, providing me with a strong foundation for understanding the source material, </a:t>
+            </a:r>
+            <a:r>
+              <a:rPr lang="en-GB" sz="1800" i="1" dirty="0">
+                <a:solidFill>
+                  <a:schemeClr val="bg1"/>
+                </a:solidFill>
+                <a:effectLst/>
+                <a:latin typeface="Aptos" panose="020B0004020202020204" pitchFamily="34" charset="0"/>
+                <a:ea typeface="Aptos" panose="020B0004020202020204" pitchFamily="34" charset="0"/>
+                <a:cs typeface="Times New Roman" panose="02020603050405020304" pitchFamily="18" charset="0"/>
+              </a:rPr>
+              <a:t>*The Casting of Frank Stone*</a:t>
+            </a:r>
             <a:r>
               <a:rPr lang="en-GB" sz="1800" dirty="0">
-                <a:effectLst/>
-                <a:latin typeface="Aptos" panose="020B0004020202020204" pitchFamily="34" charset="0"/>
-                <a:ea typeface="Aptos" panose="020B0004020202020204" pitchFamily="34" charset="0"/>
-                <a:cs typeface="Times New Roman" panose="02020603050405020304" pitchFamily="18" charset="0"/>
-              </a:rPr>
-              <a:t>On the technical side, I successfully implemented the button-mashing mechanics, generator puzzle, and camera flash mechanic, ensuring smooth and highly responsive gameplay interactions. The button-mashing system was designed to provide an engaging challenge, requiring precise timing and player input, while the generator puzzle offered intuitive mechanics that balanced difficulty and engagement. The camera flash mechanic, a key feature for navigating dark environments, was fine-tuned to deliver instant visual feedback, allowing players to momentarily illuminate their surroundings and uncover hidden details.  These mechanics enhance immersion, responsiveness, and overall gameplay fluidity.</a:t>
-            </a:r>
-          </a:p>
-          <a:p>
-            <a:pPr marL="0" indent="0">
-              <a:lnSpc>
-                <a:spcPct val="107000"/>
-              </a:lnSpc>
-              <a:spcAft>
-                <a:spcPts val="800"/>
-              </a:spcAft>
-              <a:buNone/>
-            </a:pPr>
-            <a:endParaRPr lang="en-GB" sz="1800" dirty="0">
-              <a:effectLst/>
-              <a:latin typeface="Aptos" panose="020B0004020202020204" pitchFamily="34" charset="0"/>
-              <a:ea typeface="Aptos" panose="020B0004020202020204" pitchFamily="34" charset="0"/>
-              <a:cs typeface="Times New Roman" panose="02020603050405020304" pitchFamily="18" charset="0"/>
-            </a:endParaRPr>
+                <a:solidFill>
+                  <a:schemeClr val="bg1"/>
+                </a:solidFill>
+                <a:effectLst/>
+                <a:latin typeface="Aptos" panose="020B0004020202020204" pitchFamily="34" charset="0"/>
+                <a:ea typeface="Aptos" panose="020B0004020202020204" pitchFamily="34" charset="0"/>
+                <a:cs typeface="Times New Roman" panose="02020603050405020304" pitchFamily="18" charset="0"/>
+              </a:rPr>
+              <a:t>, and the broader context of horror and interactive narrative mechanics. </a:t>
+            </a:r>
+            <a:r>
+              <a:rPr lang="en-GB" sz="1800" dirty="0" err="1">
+                <a:solidFill>
+                  <a:schemeClr val="bg1"/>
+                </a:solidFill>
+                <a:effectLst/>
+                <a:latin typeface="Aptos" panose="020B0004020202020204" pitchFamily="34" charset="0"/>
+                <a:ea typeface="Aptos" panose="020B0004020202020204" pitchFamily="34" charset="0"/>
+                <a:cs typeface="Times New Roman" panose="02020603050405020304" pitchFamily="18" charset="0"/>
+              </a:rPr>
+              <a:t>Analyzing</a:t>
+            </a:r>
+            <a:r>
+              <a:rPr lang="en-GB" sz="1800" dirty="0">
+                <a:solidFill>
+                  <a:schemeClr val="bg1"/>
+                </a:solidFill>
+                <a:effectLst/>
+                <a:latin typeface="Aptos" panose="020B0004020202020204" pitchFamily="34" charset="0"/>
+                <a:ea typeface="Aptos" panose="020B0004020202020204" pitchFamily="34" charset="0"/>
+                <a:cs typeface="Times New Roman" panose="02020603050405020304" pitchFamily="18" charset="0"/>
+              </a:rPr>
+              <a:t> gameplay mechanics such as movement systems, QTEs, and flashlight mechanics helped me replicate the immersive experience of the original game, ensuring the gameplay elements in my project function cohesively to build tension. Exploring various horror mechanics like jump scares, task juggling, and hiding deepened my understanding of how to intensify emotional engagement, while research into interactive narrative mechanics, like choice and consequence and branching narratives, offered insight into crafting a responsive and dynamic story. Even though I didn’t play </a:t>
+            </a:r>
+            <a:r>
+              <a:rPr lang="en-GB" sz="1800" i="1" dirty="0">
+                <a:solidFill>
+                  <a:schemeClr val="bg1"/>
+                </a:solidFill>
+                <a:effectLst/>
+                <a:latin typeface="Aptos" panose="020B0004020202020204" pitchFamily="34" charset="0"/>
+                <a:ea typeface="Aptos" panose="020B0004020202020204" pitchFamily="34" charset="0"/>
+                <a:cs typeface="Times New Roman" panose="02020603050405020304" pitchFamily="18" charset="0"/>
+              </a:rPr>
+              <a:t>*The Casting of Frank Stone*</a:t>
+            </a:r>
+            <a:r>
+              <a:rPr lang="en-GB" sz="1800" dirty="0">
+                <a:solidFill>
+                  <a:schemeClr val="bg1"/>
+                </a:solidFill>
+                <a:effectLst/>
+                <a:latin typeface="Aptos" panose="020B0004020202020204" pitchFamily="34" charset="0"/>
+                <a:ea typeface="Aptos" panose="020B0004020202020204" pitchFamily="34" charset="0"/>
+                <a:cs typeface="Times New Roman" panose="02020603050405020304" pitchFamily="18" charset="0"/>
+              </a:rPr>
+              <a:t> directly, </a:t>
+            </a:r>
+            <a:r>
+              <a:rPr lang="en-GB" sz="1800" dirty="0" err="1">
+                <a:solidFill>
+                  <a:schemeClr val="bg1"/>
+                </a:solidFill>
+                <a:effectLst/>
+                <a:latin typeface="Aptos" panose="020B0004020202020204" pitchFamily="34" charset="0"/>
+                <a:ea typeface="Aptos" panose="020B0004020202020204" pitchFamily="34" charset="0"/>
+                <a:cs typeface="Times New Roman" panose="02020603050405020304" pitchFamily="18" charset="0"/>
+              </a:rPr>
+              <a:t>analyzing</a:t>
+            </a:r>
+            <a:r>
+              <a:rPr lang="en-GB" sz="1800" dirty="0">
+                <a:solidFill>
+                  <a:schemeClr val="bg1"/>
+                </a:solidFill>
+                <a:effectLst/>
+                <a:latin typeface="Aptos" panose="020B0004020202020204" pitchFamily="34" charset="0"/>
+                <a:ea typeface="Aptos" panose="020B0004020202020204" pitchFamily="34" charset="0"/>
+                <a:cs typeface="Times New Roman" panose="02020603050405020304" pitchFamily="18" charset="0"/>
+              </a:rPr>
+              <a:t> a full gameplay walkthrough provided critical understanding of its mechanics and concrete examples for my development. The sources that had the most significant impact were the gameplay analysis of </a:t>
+            </a:r>
+            <a:r>
+              <a:rPr lang="en-GB" sz="1800" i="1" dirty="0">
+                <a:solidFill>
+                  <a:schemeClr val="bg1"/>
+                </a:solidFill>
+                <a:effectLst/>
+                <a:latin typeface="Aptos" panose="020B0004020202020204" pitchFamily="34" charset="0"/>
+                <a:ea typeface="Aptos" panose="020B0004020202020204" pitchFamily="34" charset="0"/>
+                <a:cs typeface="Times New Roman" panose="02020603050405020304" pitchFamily="18" charset="0"/>
+              </a:rPr>
+              <a:t>*The Casting of Frank Stone*</a:t>
+            </a:r>
+            <a:r>
+              <a:rPr lang="en-GB" sz="1800" dirty="0">
+                <a:solidFill>
+                  <a:schemeClr val="bg1"/>
+                </a:solidFill>
+                <a:effectLst/>
+                <a:latin typeface="Aptos" panose="020B0004020202020204" pitchFamily="34" charset="0"/>
+                <a:ea typeface="Aptos" panose="020B0004020202020204" pitchFamily="34" charset="0"/>
+                <a:cs typeface="Times New Roman" panose="02020603050405020304" pitchFamily="18" charset="0"/>
+              </a:rPr>
+              <a:t>, the article on horror gameplay mechanics from </a:t>
+            </a:r>
+            <a:r>
+              <a:rPr lang="en-GB" sz="1800" i="1" dirty="0">
+                <a:solidFill>
+                  <a:schemeClr val="bg1"/>
+                </a:solidFill>
+                <a:effectLst/>
+                <a:latin typeface="Aptos" panose="020B0004020202020204" pitchFamily="34" charset="0"/>
+                <a:ea typeface="Aptos" panose="020B0004020202020204" pitchFamily="34" charset="0"/>
+                <a:cs typeface="Times New Roman" panose="02020603050405020304" pitchFamily="18" charset="0"/>
+              </a:rPr>
+              <a:t>*</a:t>
+            </a:r>
+            <a:r>
+              <a:rPr lang="en-GB" sz="1800" i="1" dirty="0" err="1">
+                <a:solidFill>
+                  <a:schemeClr val="bg1"/>
+                </a:solidFill>
+                <a:effectLst/>
+                <a:latin typeface="Aptos" panose="020B0004020202020204" pitchFamily="34" charset="0"/>
+                <a:ea typeface="Aptos" panose="020B0004020202020204" pitchFamily="34" charset="0"/>
+                <a:cs typeface="Times New Roman" panose="02020603050405020304" pitchFamily="18" charset="0"/>
+              </a:rPr>
+              <a:t>TheGamer</a:t>
+            </a:r>
+            <a:r>
+              <a:rPr lang="en-GB" sz="1800" i="1" dirty="0">
+                <a:solidFill>
+                  <a:schemeClr val="bg1"/>
+                </a:solidFill>
+                <a:effectLst/>
+                <a:latin typeface="Aptos" panose="020B0004020202020204" pitchFamily="34" charset="0"/>
+                <a:ea typeface="Aptos" panose="020B0004020202020204" pitchFamily="34" charset="0"/>
+                <a:cs typeface="Times New Roman" panose="02020603050405020304" pitchFamily="18" charset="0"/>
+              </a:rPr>
+              <a:t>*</a:t>
+            </a:r>
+            <a:r>
+              <a:rPr lang="en-GB" sz="1800" dirty="0">
+                <a:solidFill>
+                  <a:schemeClr val="bg1"/>
+                </a:solidFill>
+                <a:effectLst/>
+                <a:latin typeface="Aptos" panose="020B0004020202020204" pitchFamily="34" charset="0"/>
+                <a:ea typeface="Aptos" panose="020B0004020202020204" pitchFamily="34" charset="0"/>
+                <a:cs typeface="Times New Roman" panose="02020603050405020304" pitchFamily="18" charset="0"/>
+              </a:rPr>
+              <a:t>, and the insights from the </a:t>
+            </a:r>
+            <a:r>
+              <a:rPr lang="en-GB" sz="1800" i="1" dirty="0">
+                <a:solidFill>
+                  <a:schemeClr val="bg1"/>
+                </a:solidFill>
+                <a:effectLst/>
+                <a:latin typeface="Aptos" panose="020B0004020202020204" pitchFamily="34" charset="0"/>
+                <a:ea typeface="Aptos" panose="020B0004020202020204" pitchFamily="34" charset="0"/>
+                <a:cs typeface="Times New Roman" panose="02020603050405020304" pitchFamily="18" charset="0"/>
+              </a:rPr>
+              <a:t>*</a:t>
+            </a:r>
+            <a:r>
+              <a:rPr lang="en-GB" sz="1800" i="1" dirty="0" err="1">
+                <a:solidFill>
+                  <a:schemeClr val="bg1"/>
+                </a:solidFill>
+                <a:effectLst/>
+                <a:latin typeface="Aptos" panose="020B0004020202020204" pitchFamily="34" charset="0"/>
+                <a:ea typeface="Aptos" panose="020B0004020202020204" pitchFamily="34" charset="0"/>
+                <a:cs typeface="Times New Roman" panose="02020603050405020304" pitchFamily="18" charset="0"/>
+              </a:rPr>
+              <a:t>FasterCapital</a:t>
+            </a:r>
+            <a:r>
+              <a:rPr lang="en-GB" sz="1800" i="1" dirty="0">
+                <a:solidFill>
+                  <a:schemeClr val="bg1"/>
+                </a:solidFill>
+                <a:effectLst/>
+                <a:latin typeface="Aptos" panose="020B0004020202020204" pitchFamily="34" charset="0"/>
+                <a:ea typeface="Aptos" panose="020B0004020202020204" pitchFamily="34" charset="0"/>
+                <a:cs typeface="Times New Roman" panose="02020603050405020304" pitchFamily="18" charset="0"/>
+              </a:rPr>
+              <a:t>*</a:t>
+            </a:r>
+            <a:r>
+              <a:rPr lang="en-GB" sz="1800" dirty="0">
+                <a:solidFill>
+                  <a:schemeClr val="bg1"/>
+                </a:solidFill>
+                <a:effectLst/>
+                <a:latin typeface="Aptos" panose="020B0004020202020204" pitchFamily="34" charset="0"/>
+                <a:ea typeface="Aptos" panose="020B0004020202020204" pitchFamily="34" charset="0"/>
+                <a:cs typeface="Times New Roman" panose="02020603050405020304" pitchFamily="18" charset="0"/>
+              </a:rPr>
+              <a:t> article on interactive narrative mechanics. These sources collectively shaped my approach, from technical aspects like movement and QTEs to the narrative through concepts like branching storylines and dynamic character development. One key research gap that could have improved my outcomes is a deeper exploration of player psychology in horror games, particularly how different mechanics, such as pacing of scares or psychological tension, affect player engagement. I also could have benefited from more specific case studies on interactive narratives and research into horror game audio design, which would have helped refine the atmospheric elements of my game and improved its immersive experience.</a:t>
+            </a:r>
           </a:p>
         </p:txBody>
       </p:sp>
     </p:spTree>
     <p:extLst>
       <p:ext uri="{BB962C8B-B14F-4D97-AF65-F5344CB8AC3E}">
-        <p14:creationId xmlns:p14="http://schemas.microsoft.com/office/powerpoint/2010/main" val="2520026643"/>
+        <p14:creationId xmlns:p14="http://schemas.microsoft.com/office/powerpoint/2010/main" val="2160038588"/>
       </p:ext>
     </p:extLst>
   </p:cSld>
@@ -4678,10 +6330,156 @@
       </p:grpSpPr>
       <p:sp>
         <p:nvSpPr>
+          <p:cNvPr id="4" name="Rectangle 3">
+            <a:extLst>
+              <a:ext uri="{FF2B5EF4-FFF2-40B4-BE49-F238E27FC236}">
+                <a16:creationId xmlns:a16="http://schemas.microsoft.com/office/drawing/2014/main" id="{16224251-3012-3AD5-CD4A-3EA25F6CF104}"/>
+              </a:ext>
+            </a:extLst>
+          </p:cNvPr>
+          <p:cNvSpPr/>
+          <p:nvPr/>
+        </p:nvSpPr>
+        <p:spPr>
+          <a:xfrm>
+            <a:off x="0" y="0"/>
+            <a:ext cx="12192000" cy="6858000"/>
+          </a:xfrm>
+          <a:prstGeom prst="rect">
+            <a:avLst/>
+          </a:prstGeom>
+          <a:solidFill>
+            <a:schemeClr val="tx1"/>
+          </a:solidFill>
+          <a:ln>
+            <a:noFill/>
+          </a:ln>
+        </p:spPr>
+        <p:style>
+          <a:lnRef idx="2">
+            <a:schemeClr val="accent1">
+              <a:shade val="15000"/>
+            </a:schemeClr>
+          </a:lnRef>
+          <a:fillRef idx="1">
+            <a:schemeClr val="accent1"/>
+          </a:fillRef>
+          <a:effectRef idx="0">
+            <a:schemeClr val="accent1"/>
+          </a:effectRef>
+          <a:fontRef idx="minor">
+            <a:schemeClr val="lt1"/>
+          </a:fontRef>
+        </p:style>
+        <p:txBody>
+          <a:bodyPr rtlCol="0" anchor="ctr"/>
+          <a:lstStyle>
+            <a:defPPr>
+              <a:defRPr lang="en-US"/>
+            </a:defPPr>
+            <a:lvl1pPr marL="0" algn="l" defTabSz="914400" rtl="0" eaLnBrk="1" latinLnBrk="0" hangingPunct="1">
+              <a:defRPr sz="1800" kern="1200">
+                <a:solidFill>
+                  <a:schemeClr val="lt1"/>
+                </a:solidFill>
+                <a:latin typeface="+mn-lt"/>
+                <a:ea typeface="+mn-ea"/>
+                <a:cs typeface="+mn-cs"/>
+              </a:defRPr>
+            </a:lvl1pPr>
+            <a:lvl2pPr marL="457200" algn="l" defTabSz="914400" rtl="0" eaLnBrk="1" latinLnBrk="0" hangingPunct="1">
+              <a:defRPr sz="1800" kern="1200">
+                <a:solidFill>
+                  <a:schemeClr val="lt1"/>
+                </a:solidFill>
+                <a:latin typeface="+mn-lt"/>
+                <a:ea typeface="+mn-ea"/>
+                <a:cs typeface="+mn-cs"/>
+              </a:defRPr>
+            </a:lvl2pPr>
+            <a:lvl3pPr marL="914400" algn="l" defTabSz="914400" rtl="0" eaLnBrk="1" latinLnBrk="0" hangingPunct="1">
+              <a:defRPr sz="1800" kern="1200">
+                <a:solidFill>
+                  <a:schemeClr val="lt1"/>
+                </a:solidFill>
+                <a:latin typeface="+mn-lt"/>
+                <a:ea typeface="+mn-ea"/>
+                <a:cs typeface="+mn-cs"/>
+              </a:defRPr>
+            </a:lvl3pPr>
+            <a:lvl4pPr marL="1371600" algn="l" defTabSz="914400" rtl="0" eaLnBrk="1" latinLnBrk="0" hangingPunct="1">
+              <a:defRPr sz="1800" kern="1200">
+                <a:solidFill>
+                  <a:schemeClr val="lt1"/>
+                </a:solidFill>
+                <a:latin typeface="+mn-lt"/>
+                <a:ea typeface="+mn-ea"/>
+                <a:cs typeface="+mn-cs"/>
+              </a:defRPr>
+            </a:lvl4pPr>
+            <a:lvl5pPr marL="1828800" algn="l" defTabSz="914400" rtl="0" eaLnBrk="1" latinLnBrk="0" hangingPunct="1">
+              <a:defRPr sz="1800" kern="1200">
+                <a:solidFill>
+                  <a:schemeClr val="lt1"/>
+                </a:solidFill>
+                <a:latin typeface="+mn-lt"/>
+                <a:ea typeface="+mn-ea"/>
+                <a:cs typeface="+mn-cs"/>
+              </a:defRPr>
+            </a:lvl5pPr>
+            <a:lvl6pPr marL="2286000" algn="l" defTabSz="914400" rtl="0" eaLnBrk="1" latinLnBrk="0" hangingPunct="1">
+              <a:defRPr sz="1800" kern="1200">
+                <a:solidFill>
+                  <a:schemeClr val="lt1"/>
+                </a:solidFill>
+                <a:latin typeface="+mn-lt"/>
+                <a:ea typeface="+mn-ea"/>
+                <a:cs typeface="+mn-cs"/>
+              </a:defRPr>
+            </a:lvl6pPr>
+            <a:lvl7pPr marL="2743200" algn="l" defTabSz="914400" rtl="0" eaLnBrk="1" latinLnBrk="0" hangingPunct="1">
+              <a:defRPr sz="1800" kern="1200">
+                <a:solidFill>
+                  <a:schemeClr val="lt1"/>
+                </a:solidFill>
+                <a:latin typeface="+mn-lt"/>
+                <a:ea typeface="+mn-ea"/>
+                <a:cs typeface="+mn-cs"/>
+              </a:defRPr>
+            </a:lvl7pPr>
+            <a:lvl8pPr marL="3200400" algn="l" defTabSz="914400" rtl="0" eaLnBrk="1" latinLnBrk="0" hangingPunct="1">
+              <a:defRPr sz="1800" kern="1200">
+                <a:solidFill>
+                  <a:schemeClr val="lt1"/>
+                </a:solidFill>
+                <a:latin typeface="+mn-lt"/>
+                <a:ea typeface="+mn-ea"/>
+                <a:cs typeface="+mn-cs"/>
+              </a:defRPr>
+            </a:lvl8pPr>
+            <a:lvl9pPr marL="3657600" algn="l" defTabSz="914400" rtl="0" eaLnBrk="1" latinLnBrk="0" hangingPunct="1">
+              <a:defRPr sz="1800" kern="1200">
+                <a:solidFill>
+                  <a:schemeClr val="lt1"/>
+                </a:solidFill>
+                <a:latin typeface="+mn-lt"/>
+                <a:ea typeface="+mn-ea"/>
+                <a:cs typeface="+mn-cs"/>
+              </a:defRPr>
+            </a:lvl9pPr>
+          </a:lstStyle>
+          <a:p>
+            <a:pPr algn="ctr"/>
+            <a:endParaRPr lang="en-GB"/>
+          </a:p>
+        </p:txBody>
+      </p:sp>
+      <p:sp>
+        <p:nvSpPr>
           <p:cNvPr id="2" name="Title 1">
             <a:extLst>
               <a:ext uri="{FF2B5EF4-FFF2-40B4-BE49-F238E27FC236}">
-                <a16:creationId xmlns:a16="http://schemas.microsoft.com/office/drawing/2014/main" id="{468343A0-47C3-D7C4-1A2B-CFD1460E0178}"/>
+                <a16:creationId xmlns:a16="http://schemas.microsoft.com/office/drawing/2014/main" id="{36301E59-B5E5-6AB7-A55D-92D3CC31B3AB}"/>
               </a:ext>
             </a:extLst>
           </p:cNvPr>
@@ -4694,12 +6492,18 @@
         </p:nvSpPr>
         <p:spPr/>
         <p:txBody>
-          <a:bodyPr/>
+          <a:bodyPr>
+            <a:normAutofit/>
+          </a:bodyPr>
           <a:lstStyle/>
           <a:p>
             <a:r>
-              <a:rPr lang="en-GB" dirty="0"/>
-              <a:t>Critical Reflection: Negative Analysis (Week 10)</a:t>
+              <a:rPr lang="en-GB" sz="3200" dirty="0">
+                <a:solidFill>
+                  <a:schemeClr val="bg1"/>
+                </a:solidFill>
+              </a:rPr>
+              <a:t>Critical Reflection: Positive Analysis (Week 10)</a:t>
             </a:r>
           </a:p>
         </p:txBody>
@@ -4709,7 +6513,7 @@
           <p:cNvPr id="3" name="Content Placeholder 2">
             <a:extLst>
               <a:ext uri="{FF2B5EF4-FFF2-40B4-BE49-F238E27FC236}">
-                <a16:creationId xmlns:a16="http://schemas.microsoft.com/office/drawing/2014/main" id="{C168FE0F-B4C3-9E45-DE76-699AC9CB6EAA}"/>
+                <a16:creationId xmlns:a16="http://schemas.microsoft.com/office/drawing/2014/main" id="{B73B2B44-C96D-8193-4702-F7AB8A08C39C}"/>
               </a:ext>
             </a:extLst>
           </p:cNvPr>
@@ -4723,7 +6527,7 @@
         <p:spPr/>
         <p:txBody>
           <a:bodyPr>
-            <a:normAutofit fontScale="92500" lnSpcReduction="10000"/>
+            <a:normAutofit lnSpcReduction="10000"/>
           </a:bodyPr>
           <a:lstStyle/>
           <a:p>
@@ -4737,12 +6541,15 @@
             </a:pPr>
             <a:r>
               <a:rPr lang="en-GB" sz="1800" dirty="0">
-                <a:effectLst/>
-                <a:latin typeface="Aptos" panose="020B0004020202020204" pitchFamily="34" charset="0"/>
-                <a:ea typeface="Aptos" panose="020B0004020202020204" pitchFamily="34" charset="0"/>
-                <a:cs typeface="Times New Roman" panose="02020603050405020304" pitchFamily="18" charset="0"/>
-              </a:rPr>
-              <a:t>I faced challenges while implementing both the dialogue QTE with multiple branches and the heartbeat QTE. To create multiple branches in the dialogue QTE, I modified the tick event to continuously loop through the dialogue array, breaking the struct and setting all the necessary variables. Within the Start QTE custom event, I used a switch statement to handle different dialogue options, assigning the output to a variable and updating the dialogue index accordingly. This ensured that the correct branching logic was applied, allowing the dialogue to flow properly based on the player's choices.</a:t>
+                <a:solidFill>
+                  <a:schemeClr val="bg1"/>
+                </a:solidFill>
+                <a:effectLst/>
+                <a:latin typeface="Aptos" panose="020B0004020202020204" pitchFamily="34" charset="0"/>
+                <a:ea typeface="Aptos" panose="020B0004020202020204" pitchFamily="34" charset="0"/>
+                <a:cs typeface="Times New Roman" panose="02020603050405020304" pitchFamily="18" charset="0"/>
+              </a:rPr>
+              <a:t>As a game developer, I actively contributed beyond my primary role by participating in the motion capture process, working closely with animator to ensure fluid and realistic character movements. Additionally, I took part in voice and SFX recording sessions, helping to capture high-quality audio assets that enriched the overall gaming experience. My involvement in these areas reflects my adaptability, commitment to teamwork, and passion for delivering immersive and polished game content.</a:t>
             </a:r>
           </a:p>
           <a:p>
@@ -4756,20 +6563,40 @@
             </a:pPr>
             <a:r>
               <a:rPr lang="en-GB" sz="1800" dirty="0">
-                <a:effectLst/>
-                <a:latin typeface="Aptos" panose="020B0004020202020204" pitchFamily="34" charset="0"/>
-                <a:ea typeface="Aptos" panose="020B0004020202020204" pitchFamily="34" charset="0"/>
-                <a:cs typeface="Times New Roman" panose="02020603050405020304" pitchFamily="18" charset="0"/>
-              </a:rPr>
-              <a:t>For the heartbeat QTE, I designed it similarly to a button-mashing QTE. In the tick event, I set a variable to track key presses and checked whether the input was within the allowed time. If the player pressed the key in time, the success count increased, displaying a success message; otherwise, the fail count increased, triggering a failure message. An outcome function then determined the next step: if the success count met the goal, the game transitioned to a dialogue QTE and deactivated the heartbeat QTE, while failing triggered a level sequence before deactivating the heartbeat QTE. To refine the system, I replaced the update function with a new trigger function that set a target press time, defined an input window, selected a random key for the player to press, and updated the UI. The key remained visible briefly, giving the player time to react. If they failed to press it, penalties were applied based on the outcome function.</a:t>
-            </a:r>
+                <a:solidFill>
+                  <a:schemeClr val="bg1"/>
+                </a:solidFill>
+                <a:effectLst/>
+                <a:latin typeface="Aptos" panose="020B0004020202020204" pitchFamily="34" charset="0"/>
+                <a:ea typeface="Aptos" panose="020B0004020202020204" pitchFamily="34" charset="0"/>
+                <a:cs typeface="Times New Roman" panose="02020603050405020304" pitchFamily="18" charset="0"/>
+              </a:rPr>
+              <a:t>On the technical side, I successfully implemented the button-mashing mechanics, generator puzzle, and camera flash mechanic, ensuring smooth and highly responsive gameplay interactions. The button-mashing system was designed to provide an engaging challenge, requiring precise timing and player input, while the generator puzzle offered intuitive mechanics that balanced difficulty and engagement. The camera flash mechanic, a key feature for navigating dark environments, was fine-tuned to deliver instant visual feedback, allowing players to momentarily illuminate their surroundings and uncover hidden details.  These mechanics enhance immersion, responsiveness, and overall gameplay fluidity.</a:t>
+            </a:r>
+          </a:p>
+          <a:p>
+            <a:pPr marL="0" indent="0">
+              <a:lnSpc>
+                <a:spcPct val="107000"/>
+              </a:lnSpc>
+              <a:spcAft>
+                <a:spcPts val="800"/>
+              </a:spcAft>
+              <a:buNone/>
+            </a:pPr>
+            <a:endParaRPr lang="en-GB" sz="1800" dirty="0">
+              <a:effectLst/>
+              <a:latin typeface="Aptos" panose="020B0004020202020204" pitchFamily="34" charset="0"/>
+              <a:ea typeface="Aptos" panose="020B0004020202020204" pitchFamily="34" charset="0"/>
+              <a:cs typeface="Times New Roman" panose="02020603050405020304" pitchFamily="18" charset="0"/>
+            </a:endParaRPr>
           </a:p>
         </p:txBody>
       </p:sp>
     </p:spTree>
     <p:extLst>
       <p:ext uri="{BB962C8B-B14F-4D97-AF65-F5344CB8AC3E}">
-        <p14:creationId xmlns:p14="http://schemas.microsoft.com/office/powerpoint/2010/main" val="1884399009"/>
+        <p14:creationId xmlns:p14="http://schemas.microsoft.com/office/powerpoint/2010/main" val="2520026643"/>
       </p:ext>
     </p:extLst>
   </p:cSld>
@@ -4798,6 +6625,152 @@
       </p:grpSpPr>
       <p:sp>
         <p:nvSpPr>
+          <p:cNvPr id="6" name="Rectangle 5">
+            <a:extLst>
+              <a:ext uri="{FF2B5EF4-FFF2-40B4-BE49-F238E27FC236}">
+                <a16:creationId xmlns:a16="http://schemas.microsoft.com/office/drawing/2014/main" id="{16224251-3012-3AD5-CD4A-3EA25F6CF104}"/>
+              </a:ext>
+            </a:extLst>
+          </p:cNvPr>
+          <p:cNvSpPr/>
+          <p:nvPr/>
+        </p:nvSpPr>
+        <p:spPr>
+          <a:xfrm>
+            <a:off x="0" y="0"/>
+            <a:ext cx="12192000" cy="6858000"/>
+          </a:xfrm>
+          <a:prstGeom prst="rect">
+            <a:avLst/>
+          </a:prstGeom>
+          <a:solidFill>
+            <a:schemeClr val="tx1"/>
+          </a:solidFill>
+          <a:ln>
+            <a:noFill/>
+          </a:ln>
+        </p:spPr>
+        <p:style>
+          <a:lnRef idx="2">
+            <a:schemeClr val="accent1">
+              <a:shade val="15000"/>
+            </a:schemeClr>
+          </a:lnRef>
+          <a:fillRef idx="1">
+            <a:schemeClr val="accent1"/>
+          </a:fillRef>
+          <a:effectRef idx="0">
+            <a:schemeClr val="accent1"/>
+          </a:effectRef>
+          <a:fontRef idx="minor">
+            <a:schemeClr val="lt1"/>
+          </a:fontRef>
+        </p:style>
+        <p:txBody>
+          <a:bodyPr rtlCol="0" anchor="ctr"/>
+          <a:lstStyle>
+            <a:defPPr>
+              <a:defRPr lang="en-US"/>
+            </a:defPPr>
+            <a:lvl1pPr marL="0" algn="l" defTabSz="914400" rtl="0" eaLnBrk="1" latinLnBrk="0" hangingPunct="1">
+              <a:defRPr sz="1800" kern="1200">
+                <a:solidFill>
+                  <a:schemeClr val="lt1"/>
+                </a:solidFill>
+                <a:latin typeface="+mn-lt"/>
+                <a:ea typeface="+mn-ea"/>
+                <a:cs typeface="+mn-cs"/>
+              </a:defRPr>
+            </a:lvl1pPr>
+            <a:lvl2pPr marL="457200" algn="l" defTabSz="914400" rtl="0" eaLnBrk="1" latinLnBrk="0" hangingPunct="1">
+              <a:defRPr sz="1800" kern="1200">
+                <a:solidFill>
+                  <a:schemeClr val="lt1"/>
+                </a:solidFill>
+                <a:latin typeface="+mn-lt"/>
+                <a:ea typeface="+mn-ea"/>
+                <a:cs typeface="+mn-cs"/>
+              </a:defRPr>
+            </a:lvl2pPr>
+            <a:lvl3pPr marL="914400" algn="l" defTabSz="914400" rtl="0" eaLnBrk="1" latinLnBrk="0" hangingPunct="1">
+              <a:defRPr sz="1800" kern="1200">
+                <a:solidFill>
+                  <a:schemeClr val="lt1"/>
+                </a:solidFill>
+                <a:latin typeface="+mn-lt"/>
+                <a:ea typeface="+mn-ea"/>
+                <a:cs typeface="+mn-cs"/>
+              </a:defRPr>
+            </a:lvl3pPr>
+            <a:lvl4pPr marL="1371600" algn="l" defTabSz="914400" rtl="0" eaLnBrk="1" latinLnBrk="0" hangingPunct="1">
+              <a:defRPr sz="1800" kern="1200">
+                <a:solidFill>
+                  <a:schemeClr val="lt1"/>
+                </a:solidFill>
+                <a:latin typeface="+mn-lt"/>
+                <a:ea typeface="+mn-ea"/>
+                <a:cs typeface="+mn-cs"/>
+              </a:defRPr>
+            </a:lvl4pPr>
+            <a:lvl5pPr marL="1828800" algn="l" defTabSz="914400" rtl="0" eaLnBrk="1" latinLnBrk="0" hangingPunct="1">
+              <a:defRPr sz="1800" kern="1200">
+                <a:solidFill>
+                  <a:schemeClr val="lt1"/>
+                </a:solidFill>
+                <a:latin typeface="+mn-lt"/>
+                <a:ea typeface="+mn-ea"/>
+                <a:cs typeface="+mn-cs"/>
+              </a:defRPr>
+            </a:lvl5pPr>
+            <a:lvl6pPr marL="2286000" algn="l" defTabSz="914400" rtl="0" eaLnBrk="1" latinLnBrk="0" hangingPunct="1">
+              <a:defRPr sz="1800" kern="1200">
+                <a:solidFill>
+                  <a:schemeClr val="lt1"/>
+                </a:solidFill>
+                <a:latin typeface="+mn-lt"/>
+                <a:ea typeface="+mn-ea"/>
+                <a:cs typeface="+mn-cs"/>
+              </a:defRPr>
+            </a:lvl6pPr>
+            <a:lvl7pPr marL="2743200" algn="l" defTabSz="914400" rtl="0" eaLnBrk="1" latinLnBrk="0" hangingPunct="1">
+              <a:defRPr sz="1800" kern="1200">
+                <a:solidFill>
+                  <a:schemeClr val="lt1"/>
+                </a:solidFill>
+                <a:latin typeface="+mn-lt"/>
+                <a:ea typeface="+mn-ea"/>
+                <a:cs typeface="+mn-cs"/>
+              </a:defRPr>
+            </a:lvl7pPr>
+            <a:lvl8pPr marL="3200400" algn="l" defTabSz="914400" rtl="0" eaLnBrk="1" latinLnBrk="0" hangingPunct="1">
+              <a:defRPr sz="1800" kern="1200">
+                <a:solidFill>
+                  <a:schemeClr val="lt1"/>
+                </a:solidFill>
+                <a:latin typeface="+mn-lt"/>
+                <a:ea typeface="+mn-ea"/>
+                <a:cs typeface="+mn-cs"/>
+              </a:defRPr>
+            </a:lvl8pPr>
+            <a:lvl9pPr marL="3657600" algn="l" defTabSz="914400" rtl="0" eaLnBrk="1" latinLnBrk="0" hangingPunct="1">
+              <a:defRPr sz="1800" kern="1200">
+                <a:solidFill>
+                  <a:schemeClr val="lt1"/>
+                </a:solidFill>
+                <a:latin typeface="+mn-lt"/>
+                <a:ea typeface="+mn-ea"/>
+                <a:cs typeface="+mn-cs"/>
+              </a:defRPr>
+            </a:lvl9pPr>
+          </a:lstStyle>
+          <a:p>
+            <a:pPr algn="ctr"/>
+            <a:endParaRPr lang="en-GB"/>
+          </a:p>
+        </p:txBody>
+      </p:sp>
+      <p:sp>
+        <p:nvSpPr>
           <p:cNvPr id="2" name="Title 1">
             <a:extLst>
               <a:ext uri="{FF2B5EF4-FFF2-40B4-BE49-F238E27FC236}">
@@ -4814,11 +6787,17 @@
         </p:nvSpPr>
         <p:spPr/>
         <p:txBody>
-          <a:bodyPr/>
+          <a:bodyPr>
+            <a:normAutofit/>
+          </a:bodyPr>
           <a:lstStyle/>
           <a:p>
             <a:r>
-              <a:rPr lang="en-GB" dirty="0"/>
+              <a:rPr lang="en-GB" sz="3200" dirty="0">
+                <a:solidFill>
+                  <a:schemeClr val="bg1"/>
+                </a:solidFill>
+              </a:rPr>
               <a:t>Project Outline</a:t>
             </a:r>
           </a:p>
@@ -4857,6 +6836,9 @@
             </a:pPr>
             <a:r>
               <a:rPr lang="en-GB" sz="1800" dirty="0">
+                <a:solidFill>
+                  <a:schemeClr val="bg1"/>
+                </a:solidFill>
                 <a:effectLst/>
                 <a:latin typeface="Aptos" panose="020B0004020202020204" pitchFamily="34" charset="0"/>
                 <a:ea typeface="Aptos" panose="020B0004020202020204" pitchFamily="34" charset="0"/>
@@ -4866,6 +6848,9 @@
             </a:r>
             <a:r>
               <a:rPr lang="en-GB" sz="1800" dirty="0" err="1">
+                <a:solidFill>
+                  <a:schemeClr val="bg1"/>
+                </a:solidFill>
                 <a:effectLst/>
                 <a:latin typeface="Aptos" panose="020B0004020202020204" pitchFamily="34" charset="0"/>
                 <a:ea typeface="Aptos" panose="020B0004020202020204" pitchFamily="34" charset="0"/>
@@ -4875,6 +6860,9 @@
             </a:r>
             <a:r>
               <a:rPr lang="en-GB" sz="1800" dirty="0">
+                <a:solidFill>
+                  <a:schemeClr val="bg1"/>
+                </a:solidFill>
                 <a:effectLst/>
                 <a:latin typeface="Aptos" panose="020B0004020202020204" pitchFamily="34" charset="0"/>
                 <a:ea typeface="Aptos" panose="020B0004020202020204" pitchFamily="34" charset="0"/>
@@ -4894,6 +6882,9 @@
             </a:pPr>
             <a:r>
               <a:rPr lang="en-GB" sz="1800" dirty="0">
+                <a:solidFill>
+                  <a:schemeClr val="bg1"/>
+                </a:solidFill>
                 <a:effectLst/>
                 <a:latin typeface="Aptos" panose="020B0004020202020204" pitchFamily="34" charset="0"/>
                 <a:ea typeface="Aptos" panose="020B0004020202020204" pitchFamily="34" charset="0"/>
@@ -4913,6 +6904,9 @@
             </a:pPr>
             <a:r>
               <a:rPr lang="en-GB" sz="1800" dirty="0">
+                <a:solidFill>
+                  <a:schemeClr val="bg1"/>
+                </a:solidFill>
                 <a:effectLst/>
                 <a:latin typeface="Aptos" panose="020B0004020202020204" pitchFamily="34" charset="0"/>
                 <a:ea typeface="Aptos" panose="020B0004020202020204" pitchFamily="34" charset="0"/>
@@ -4961,10 +6955,156 @@
       </p:grpSpPr>
       <p:sp>
         <p:nvSpPr>
+          <p:cNvPr id="4" name="Rectangle 3">
+            <a:extLst>
+              <a:ext uri="{FF2B5EF4-FFF2-40B4-BE49-F238E27FC236}">
+                <a16:creationId xmlns:a16="http://schemas.microsoft.com/office/drawing/2014/main" id="{16224251-3012-3AD5-CD4A-3EA25F6CF104}"/>
+              </a:ext>
+            </a:extLst>
+          </p:cNvPr>
+          <p:cNvSpPr/>
+          <p:nvPr/>
+        </p:nvSpPr>
+        <p:spPr>
+          <a:xfrm>
+            <a:off x="0" y="0"/>
+            <a:ext cx="12192000" cy="6858000"/>
+          </a:xfrm>
+          <a:prstGeom prst="rect">
+            <a:avLst/>
+          </a:prstGeom>
+          <a:solidFill>
+            <a:schemeClr val="tx1"/>
+          </a:solidFill>
+          <a:ln>
+            <a:noFill/>
+          </a:ln>
+        </p:spPr>
+        <p:style>
+          <a:lnRef idx="2">
+            <a:schemeClr val="accent1">
+              <a:shade val="15000"/>
+            </a:schemeClr>
+          </a:lnRef>
+          <a:fillRef idx="1">
+            <a:schemeClr val="accent1"/>
+          </a:fillRef>
+          <a:effectRef idx="0">
+            <a:schemeClr val="accent1"/>
+          </a:effectRef>
+          <a:fontRef idx="minor">
+            <a:schemeClr val="lt1"/>
+          </a:fontRef>
+        </p:style>
+        <p:txBody>
+          <a:bodyPr rtlCol="0" anchor="ctr"/>
+          <a:lstStyle>
+            <a:defPPr>
+              <a:defRPr lang="en-US"/>
+            </a:defPPr>
+            <a:lvl1pPr marL="0" algn="l" defTabSz="914400" rtl="0" eaLnBrk="1" latinLnBrk="0" hangingPunct="1">
+              <a:defRPr sz="1800" kern="1200">
+                <a:solidFill>
+                  <a:schemeClr val="lt1"/>
+                </a:solidFill>
+                <a:latin typeface="+mn-lt"/>
+                <a:ea typeface="+mn-ea"/>
+                <a:cs typeface="+mn-cs"/>
+              </a:defRPr>
+            </a:lvl1pPr>
+            <a:lvl2pPr marL="457200" algn="l" defTabSz="914400" rtl="0" eaLnBrk="1" latinLnBrk="0" hangingPunct="1">
+              <a:defRPr sz="1800" kern="1200">
+                <a:solidFill>
+                  <a:schemeClr val="lt1"/>
+                </a:solidFill>
+                <a:latin typeface="+mn-lt"/>
+                <a:ea typeface="+mn-ea"/>
+                <a:cs typeface="+mn-cs"/>
+              </a:defRPr>
+            </a:lvl2pPr>
+            <a:lvl3pPr marL="914400" algn="l" defTabSz="914400" rtl="0" eaLnBrk="1" latinLnBrk="0" hangingPunct="1">
+              <a:defRPr sz="1800" kern="1200">
+                <a:solidFill>
+                  <a:schemeClr val="lt1"/>
+                </a:solidFill>
+                <a:latin typeface="+mn-lt"/>
+                <a:ea typeface="+mn-ea"/>
+                <a:cs typeface="+mn-cs"/>
+              </a:defRPr>
+            </a:lvl3pPr>
+            <a:lvl4pPr marL="1371600" algn="l" defTabSz="914400" rtl="0" eaLnBrk="1" latinLnBrk="0" hangingPunct="1">
+              <a:defRPr sz="1800" kern="1200">
+                <a:solidFill>
+                  <a:schemeClr val="lt1"/>
+                </a:solidFill>
+                <a:latin typeface="+mn-lt"/>
+                <a:ea typeface="+mn-ea"/>
+                <a:cs typeface="+mn-cs"/>
+              </a:defRPr>
+            </a:lvl4pPr>
+            <a:lvl5pPr marL="1828800" algn="l" defTabSz="914400" rtl="0" eaLnBrk="1" latinLnBrk="0" hangingPunct="1">
+              <a:defRPr sz="1800" kern="1200">
+                <a:solidFill>
+                  <a:schemeClr val="lt1"/>
+                </a:solidFill>
+                <a:latin typeface="+mn-lt"/>
+                <a:ea typeface="+mn-ea"/>
+                <a:cs typeface="+mn-cs"/>
+              </a:defRPr>
+            </a:lvl5pPr>
+            <a:lvl6pPr marL="2286000" algn="l" defTabSz="914400" rtl="0" eaLnBrk="1" latinLnBrk="0" hangingPunct="1">
+              <a:defRPr sz="1800" kern="1200">
+                <a:solidFill>
+                  <a:schemeClr val="lt1"/>
+                </a:solidFill>
+                <a:latin typeface="+mn-lt"/>
+                <a:ea typeface="+mn-ea"/>
+                <a:cs typeface="+mn-cs"/>
+              </a:defRPr>
+            </a:lvl6pPr>
+            <a:lvl7pPr marL="2743200" algn="l" defTabSz="914400" rtl="0" eaLnBrk="1" latinLnBrk="0" hangingPunct="1">
+              <a:defRPr sz="1800" kern="1200">
+                <a:solidFill>
+                  <a:schemeClr val="lt1"/>
+                </a:solidFill>
+                <a:latin typeface="+mn-lt"/>
+                <a:ea typeface="+mn-ea"/>
+                <a:cs typeface="+mn-cs"/>
+              </a:defRPr>
+            </a:lvl7pPr>
+            <a:lvl8pPr marL="3200400" algn="l" defTabSz="914400" rtl="0" eaLnBrk="1" latinLnBrk="0" hangingPunct="1">
+              <a:defRPr sz="1800" kern="1200">
+                <a:solidFill>
+                  <a:schemeClr val="lt1"/>
+                </a:solidFill>
+                <a:latin typeface="+mn-lt"/>
+                <a:ea typeface="+mn-ea"/>
+                <a:cs typeface="+mn-cs"/>
+              </a:defRPr>
+            </a:lvl8pPr>
+            <a:lvl9pPr marL="3657600" algn="l" defTabSz="914400" rtl="0" eaLnBrk="1" latinLnBrk="0" hangingPunct="1">
+              <a:defRPr sz="1800" kern="1200">
+                <a:solidFill>
+                  <a:schemeClr val="lt1"/>
+                </a:solidFill>
+                <a:latin typeface="+mn-lt"/>
+                <a:ea typeface="+mn-ea"/>
+                <a:cs typeface="+mn-cs"/>
+              </a:defRPr>
+            </a:lvl9pPr>
+          </a:lstStyle>
+          <a:p>
+            <a:pPr algn="ctr"/>
+            <a:endParaRPr lang="en-GB"/>
+          </a:p>
+        </p:txBody>
+      </p:sp>
+      <p:sp>
+        <p:nvSpPr>
           <p:cNvPr id="2" name="Title 1">
             <a:extLst>
               <a:ext uri="{FF2B5EF4-FFF2-40B4-BE49-F238E27FC236}">
-                <a16:creationId xmlns:a16="http://schemas.microsoft.com/office/drawing/2014/main" id="{DBF749B5-2935-D04D-4D5D-CD749E6FE55A}"/>
+                <a16:creationId xmlns:a16="http://schemas.microsoft.com/office/drawing/2014/main" id="{468343A0-47C3-D7C4-1A2B-CFD1460E0178}"/>
               </a:ext>
             </a:extLst>
           </p:cNvPr>
@@ -4977,12 +7117,18 @@
         </p:nvSpPr>
         <p:spPr/>
         <p:txBody>
-          <a:bodyPr/>
+          <a:bodyPr>
+            <a:normAutofit/>
+          </a:bodyPr>
           <a:lstStyle/>
           <a:p>
             <a:r>
-              <a:rPr lang="en-GB" dirty="0"/>
-              <a:t>Critical Reflection: Next Time (Week 10)</a:t>
+              <a:rPr lang="en-GB" sz="3200" dirty="0">
+                <a:solidFill>
+                  <a:schemeClr val="bg1"/>
+                </a:solidFill>
+              </a:rPr>
+              <a:t>Critical Reflection: Negative Analysis (Week 10)</a:t>
             </a:r>
           </a:p>
         </p:txBody>
@@ -4992,7 +7138,7 @@
           <p:cNvPr id="3" name="Content Placeholder 2">
             <a:extLst>
               <a:ext uri="{FF2B5EF4-FFF2-40B4-BE49-F238E27FC236}">
-                <a16:creationId xmlns:a16="http://schemas.microsoft.com/office/drawing/2014/main" id="{964C3CBB-7362-B080-63A5-A95A7BC1158B}"/>
+                <a16:creationId xmlns:a16="http://schemas.microsoft.com/office/drawing/2014/main" id="{C168FE0F-B4C3-9E45-DE76-699AC9CB6EAA}"/>
               </a:ext>
             </a:extLst>
           </p:cNvPr>
@@ -5006,7 +7152,7 @@
         <p:spPr/>
         <p:txBody>
           <a:bodyPr>
-            <a:normAutofit/>
+            <a:normAutofit fontScale="92500" lnSpcReduction="10000"/>
           </a:bodyPr>
           <a:lstStyle/>
           <a:p>
@@ -5020,30 +7166,37 @@
             </a:pPr>
             <a:r>
               <a:rPr lang="en-GB" sz="1800" dirty="0">
-                <a:effectLst/>
-                <a:latin typeface="Aptos" panose="020B0004020202020204" pitchFamily="34" charset="0"/>
-                <a:ea typeface="Aptos" panose="020B0004020202020204" pitchFamily="34" charset="0"/>
-                <a:cs typeface="Times New Roman" panose="02020603050405020304" pitchFamily="18" charset="0"/>
-              </a:rPr>
-              <a:t>I would approach the project as a C++ development </a:t>
-            </a:r>
-            <a:r>
-              <a:rPr lang="en-GB" sz="1800" dirty="0" err="1">
-                <a:effectLst/>
-                <a:latin typeface="Aptos" panose="020B0004020202020204" pitchFamily="34" charset="0"/>
-                <a:ea typeface="Aptos" panose="020B0004020202020204" pitchFamily="34" charset="0"/>
-                <a:cs typeface="Times New Roman" panose="02020603050405020304" pitchFamily="18" charset="0"/>
-              </a:rPr>
-              <a:t>endeavor</a:t>
-            </a:r>
+                <a:solidFill>
+                  <a:schemeClr val="bg1"/>
+                </a:solidFill>
+                <a:effectLst/>
+                <a:latin typeface="Aptos" panose="020B0004020202020204" pitchFamily="34" charset="0"/>
+                <a:ea typeface="Aptos" panose="020B0004020202020204" pitchFamily="34" charset="0"/>
+                <a:cs typeface="Times New Roman" panose="02020603050405020304" pitchFamily="18" charset="0"/>
+              </a:rPr>
+              <a:t>I faced challenges while implementing both the dialogue QTE with multiple branches and the heartbeat QTE. To create multiple branches in the dialogue QTE, I modified the tick event to continuously loop through the dialogue array, breaking the struct and setting all the necessary variables. Within the Start QTE custom event, I used a switch statement to handle different dialogue options, assigning the output to a variable and updating the dialogue index accordingly. This ensured that the correct branching logic was applied, allowing the dialogue to flow properly based on the player's choices.</a:t>
+            </a:r>
+          </a:p>
+          <a:p>
+            <a:pPr>
+              <a:lnSpc>
+                <a:spcPct val="107000"/>
+              </a:lnSpc>
+              <a:spcAft>
+                <a:spcPts val="800"/>
+              </a:spcAft>
+            </a:pPr>
             <a:r>
               <a:rPr lang="en-GB" sz="1800" dirty="0">
-                <a:effectLst/>
-                <a:latin typeface="Aptos" panose="020B0004020202020204" pitchFamily="34" charset="0"/>
-                <a:ea typeface="Aptos" panose="020B0004020202020204" pitchFamily="34" charset="0"/>
-                <a:cs typeface="Times New Roman" panose="02020603050405020304" pitchFamily="18" charset="0"/>
-              </a:rPr>
-              <a:t>, combining the power and efficiency of C++ with the flexibility of Blueprints. This hybrid approach would allow me to leverage the strengths of both programming paradigms, enabling the development of complex game mechanics and systems through C++, while also utilizing Blueprints for rapid iteration and visual scripting. By integrating both, I can ensure optimal performance where needed and maintain an accessible workflow for experimentation and prototyping. One improvement to my workflow is to upgrade to a larger storage solution than Git LFS for GitHub. This would allow me to manage and store larger assets more efficiently without running into storage limitations. Using a more robust storage system would ensure smooth collaboration and avoid potential disruptions during development. One improvement to my implementation process is to ensure that everything is organized within actor components. This approach would help modularize the code, making it easier to manage, extend, and debug. By using actor components consistently, I can achieve better reusability and maintain a more efficient workflow throughout the development process.</a:t>
+                <a:solidFill>
+                  <a:schemeClr val="bg1"/>
+                </a:solidFill>
+                <a:effectLst/>
+                <a:latin typeface="Aptos" panose="020B0004020202020204" pitchFamily="34" charset="0"/>
+                <a:ea typeface="Aptos" panose="020B0004020202020204" pitchFamily="34" charset="0"/>
+                <a:cs typeface="Times New Roman" panose="02020603050405020304" pitchFamily="18" charset="0"/>
+              </a:rPr>
+              <a:t>For the heartbeat QTE, I designed it similarly to a button-mashing QTE. In the tick event, I set a variable to track key presses and checked whether the input was within the allowed time. If the player pressed the key in time, the success count increased, displaying a success message; otherwise, the fail count increased, triggering a failure message. An outcome function then determined the next step: if the success count met the goal, the game transitioned to a dialogue QTE and deactivated the heartbeat QTE, while failing triggered a level sequence before deactivating the heartbeat QTE. To refine the system, I replaced the update function with a new trigger function that set a target press time, defined an input window, selected a random key for the player to press, and updated the UI. The key remained visible briefly, giving the player time to react. If they failed to press it, penalties were applied based on the outcome function.</a:t>
             </a:r>
           </a:p>
         </p:txBody>
@@ -5051,7 +7204,7 @@
     </p:spTree>
     <p:extLst>
       <p:ext uri="{BB962C8B-B14F-4D97-AF65-F5344CB8AC3E}">
-        <p14:creationId xmlns:p14="http://schemas.microsoft.com/office/powerpoint/2010/main" val="2407503897"/>
+        <p14:creationId xmlns:p14="http://schemas.microsoft.com/office/powerpoint/2010/main" val="1884399009"/>
       </p:ext>
     </p:extLst>
   </p:cSld>
@@ -5080,10 +7233,156 @@
       </p:grpSpPr>
       <p:sp>
         <p:nvSpPr>
+          <p:cNvPr id="4" name="Rectangle 3">
+            <a:extLst>
+              <a:ext uri="{FF2B5EF4-FFF2-40B4-BE49-F238E27FC236}">
+                <a16:creationId xmlns:a16="http://schemas.microsoft.com/office/drawing/2014/main" id="{16224251-3012-3AD5-CD4A-3EA25F6CF104}"/>
+              </a:ext>
+            </a:extLst>
+          </p:cNvPr>
+          <p:cNvSpPr/>
+          <p:nvPr/>
+        </p:nvSpPr>
+        <p:spPr>
+          <a:xfrm>
+            <a:off x="0" y="0"/>
+            <a:ext cx="12192000" cy="6858000"/>
+          </a:xfrm>
+          <a:prstGeom prst="rect">
+            <a:avLst/>
+          </a:prstGeom>
+          <a:solidFill>
+            <a:schemeClr val="tx1"/>
+          </a:solidFill>
+          <a:ln>
+            <a:noFill/>
+          </a:ln>
+        </p:spPr>
+        <p:style>
+          <a:lnRef idx="2">
+            <a:schemeClr val="accent1">
+              <a:shade val="15000"/>
+            </a:schemeClr>
+          </a:lnRef>
+          <a:fillRef idx="1">
+            <a:schemeClr val="accent1"/>
+          </a:fillRef>
+          <a:effectRef idx="0">
+            <a:schemeClr val="accent1"/>
+          </a:effectRef>
+          <a:fontRef idx="minor">
+            <a:schemeClr val="lt1"/>
+          </a:fontRef>
+        </p:style>
+        <p:txBody>
+          <a:bodyPr rtlCol="0" anchor="ctr"/>
+          <a:lstStyle>
+            <a:defPPr>
+              <a:defRPr lang="en-US"/>
+            </a:defPPr>
+            <a:lvl1pPr marL="0" algn="l" defTabSz="914400" rtl="0" eaLnBrk="1" latinLnBrk="0" hangingPunct="1">
+              <a:defRPr sz="1800" kern="1200">
+                <a:solidFill>
+                  <a:schemeClr val="lt1"/>
+                </a:solidFill>
+                <a:latin typeface="+mn-lt"/>
+                <a:ea typeface="+mn-ea"/>
+                <a:cs typeface="+mn-cs"/>
+              </a:defRPr>
+            </a:lvl1pPr>
+            <a:lvl2pPr marL="457200" algn="l" defTabSz="914400" rtl="0" eaLnBrk="1" latinLnBrk="0" hangingPunct="1">
+              <a:defRPr sz="1800" kern="1200">
+                <a:solidFill>
+                  <a:schemeClr val="lt1"/>
+                </a:solidFill>
+                <a:latin typeface="+mn-lt"/>
+                <a:ea typeface="+mn-ea"/>
+                <a:cs typeface="+mn-cs"/>
+              </a:defRPr>
+            </a:lvl2pPr>
+            <a:lvl3pPr marL="914400" algn="l" defTabSz="914400" rtl="0" eaLnBrk="1" latinLnBrk="0" hangingPunct="1">
+              <a:defRPr sz="1800" kern="1200">
+                <a:solidFill>
+                  <a:schemeClr val="lt1"/>
+                </a:solidFill>
+                <a:latin typeface="+mn-lt"/>
+                <a:ea typeface="+mn-ea"/>
+                <a:cs typeface="+mn-cs"/>
+              </a:defRPr>
+            </a:lvl3pPr>
+            <a:lvl4pPr marL="1371600" algn="l" defTabSz="914400" rtl="0" eaLnBrk="1" latinLnBrk="0" hangingPunct="1">
+              <a:defRPr sz="1800" kern="1200">
+                <a:solidFill>
+                  <a:schemeClr val="lt1"/>
+                </a:solidFill>
+                <a:latin typeface="+mn-lt"/>
+                <a:ea typeface="+mn-ea"/>
+                <a:cs typeface="+mn-cs"/>
+              </a:defRPr>
+            </a:lvl4pPr>
+            <a:lvl5pPr marL="1828800" algn="l" defTabSz="914400" rtl="0" eaLnBrk="1" latinLnBrk="0" hangingPunct="1">
+              <a:defRPr sz="1800" kern="1200">
+                <a:solidFill>
+                  <a:schemeClr val="lt1"/>
+                </a:solidFill>
+                <a:latin typeface="+mn-lt"/>
+                <a:ea typeface="+mn-ea"/>
+                <a:cs typeface="+mn-cs"/>
+              </a:defRPr>
+            </a:lvl5pPr>
+            <a:lvl6pPr marL="2286000" algn="l" defTabSz="914400" rtl="0" eaLnBrk="1" latinLnBrk="0" hangingPunct="1">
+              <a:defRPr sz="1800" kern="1200">
+                <a:solidFill>
+                  <a:schemeClr val="lt1"/>
+                </a:solidFill>
+                <a:latin typeface="+mn-lt"/>
+                <a:ea typeface="+mn-ea"/>
+                <a:cs typeface="+mn-cs"/>
+              </a:defRPr>
+            </a:lvl6pPr>
+            <a:lvl7pPr marL="2743200" algn="l" defTabSz="914400" rtl="0" eaLnBrk="1" latinLnBrk="0" hangingPunct="1">
+              <a:defRPr sz="1800" kern="1200">
+                <a:solidFill>
+                  <a:schemeClr val="lt1"/>
+                </a:solidFill>
+                <a:latin typeface="+mn-lt"/>
+                <a:ea typeface="+mn-ea"/>
+                <a:cs typeface="+mn-cs"/>
+              </a:defRPr>
+            </a:lvl7pPr>
+            <a:lvl8pPr marL="3200400" algn="l" defTabSz="914400" rtl="0" eaLnBrk="1" latinLnBrk="0" hangingPunct="1">
+              <a:defRPr sz="1800" kern="1200">
+                <a:solidFill>
+                  <a:schemeClr val="lt1"/>
+                </a:solidFill>
+                <a:latin typeface="+mn-lt"/>
+                <a:ea typeface="+mn-ea"/>
+                <a:cs typeface="+mn-cs"/>
+              </a:defRPr>
+            </a:lvl8pPr>
+            <a:lvl9pPr marL="3657600" algn="l" defTabSz="914400" rtl="0" eaLnBrk="1" latinLnBrk="0" hangingPunct="1">
+              <a:defRPr sz="1800" kern="1200">
+                <a:solidFill>
+                  <a:schemeClr val="lt1"/>
+                </a:solidFill>
+                <a:latin typeface="+mn-lt"/>
+                <a:ea typeface="+mn-ea"/>
+                <a:cs typeface="+mn-cs"/>
+              </a:defRPr>
+            </a:lvl9pPr>
+          </a:lstStyle>
+          <a:p>
+            <a:pPr algn="ctr"/>
+            <a:endParaRPr lang="en-GB"/>
+          </a:p>
+        </p:txBody>
+      </p:sp>
+      <p:sp>
+        <p:nvSpPr>
           <p:cNvPr id="2" name="Title 1">
             <a:extLst>
               <a:ext uri="{FF2B5EF4-FFF2-40B4-BE49-F238E27FC236}">
-                <a16:creationId xmlns:a16="http://schemas.microsoft.com/office/drawing/2014/main" id="{D764D534-BDF7-9CCD-7AFC-C5485038E1F5}"/>
+                <a16:creationId xmlns:a16="http://schemas.microsoft.com/office/drawing/2014/main" id="{DBF749B5-2935-D04D-4D5D-CD749E6FE55A}"/>
               </a:ext>
             </a:extLst>
           </p:cNvPr>
@@ -5096,12 +7395,18 @@
         </p:nvSpPr>
         <p:spPr/>
         <p:txBody>
-          <a:bodyPr/>
+          <a:bodyPr>
+            <a:normAutofit/>
+          </a:bodyPr>
           <a:lstStyle/>
           <a:p>
             <a:r>
-              <a:rPr lang="en-GB" dirty="0"/>
-              <a:t>Bibliography</a:t>
+              <a:rPr lang="en-GB" sz="3200" dirty="0">
+                <a:solidFill>
+                  <a:schemeClr val="bg1"/>
+                </a:solidFill>
+              </a:rPr>
+              <a:t>Critical Reflection: Next Time (Week 10)</a:t>
             </a:r>
           </a:p>
         </p:txBody>
@@ -5111,7 +7416,7 @@
           <p:cNvPr id="3" name="Content Placeholder 2">
             <a:extLst>
               <a:ext uri="{FF2B5EF4-FFF2-40B4-BE49-F238E27FC236}">
-                <a16:creationId xmlns:a16="http://schemas.microsoft.com/office/drawing/2014/main" id="{72408414-CBDF-C9F3-0AA3-5528B7733F61}"/>
+                <a16:creationId xmlns:a16="http://schemas.microsoft.com/office/drawing/2014/main" id="{964C3CBB-7362-B080-63A5-A95A7BC1158B}"/>
               </a:ext>
             </a:extLst>
           </p:cNvPr>
@@ -5139,14 +7444,275 @@
             </a:pPr>
             <a:r>
               <a:rPr lang="en-GB" sz="1800" dirty="0">
-                <a:effectLst/>
-                <a:latin typeface="Aptos" panose="020B0004020202020204" pitchFamily="34" charset="0"/>
-                <a:ea typeface="Aptos" panose="020B0004020202020204" pitchFamily="34" charset="0"/>
-                <a:cs typeface="Times New Roman" panose="02020603050405020304" pitchFamily="18" charset="0"/>
-              </a:rPr>
-              <a:t>The Casting of Frank Stone (PS5/PC/Xbox Series) (2024) Developed by Supermassive Games and published by Behaviour Interactive</a:t>
-            </a:r>
-          </a:p>
+                <a:solidFill>
+                  <a:schemeClr val="bg1"/>
+                </a:solidFill>
+                <a:effectLst/>
+                <a:latin typeface="Aptos" panose="020B0004020202020204" pitchFamily="34" charset="0"/>
+                <a:ea typeface="Aptos" panose="020B0004020202020204" pitchFamily="34" charset="0"/>
+                <a:cs typeface="Times New Roman" panose="02020603050405020304" pitchFamily="18" charset="0"/>
+              </a:rPr>
+              <a:t>I would approach the project as a C++ development </a:t>
+            </a:r>
+            <a:r>
+              <a:rPr lang="en-GB" sz="1800" dirty="0" err="1">
+                <a:solidFill>
+                  <a:schemeClr val="bg1"/>
+                </a:solidFill>
+                <a:effectLst/>
+                <a:latin typeface="Aptos" panose="020B0004020202020204" pitchFamily="34" charset="0"/>
+                <a:ea typeface="Aptos" panose="020B0004020202020204" pitchFamily="34" charset="0"/>
+                <a:cs typeface="Times New Roman" panose="02020603050405020304" pitchFamily="18" charset="0"/>
+              </a:rPr>
+              <a:t>endeavor</a:t>
+            </a:r>
+            <a:r>
+              <a:rPr lang="en-GB" sz="1800" dirty="0">
+                <a:solidFill>
+                  <a:schemeClr val="bg1"/>
+                </a:solidFill>
+                <a:effectLst/>
+                <a:latin typeface="Aptos" panose="020B0004020202020204" pitchFamily="34" charset="0"/>
+                <a:ea typeface="Aptos" panose="020B0004020202020204" pitchFamily="34" charset="0"/>
+                <a:cs typeface="Times New Roman" panose="02020603050405020304" pitchFamily="18" charset="0"/>
+              </a:rPr>
+              <a:t>, combining the power and efficiency of C++ with the flexibility of Blueprints. This hybrid approach would allow me to leverage the strengths of both programming paradigms, enabling the development of complex game mechanics and systems through C++, while also utilizing Blueprints for rapid iteration and visual scripting. By integrating both, I can ensure optimal performance where needed and maintain an accessible workflow for experimentation and prototyping. One improvement to my workflow is to upgrade to a larger storage solution than Git LFS for GitHub. This would allow me to manage and store larger assets more efficiently without running into storage limitations. Using a more robust storage system would ensure smooth collaboration and avoid potential disruptions during development. One improvement to my implementation process is to ensure that everything is organized within actor components. This approach would help modularize the code, making it easier to manage, extend, and debug. By using actor components consistently, I can achieve better reusability and maintain a more efficient workflow throughout the development process.</a:t>
+            </a:r>
+          </a:p>
+        </p:txBody>
+      </p:sp>
+    </p:spTree>
+    <p:extLst>
+      <p:ext uri="{BB962C8B-B14F-4D97-AF65-F5344CB8AC3E}">
+        <p14:creationId xmlns:p14="http://schemas.microsoft.com/office/powerpoint/2010/main" val="2407503897"/>
+      </p:ext>
+    </p:extLst>
+  </p:cSld>
+  <p:clrMapOvr>
+    <a:masterClrMapping/>
+  </p:clrMapOvr>
+</p:sld>
+</file>
+
+<file path=ppt/slides/slide22.xml><?xml version="1.0" encoding="utf-8"?>
+<p:sld xmlns:a="http://schemas.openxmlformats.org/drawingml/2006/main" xmlns:r="http://schemas.openxmlformats.org/officeDocument/2006/relationships" xmlns:p="http://schemas.openxmlformats.org/presentationml/2006/main">
+  <p:cSld>
+    <p:spTree>
+      <p:nvGrpSpPr>
+        <p:cNvPr id="1" name=""/>
+        <p:cNvGrpSpPr/>
+        <p:nvPr/>
+      </p:nvGrpSpPr>
+      <p:grpSpPr>
+        <a:xfrm>
+          <a:off x="0" y="0"/>
+          <a:ext cx="0" cy="0"/>
+          <a:chOff x="0" y="0"/>
+          <a:chExt cx="0" cy="0"/>
+        </a:xfrm>
+      </p:grpSpPr>
+      <p:sp>
+        <p:nvSpPr>
+          <p:cNvPr id="5" name="Rectangle 4">
+            <a:extLst>
+              <a:ext uri="{FF2B5EF4-FFF2-40B4-BE49-F238E27FC236}">
+                <a16:creationId xmlns:a16="http://schemas.microsoft.com/office/drawing/2014/main" id="{16224251-3012-3AD5-CD4A-3EA25F6CF104}"/>
+              </a:ext>
+            </a:extLst>
+          </p:cNvPr>
+          <p:cNvSpPr/>
+          <p:nvPr/>
+        </p:nvSpPr>
+        <p:spPr>
+          <a:xfrm>
+            <a:off x="0" y="0"/>
+            <a:ext cx="12192000" cy="6858000"/>
+          </a:xfrm>
+          <a:prstGeom prst="rect">
+            <a:avLst/>
+          </a:prstGeom>
+          <a:solidFill>
+            <a:schemeClr val="tx1"/>
+          </a:solidFill>
+          <a:ln>
+            <a:noFill/>
+          </a:ln>
+        </p:spPr>
+        <p:style>
+          <a:lnRef idx="2">
+            <a:schemeClr val="accent1">
+              <a:shade val="15000"/>
+            </a:schemeClr>
+          </a:lnRef>
+          <a:fillRef idx="1">
+            <a:schemeClr val="accent1"/>
+          </a:fillRef>
+          <a:effectRef idx="0">
+            <a:schemeClr val="accent1"/>
+          </a:effectRef>
+          <a:fontRef idx="minor">
+            <a:schemeClr val="lt1"/>
+          </a:fontRef>
+        </p:style>
+        <p:txBody>
+          <a:bodyPr rtlCol="0" anchor="ctr"/>
+          <a:lstStyle>
+            <a:defPPr>
+              <a:defRPr lang="en-US"/>
+            </a:defPPr>
+            <a:lvl1pPr marL="0" algn="l" defTabSz="914400" rtl="0" eaLnBrk="1" latinLnBrk="0" hangingPunct="1">
+              <a:defRPr sz="1800" kern="1200">
+                <a:solidFill>
+                  <a:schemeClr val="lt1"/>
+                </a:solidFill>
+                <a:latin typeface="+mn-lt"/>
+                <a:ea typeface="+mn-ea"/>
+                <a:cs typeface="+mn-cs"/>
+              </a:defRPr>
+            </a:lvl1pPr>
+            <a:lvl2pPr marL="457200" algn="l" defTabSz="914400" rtl="0" eaLnBrk="1" latinLnBrk="0" hangingPunct="1">
+              <a:defRPr sz="1800" kern="1200">
+                <a:solidFill>
+                  <a:schemeClr val="lt1"/>
+                </a:solidFill>
+                <a:latin typeface="+mn-lt"/>
+                <a:ea typeface="+mn-ea"/>
+                <a:cs typeface="+mn-cs"/>
+              </a:defRPr>
+            </a:lvl2pPr>
+            <a:lvl3pPr marL="914400" algn="l" defTabSz="914400" rtl="0" eaLnBrk="1" latinLnBrk="0" hangingPunct="1">
+              <a:defRPr sz="1800" kern="1200">
+                <a:solidFill>
+                  <a:schemeClr val="lt1"/>
+                </a:solidFill>
+                <a:latin typeface="+mn-lt"/>
+                <a:ea typeface="+mn-ea"/>
+                <a:cs typeface="+mn-cs"/>
+              </a:defRPr>
+            </a:lvl3pPr>
+            <a:lvl4pPr marL="1371600" algn="l" defTabSz="914400" rtl="0" eaLnBrk="1" latinLnBrk="0" hangingPunct="1">
+              <a:defRPr sz="1800" kern="1200">
+                <a:solidFill>
+                  <a:schemeClr val="lt1"/>
+                </a:solidFill>
+                <a:latin typeface="+mn-lt"/>
+                <a:ea typeface="+mn-ea"/>
+                <a:cs typeface="+mn-cs"/>
+              </a:defRPr>
+            </a:lvl4pPr>
+            <a:lvl5pPr marL="1828800" algn="l" defTabSz="914400" rtl="0" eaLnBrk="1" latinLnBrk="0" hangingPunct="1">
+              <a:defRPr sz="1800" kern="1200">
+                <a:solidFill>
+                  <a:schemeClr val="lt1"/>
+                </a:solidFill>
+                <a:latin typeface="+mn-lt"/>
+                <a:ea typeface="+mn-ea"/>
+                <a:cs typeface="+mn-cs"/>
+              </a:defRPr>
+            </a:lvl5pPr>
+            <a:lvl6pPr marL="2286000" algn="l" defTabSz="914400" rtl="0" eaLnBrk="1" latinLnBrk="0" hangingPunct="1">
+              <a:defRPr sz="1800" kern="1200">
+                <a:solidFill>
+                  <a:schemeClr val="lt1"/>
+                </a:solidFill>
+                <a:latin typeface="+mn-lt"/>
+                <a:ea typeface="+mn-ea"/>
+                <a:cs typeface="+mn-cs"/>
+              </a:defRPr>
+            </a:lvl6pPr>
+            <a:lvl7pPr marL="2743200" algn="l" defTabSz="914400" rtl="0" eaLnBrk="1" latinLnBrk="0" hangingPunct="1">
+              <a:defRPr sz="1800" kern="1200">
+                <a:solidFill>
+                  <a:schemeClr val="lt1"/>
+                </a:solidFill>
+                <a:latin typeface="+mn-lt"/>
+                <a:ea typeface="+mn-ea"/>
+                <a:cs typeface="+mn-cs"/>
+              </a:defRPr>
+            </a:lvl7pPr>
+            <a:lvl8pPr marL="3200400" algn="l" defTabSz="914400" rtl="0" eaLnBrk="1" latinLnBrk="0" hangingPunct="1">
+              <a:defRPr sz="1800" kern="1200">
+                <a:solidFill>
+                  <a:schemeClr val="lt1"/>
+                </a:solidFill>
+                <a:latin typeface="+mn-lt"/>
+                <a:ea typeface="+mn-ea"/>
+                <a:cs typeface="+mn-cs"/>
+              </a:defRPr>
+            </a:lvl8pPr>
+            <a:lvl9pPr marL="3657600" algn="l" defTabSz="914400" rtl="0" eaLnBrk="1" latinLnBrk="0" hangingPunct="1">
+              <a:defRPr sz="1800" kern="1200">
+                <a:solidFill>
+                  <a:schemeClr val="lt1"/>
+                </a:solidFill>
+                <a:latin typeface="+mn-lt"/>
+                <a:ea typeface="+mn-ea"/>
+                <a:cs typeface="+mn-cs"/>
+              </a:defRPr>
+            </a:lvl9pPr>
+          </a:lstStyle>
+          <a:p>
+            <a:pPr algn="ctr"/>
+            <a:endParaRPr lang="en-GB"/>
+          </a:p>
+        </p:txBody>
+      </p:sp>
+      <p:sp>
+        <p:nvSpPr>
+          <p:cNvPr id="2" name="Title 1">
+            <a:extLst>
+              <a:ext uri="{FF2B5EF4-FFF2-40B4-BE49-F238E27FC236}">
+                <a16:creationId xmlns:a16="http://schemas.microsoft.com/office/drawing/2014/main" id="{D764D534-BDF7-9CCD-7AFC-C5485038E1F5}"/>
+              </a:ext>
+            </a:extLst>
+          </p:cNvPr>
+          <p:cNvSpPr>
+            <a:spLocks noGrp="1"/>
+          </p:cNvSpPr>
+          <p:nvPr>
+            <p:ph type="title"/>
+          </p:nvPr>
+        </p:nvSpPr>
+        <p:spPr/>
+        <p:txBody>
+          <a:bodyPr>
+            <a:normAutofit/>
+          </a:bodyPr>
+          <a:lstStyle/>
+          <a:p>
+            <a:r>
+              <a:rPr lang="en-GB" sz="3200" dirty="0">
+                <a:solidFill>
+                  <a:schemeClr val="bg1"/>
+                </a:solidFill>
+              </a:rPr>
+              <a:t>Bibliography</a:t>
+            </a:r>
+          </a:p>
+        </p:txBody>
+      </p:sp>
+      <p:sp>
+        <p:nvSpPr>
+          <p:cNvPr id="3" name="Content Placeholder 2">
+            <a:extLst>
+              <a:ext uri="{FF2B5EF4-FFF2-40B4-BE49-F238E27FC236}">
+                <a16:creationId xmlns:a16="http://schemas.microsoft.com/office/drawing/2014/main" id="{72408414-CBDF-C9F3-0AA3-5528B7733F61}"/>
+              </a:ext>
+            </a:extLst>
+          </p:cNvPr>
+          <p:cNvSpPr>
+            <a:spLocks noGrp="1"/>
+          </p:cNvSpPr>
+          <p:nvPr>
+            <p:ph idx="1"/>
+          </p:nvPr>
+        </p:nvSpPr>
+        <p:spPr/>
+        <p:txBody>
+          <a:bodyPr>
+            <a:normAutofit/>
+          </a:bodyPr>
+          <a:lstStyle/>
           <a:p>
             <a:pPr>
               <a:lnSpc>
@@ -5158,29 +7724,16 @@
             </a:pPr>
             <a:r>
               <a:rPr lang="en-GB" sz="1800" dirty="0">
-                <a:effectLst/>
-                <a:latin typeface="Aptos" panose="020B0004020202020204" pitchFamily="34" charset="0"/>
-                <a:ea typeface="Aptos" panose="020B0004020202020204" pitchFamily="34" charset="0"/>
-                <a:cs typeface="Times New Roman" panose="02020603050405020304" pitchFamily="18" charset="0"/>
-              </a:rPr>
-              <a:t>THE CASTING OF FRANK STONE Gameplay Walkthrough FULL GAME [4K 60FPS PC ULTRA] - No Commentary (2024) At: </a:t>
-            </a:r>
-            <a:r>
-              <a:rPr lang="en-GB" sz="1800" dirty="0">
-                <a:effectLst/>
-                <a:latin typeface="Aptos" panose="020B0004020202020204" pitchFamily="34" charset="0"/>
-                <a:ea typeface="Aptos" panose="020B0004020202020204" pitchFamily="34" charset="0"/>
-                <a:cs typeface="Times New Roman" panose="02020603050405020304" pitchFamily="18" charset="0"/>
-                <a:hlinkClick r:id="rId2"/>
-              </a:rPr>
-              <a:t>https://www.youtube.com/watch?v=eQyVUUK5oFE</a:t>
-            </a:r>
-            <a:endParaRPr lang="en-GB" sz="1800" dirty="0">
-              <a:effectLst/>
-              <a:latin typeface="Aptos" panose="020B0004020202020204" pitchFamily="34" charset="0"/>
-              <a:ea typeface="Aptos" panose="020B0004020202020204" pitchFamily="34" charset="0"/>
-              <a:cs typeface="Times New Roman" panose="02020603050405020304" pitchFamily="18" charset="0"/>
-            </a:endParaRPr>
+                <a:solidFill>
+                  <a:schemeClr val="bg1"/>
+                </a:solidFill>
+                <a:effectLst/>
+                <a:latin typeface="Aptos" panose="020B0004020202020204" pitchFamily="34" charset="0"/>
+                <a:ea typeface="Aptos" panose="020B0004020202020204" pitchFamily="34" charset="0"/>
+                <a:cs typeface="Times New Roman" panose="02020603050405020304" pitchFamily="18" charset="0"/>
+              </a:rPr>
+              <a:t>The Casting of Frank Stone (PS5/PC/Xbox Series) (2024) Developed by Supermassive Games and published by Behaviour Interactive</a:t>
+            </a:r>
           </a:p>
           <a:p>
             <a:pPr>
@@ -5193,24 +7746,45 @@
             </a:pPr>
             <a:r>
               <a:rPr lang="en-GB" sz="1800" dirty="0">
-                <a:effectLst/>
-                <a:latin typeface="Aptos" panose="020B0004020202020204" pitchFamily="34" charset="0"/>
-                <a:ea typeface="Aptos" panose="020B0004020202020204" pitchFamily="34" charset="0"/>
-                <a:cs typeface="Times New Roman" panose="02020603050405020304" pitchFamily="18" charset="0"/>
-              </a:rPr>
-              <a:t>Padilla, C. (2023) 13 Most Intense Horror Game Mechanics. At: </a:t>
+                <a:solidFill>
+                  <a:schemeClr val="bg1"/>
+                </a:solidFill>
+                <a:effectLst/>
+                <a:latin typeface="Aptos" panose="020B0004020202020204" pitchFamily="34" charset="0"/>
+                <a:ea typeface="Aptos" panose="020B0004020202020204" pitchFamily="34" charset="0"/>
+                <a:cs typeface="Times New Roman" panose="02020603050405020304" pitchFamily="18" charset="0"/>
+              </a:rPr>
+              <a:t>THE CASTING OF FRANK STONE Gameplay Walkthrough FULL GAME [4K 60FPS PC ULTRA] - No Commentary (2024) At: </a:t>
             </a:r>
             <a:r>
               <a:rPr lang="en-GB" sz="1800" dirty="0">
-                <a:effectLst/>
-                <a:latin typeface="Aptos" panose="020B0004020202020204" pitchFamily="34" charset="0"/>
-                <a:ea typeface="Aptos" panose="020B0004020202020204" pitchFamily="34" charset="0"/>
-                <a:cs typeface="Times New Roman" panose="02020603050405020304" pitchFamily="18" charset="0"/>
-                <a:hlinkClick r:id="rId3"/>
-              </a:rPr>
-              <a:t>https://www.thegamer.com/most-intense-horror-game-mechanics/ </a:t>
+                <a:solidFill>
+                  <a:schemeClr val="accent1">
+                    <a:lumMod val="60000"/>
+                    <a:lumOff val="40000"/>
+                  </a:schemeClr>
+                </a:solidFill>
+                <a:effectLst/>
+                <a:latin typeface="Aptos" panose="020B0004020202020204" pitchFamily="34" charset="0"/>
+                <a:ea typeface="Aptos" panose="020B0004020202020204" pitchFamily="34" charset="0"/>
+                <a:cs typeface="Times New Roman" panose="02020603050405020304" pitchFamily="18" charset="0"/>
+                <a:hlinkClick r:id="rId2">
+                  <a:extLst>
+                    <a:ext uri="{A12FA001-AC4F-418D-AE19-62706E023703}">
+                      <ahyp:hlinkClr xmlns:ahyp="http://schemas.microsoft.com/office/drawing/2018/hyperlinkcolor" val="tx"/>
+                    </a:ext>
+                  </a:extLst>
+                </a:hlinkClick>
+              </a:rPr>
+              <a:t>https://www.youtube.com/watch?v=eQyVUUK5oFE</a:t>
             </a:r>
             <a:endParaRPr lang="en-GB" sz="1800" dirty="0">
+              <a:solidFill>
+                <a:schemeClr val="accent1">
+                  <a:lumMod val="60000"/>
+                  <a:lumOff val="40000"/>
+                </a:schemeClr>
+              </a:solidFill>
               <a:effectLst/>
               <a:latin typeface="Aptos" panose="020B0004020202020204" pitchFamily="34" charset="0"/>
               <a:ea typeface="Aptos" panose="020B0004020202020204" pitchFamily="34" charset="0"/>
@@ -5228,6 +7802,65 @@
             </a:pPr>
             <a:r>
               <a:rPr lang="en-GB" sz="1800" dirty="0">
+                <a:solidFill>
+                  <a:schemeClr val="bg1"/>
+                </a:solidFill>
+                <a:effectLst/>
+                <a:latin typeface="Aptos" panose="020B0004020202020204" pitchFamily="34" charset="0"/>
+                <a:ea typeface="Aptos" panose="020B0004020202020204" pitchFamily="34" charset="0"/>
+                <a:cs typeface="Times New Roman" panose="02020603050405020304" pitchFamily="18" charset="0"/>
+              </a:rPr>
+              <a:t>Padilla, C. (2023) 13 Most Intense Horror Game Mechanics. At: </a:t>
+            </a:r>
+            <a:r>
+              <a:rPr lang="en-GB" sz="1800" dirty="0">
+                <a:solidFill>
+                  <a:schemeClr val="accent1">
+                    <a:lumMod val="60000"/>
+                    <a:lumOff val="40000"/>
+                  </a:schemeClr>
+                </a:solidFill>
+                <a:effectLst/>
+                <a:latin typeface="Aptos" panose="020B0004020202020204" pitchFamily="34" charset="0"/>
+                <a:ea typeface="Aptos" panose="020B0004020202020204" pitchFamily="34" charset="0"/>
+                <a:cs typeface="Times New Roman" panose="02020603050405020304" pitchFamily="18" charset="0"/>
+                <a:hlinkClick r:id="rId3">
+                  <a:extLst>
+                    <a:ext uri="{A12FA001-AC4F-418D-AE19-62706E023703}">
+                      <ahyp:hlinkClr xmlns:ahyp="http://schemas.microsoft.com/office/drawing/2018/hyperlinkcolor" val="tx"/>
+                    </a:ext>
+                  </a:extLst>
+                </a:hlinkClick>
+              </a:rPr>
+              <a:t>https://www.thegamer.com/most-intense-horror-game-mechanics/ </a:t>
+            </a:r>
+            <a:endParaRPr lang="en-GB" sz="1800" dirty="0">
+              <a:solidFill>
+                <a:schemeClr val="accent1">
+                  <a:lumMod val="60000"/>
+                  <a:lumOff val="40000"/>
+                </a:schemeClr>
+              </a:solidFill>
+              <a:effectLst/>
+              <a:latin typeface="Aptos" panose="020B0004020202020204" pitchFamily="34" charset="0"/>
+              <a:ea typeface="Aptos" panose="020B0004020202020204" pitchFamily="34" charset="0"/>
+              <a:cs typeface="Times New Roman" panose="02020603050405020304" pitchFamily="18" charset="0"/>
+            </a:endParaRPr>
+          </a:p>
+          <a:p>
+            <a:pPr>
+              <a:lnSpc>
+                <a:spcPct val="107000"/>
+              </a:lnSpc>
+              <a:spcAft>
+                <a:spcPts val="800"/>
+              </a:spcAft>
+            </a:pPr>
+            <a:r>
+              <a:rPr lang="en-GB" sz="1800" dirty="0">
+                <a:solidFill>
+                  <a:schemeClr val="bg1"/>
+                </a:solidFill>
                 <a:effectLst/>
                 <a:latin typeface="Aptos" panose="020B0004020202020204" pitchFamily="34" charset="0"/>
                 <a:ea typeface="Aptos" panose="020B0004020202020204" pitchFamily="34" charset="0"/>
@@ -5237,6 +7870,9 @@
             </a:r>
             <a:r>
               <a:rPr lang="en-GB" sz="1800" dirty="0" err="1">
+                <a:solidFill>
+                  <a:schemeClr val="bg1"/>
+                </a:solidFill>
                 <a:effectLst/>
                 <a:latin typeface="Aptos" panose="020B0004020202020204" pitchFamily="34" charset="0"/>
                 <a:ea typeface="Aptos" panose="020B0004020202020204" pitchFamily="34" charset="0"/>
@@ -5246,6 +7882,9 @@
             </a:r>
             <a:r>
               <a:rPr lang="en-GB" sz="1800" dirty="0">
+                <a:solidFill>
+                  <a:schemeClr val="bg1"/>
+                </a:solidFill>
                 <a:effectLst/>
                 <a:latin typeface="Aptos" panose="020B0004020202020204" pitchFamily="34" charset="0"/>
                 <a:ea typeface="Aptos" panose="020B0004020202020204" pitchFamily="34" charset="0"/>
@@ -5255,15 +7894,33 @@
             </a:r>
             <a:r>
               <a:rPr lang="en-GB" sz="1800" dirty="0">
-                <a:effectLst/>
-                <a:latin typeface="Aptos" panose="020B0004020202020204" pitchFamily="34" charset="0"/>
-                <a:ea typeface="Aptos" panose="020B0004020202020204" pitchFamily="34" charset="0"/>
-                <a:cs typeface="Times New Roman" panose="02020603050405020304" pitchFamily="18" charset="0"/>
-                <a:hlinkClick r:id="rId4"/>
+                <a:solidFill>
+                  <a:schemeClr val="accent1">
+                    <a:lumMod val="60000"/>
+                    <a:lumOff val="40000"/>
+                  </a:schemeClr>
+                </a:solidFill>
+                <a:effectLst/>
+                <a:latin typeface="Aptos" panose="020B0004020202020204" pitchFamily="34" charset="0"/>
+                <a:ea typeface="Aptos" panose="020B0004020202020204" pitchFamily="34" charset="0"/>
+                <a:cs typeface="Times New Roman" panose="02020603050405020304" pitchFamily="18" charset="0"/>
+                <a:hlinkClick r:id="rId4">
+                  <a:extLst>
+                    <a:ext uri="{A12FA001-AC4F-418D-AE19-62706E023703}">
+                      <ahyp:hlinkClr xmlns:ahyp="http://schemas.microsoft.com/office/drawing/2018/hyperlinkcolor" val="tx"/>
+                    </a:ext>
+                  </a:extLst>
+                </a:hlinkClick>
               </a:rPr>
               <a:t>https://fastercapital.com/content/Interactive-storytelling--Narrative-Mechanics--The-Gears-of-Imagination--Understanding-Narrative-Mechanics.html </a:t>
             </a:r>
             <a:endParaRPr lang="en-GB" sz="1800" dirty="0">
+              <a:solidFill>
+                <a:schemeClr val="accent1">
+                  <a:lumMod val="60000"/>
+                  <a:lumOff val="40000"/>
+                </a:schemeClr>
+              </a:solidFill>
               <a:effectLst/>
               <a:latin typeface="Aptos" panose="020B0004020202020204" pitchFamily="34" charset="0"/>
               <a:ea typeface="Aptos" panose="020B0004020202020204" pitchFamily="34" charset="0"/>
@@ -5304,6 +7961,152 @@
       </p:grpSpPr>
       <p:sp>
         <p:nvSpPr>
+          <p:cNvPr id="4" name="Rectangle 3">
+            <a:extLst>
+              <a:ext uri="{FF2B5EF4-FFF2-40B4-BE49-F238E27FC236}">
+                <a16:creationId xmlns:a16="http://schemas.microsoft.com/office/drawing/2014/main" id="{16224251-3012-3AD5-CD4A-3EA25F6CF104}"/>
+              </a:ext>
+            </a:extLst>
+          </p:cNvPr>
+          <p:cNvSpPr/>
+          <p:nvPr/>
+        </p:nvSpPr>
+        <p:spPr>
+          <a:xfrm>
+            <a:off x="0" y="0"/>
+            <a:ext cx="12192000" cy="6858000"/>
+          </a:xfrm>
+          <a:prstGeom prst="rect">
+            <a:avLst/>
+          </a:prstGeom>
+          <a:solidFill>
+            <a:schemeClr val="tx1"/>
+          </a:solidFill>
+          <a:ln>
+            <a:noFill/>
+          </a:ln>
+        </p:spPr>
+        <p:style>
+          <a:lnRef idx="2">
+            <a:schemeClr val="accent1">
+              <a:shade val="15000"/>
+            </a:schemeClr>
+          </a:lnRef>
+          <a:fillRef idx="1">
+            <a:schemeClr val="accent1"/>
+          </a:fillRef>
+          <a:effectRef idx="0">
+            <a:schemeClr val="accent1"/>
+          </a:effectRef>
+          <a:fontRef idx="minor">
+            <a:schemeClr val="lt1"/>
+          </a:fontRef>
+        </p:style>
+        <p:txBody>
+          <a:bodyPr rtlCol="0" anchor="ctr"/>
+          <a:lstStyle>
+            <a:defPPr>
+              <a:defRPr lang="en-US"/>
+            </a:defPPr>
+            <a:lvl1pPr marL="0" algn="l" defTabSz="914400" rtl="0" eaLnBrk="1" latinLnBrk="0" hangingPunct="1">
+              <a:defRPr sz="1800" kern="1200">
+                <a:solidFill>
+                  <a:schemeClr val="lt1"/>
+                </a:solidFill>
+                <a:latin typeface="+mn-lt"/>
+                <a:ea typeface="+mn-ea"/>
+                <a:cs typeface="+mn-cs"/>
+              </a:defRPr>
+            </a:lvl1pPr>
+            <a:lvl2pPr marL="457200" algn="l" defTabSz="914400" rtl="0" eaLnBrk="1" latinLnBrk="0" hangingPunct="1">
+              <a:defRPr sz="1800" kern="1200">
+                <a:solidFill>
+                  <a:schemeClr val="lt1"/>
+                </a:solidFill>
+                <a:latin typeface="+mn-lt"/>
+                <a:ea typeface="+mn-ea"/>
+                <a:cs typeface="+mn-cs"/>
+              </a:defRPr>
+            </a:lvl2pPr>
+            <a:lvl3pPr marL="914400" algn="l" defTabSz="914400" rtl="0" eaLnBrk="1" latinLnBrk="0" hangingPunct="1">
+              <a:defRPr sz="1800" kern="1200">
+                <a:solidFill>
+                  <a:schemeClr val="lt1"/>
+                </a:solidFill>
+                <a:latin typeface="+mn-lt"/>
+                <a:ea typeface="+mn-ea"/>
+                <a:cs typeface="+mn-cs"/>
+              </a:defRPr>
+            </a:lvl3pPr>
+            <a:lvl4pPr marL="1371600" algn="l" defTabSz="914400" rtl="0" eaLnBrk="1" latinLnBrk="0" hangingPunct="1">
+              <a:defRPr sz="1800" kern="1200">
+                <a:solidFill>
+                  <a:schemeClr val="lt1"/>
+                </a:solidFill>
+                <a:latin typeface="+mn-lt"/>
+                <a:ea typeface="+mn-ea"/>
+                <a:cs typeface="+mn-cs"/>
+              </a:defRPr>
+            </a:lvl4pPr>
+            <a:lvl5pPr marL="1828800" algn="l" defTabSz="914400" rtl="0" eaLnBrk="1" latinLnBrk="0" hangingPunct="1">
+              <a:defRPr sz="1800" kern="1200">
+                <a:solidFill>
+                  <a:schemeClr val="lt1"/>
+                </a:solidFill>
+                <a:latin typeface="+mn-lt"/>
+                <a:ea typeface="+mn-ea"/>
+                <a:cs typeface="+mn-cs"/>
+              </a:defRPr>
+            </a:lvl5pPr>
+            <a:lvl6pPr marL="2286000" algn="l" defTabSz="914400" rtl="0" eaLnBrk="1" latinLnBrk="0" hangingPunct="1">
+              <a:defRPr sz="1800" kern="1200">
+                <a:solidFill>
+                  <a:schemeClr val="lt1"/>
+                </a:solidFill>
+                <a:latin typeface="+mn-lt"/>
+                <a:ea typeface="+mn-ea"/>
+                <a:cs typeface="+mn-cs"/>
+              </a:defRPr>
+            </a:lvl6pPr>
+            <a:lvl7pPr marL="2743200" algn="l" defTabSz="914400" rtl="0" eaLnBrk="1" latinLnBrk="0" hangingPunct="1">
+              <a:defRPr sz="1800" kern="1200">
+                <a:solidFill>
+                  <a:schemeClr val="lt1"/>
+                </a:solidFill>
+                <a:latin typeface="+mn-lt"/>
+                <a:ea typeface="+mn-ea"/>
+                <a:cs typeface="+mn-cs"/>
+              </a:defRPr>
+            </a:lvl7pPr>
+            <a:lvl8pPr marL="3200400" algn="l" defTabSz="914400" rtl="0" eaLnBrk="1" latinLnBrk="0" hangingPunct="1">
+              <a:defRPr sz="1800" kern="1200">
+                <a:solidFill>
+                  <a:schemeClr val="lt1"/>
+                </a:solidFill>
+                <a:latin typeface="+mn-lt"/>
+                <a:ea typeface="+mn-ea"/>
+                <a:cs typeface="+mn-cs"/>
+              </a:defRPr>
+            </a:lvl8pPr>
+            <a:lvl9pPr marL="3657600" algn="l" defTabSz="914400" rtl="0" eaLnBrk="1" latinLnBrk="0" hangingPunct="1">
+              <a:defRPr sz="1800" kern="1200">
+                <a:solidFill>
+                  <a:schemeClr val="lt1"/>
+                </a:solidFill>
+                <a:latin typeface="+mn-lt"/>
+                <a:ea typeface="+mn-ea"/>
+                <a:cs typeface="+mn-cs"/>
+              </a:defRPr>
+            </a:lvl9pPr>
+          </a:lstStyle>
+          <a:p>
+            <a:pPr algn="ctr"/>
+            <a:endParaRPr lang="en-GB"/>
+          </a:p>
+        </p:txBody>
+      </p:sp>
+      <p:sp>
+        <p:nvSpPr>
           <p:cNvPr id="2" name="Title 1">
             <a:extLst>
               <a:ext uri="{FF2B5EF4-FFF2-40B4-BE49-F238E27FC236}">
@@ -5320,11 +8123,17 @@
         </p:nvSpPr>
         <p:spPr/>
         <p:txBody>
-          <a:bodyPr/>
+          <a:bodyPr>
+            <a:normAutofit/>
+          </a:bodyPr>
           <a:lstStyle/>
           <a:p>
             <a:r>
-              <a:rPr lang="en-GB" dirty="0"/>
+              <a:rPr lang="en-GB" sz="3200" dirty="0">
+                <a:solidFill>
+                  <a:schemeClr val="bg1"/>
+                </a:solidFill>
+              </a:rPr>
               <a:t>Research (Week 1)</a:t>
             </a:r>
           </a:p>
@@ -5361,6 +8170,9 @@
             </a:pPr>
             <a:r>
               <a:rPr lang="en-GB" sz="1800" dirty="0">
+                <a:solidFill>
+                  <a:schemeClr val="bg1"/>
+                </a:solidFill>
                 <a:effectLst/>
                 <a:latin typeface="Aptos" panose="020B0004020202020204" pitchFamily="34" charset="0"/>
                 <a:ea typeface="Aptos" panose="020B0004020202020204" pitchFamily="34" charset="0"/>
@@ -5380,6 +8192,9 @@
             </a:pPr>
             <a:r>
               <a:rPr lang="en-GB" sz="1800" dirty="0">
+                <a:solidFill>
+                  <a:schemeClr val="bg1"/>
+                </a:solidFill>
                 <a:effectLst/>
                 <a:latin typeface="Aptos" panose="020B0004020202020204" pitchFamily="34" charset="0"/>
                 <a:ea typeface="Aptos" panose="020B0004020202020204" pitchFamily="34" charset="0"/>
@@ -5422,6 +8237,152 @@
       </p:grpSpPr>
       <p:sp>
         <p:nvSpPr>
+          <p:cNvPr id="4" name="Rectangle 3">
+            <a:extLst>
+              <a:ext uri="{FF2B5EF4-FFF2-40B4-BE49-F238E27FC236}">
+                <a16:creationId xmlns:a16="http://schemas.microsoft.com/office/drawing/2014/main" id="{16224251-3012-3AD5-CD4A-3EA25F6CF104}"/>
+              </a:ext>
+            </a:extLst>
+          </p:cNvPr>
+          <p:cNvSpPr/>
+          <p:nvPr/>
+        </p:nvSpPr>
+        <p:spPr>
+          <a:xfrm>
+            <a:off x="0" y="0"/>
+            <a:ext cx="12192000" cy="6858000"/>
+          </a:xfrm>
+          <a:prstGeom prst="rect">
+            <a:avLst/>
+          </a:prstGeom>
+          <a:solidFill>
+            <a:schemeClr val="tx1"/>
+          </a:solidFill>
+          <a:ln>
+            <a:noFill/>
+          </a:ln>
+        </p:spPr>
+        <p:style>
+          <a:lnRef idx="2">
+            <a:schemeClr val="accent1">
+              <a:shade val="15000"/>
+            </a:schemeClr>
+          </a:lnRef>
+          <a:fillRef idx="1">
+            <a:schemeClr val="accent1"/>
+          </a:fillRef>
+          <a:effectRef idx="0">
+            <a:schemeClr val="accent1"/>
+          </a:effectRef>
+          <a:fontRef idx="minor">
+            <a:schemeClr val="lt1"/>
+          </a:fontRef>
+        </p:style>
+        <p:txBody>
+          <a:bodyPr rtlCol="0" anchor="ctr"/>
+          <a:lstStyle>
+            <a:defPPr>
+              <a:defRPr lang="en-US"/>
+            </a:defPPr>
+            <a:lvl1pPr marL="0" algn="l" defTabSz="914400" rtl="0" eaLnBrk="1" latinLnBrk="0" hangingPunct="1">
+              <a:defRPr sz="1800" kern="1200">
+                <a:solidFill>
+                  <a:schemeClr val="lt1"/>
+                </a:solidFill>
+                <a:latin typeface="+mn-lt"/>
+                <a:ea typeface="+mn-ea"/>
+                <a:cs typeface="+mn-cs"/>
+              </a:defRPr>
+            </a:lvl1pPr>
+            <a:lvl2pPr marL="457200" algn="l" defTabSz="914400" rtl="0" eaLnBrk="1" latinLnBrk="0" hangingPunct="1">
+              <a:defRPr sz="1800" kern="1200">
+                <a:solidFill>
+                  <a:schemeClr val="lt1"/>
+                </a:solidFill>
+                <a:latin typeface="+mn-lt"/>
+                <a:ea typeface="+mn-ea"/>
+                <a:cs typeface="+mn-cs"/>
+              </a:defRPr>
+            </a:lvl2pPr>
+            <a:lvl3pPr marL="914400" algn="l" defTabSz="914400" rtl="0" eaLnBrk="1" latinLnBrk="0" hangingPunct="1">
+              <a:defRPr sz="1800" kern="1200">
+                <a:solidFill>
+                  <a:schemeClr val="lt1"/>
+                </a:solidFill>
+                <a:latin typeface="+mn-lt"/>
+                <a:ea typeface="+mn-ea"/>
+                <a:cs typeface="+mn-cs"/>
+              </a:defRPr>
+            </a:lvl3pPr>
+            <a:lvl4pPr marL="1371600" algn="l" defTabSz="914400" rtl="0" eaLnBrk="1" latinLnBrk="0" hangingPunct="1">
+              <a:defRPr sz="1800" kern="1200">
+                <a:solidFill>
+                  <a:schemeClr val="lt1"/>
+                </a:solidFill>
+                <a:latin typeface="+mn-lt"/>
+                <a:ea typeface="+mn-ea"/>
+                <a:cs typeface="+mn-cs"/>
+              </a:defRPr>
+            </a:lvl4pPr>
+            <a:lvl5pPr marL="1828800" algn="l" defTabSz="914400" rtl="0" eaLnBrk="1" latinLnBrk="0" hangingPunct="1">
+              <a:defRPr sz="1800" kern="1200">
+                <a:solidFill>
+                  <a:schemeClr val="lt1"/>
+                </a:solidFill>
+                <a:latin typeface="+mn-lt"/>
+                <a:ea typeface="+mn-ea"/>
+                <a:cs typeface="+mn-cs"/>
+              </a:defRPr>
+            </a:lvl5pPr>
+            <a:lvl6pPr marL="2286000" algn="l" defTabSz="914400" rtl="0" eaLnBrk="1" latinLnBrk="0" hangingPunct="1">
+              <a:defRPr sz="1800" kern="1200">
+                <a:solidFill>
+                  <a:schemeClr val="lt1"/>
+                </a:solidFill>
+                <a:latin typeface="+mn-lt"/>
+                <a:ea typeface="+mn-ea"/>
+                <a:cs typeface="+mn-cs"/>
+              </a:defRPr>
+            </a:lvl6pPr>
+            <a:lvl7pPr marL="2743200" algn="l" defTabSz="914400" rtl="0" eaLnBrk="1" latinLnBrk="0" hangingPunct="1">
+              <a:defRPr sz="1800" kern="1200">
+                <a:solidFill>
+                  <a:schemeClr val="lt1"/>
+                </a:solidFill>
+                <a:latin typeface="+mn-lt"/>
+                <a:ea typeface="+mn-ea"/>
+                <a:cs typeface="+mn-cs"/>
+              </a:defRPr>
+            </a:lvl7pPr>
+            <a:lvl8pPr marL="3200400" algn="l" defTabSz="914400" rtl="0" eaLnBrk="1" latinLnBrk="0" hangingPunct="1">
+              <a:defRPr sz="1800" kern="1200">
+                <a:solidFill>
+                  <a:schemeClr val="lt1"/>
+                </a:solidFill>
+                <a:latin typeface="+mn-lt"/>
+                <a:ea typeface="+mn-ea"/>
+                <a:cs typeface="+mn-cs"/>
+              </a:defRPr>
+            </a:lvl8pPr>
+            <a:lvl9pPr marL="3657600" algn="l" defTabSz="914400" rtl="0" eaLnBrk="1" latinLnBrk="0" hangingPunct="1">
+              <a:defRPr sz="1800" kern="1200">
+                <a:solidFill>
+                  <a:schemeClr val="lt1"/>
+                </a:solidFill>
+                <a:latin typeface="+mn-lt"/>
+                <a:ea typeface="+mn-ea"/>
+                <a:cs typeface="+mn-cs"/>
+              </a:defRPr>
+            </a:lvl9pPr>
+          </a:lstStyle>
+          <a:p>
+            <a:pPr algn="ctr"/>
+            <a:endParaRPr lang="en-GB"/>
+          </a:p>
+        </p:txBody>
+      </p:sp>
+      <p:sp>
+        <p:nvSpPr>
           <p:cNvPr id="2" name="Title 1">
             <a:extLst>
               <a:ext uri="{FF2B5EF4-FFF2-40B4-BE49-F238E27FC236}">
@@ -5438,11 +8399,17 @@
         </p:nvSpPr>
         <p:spPr/>
         <p:txBody>
-          <a:bodyPr/>
+          <a:bodyPr>
+            <a:normAutofit/>
+          </a:bodyPr>
           <a:lstStyle/>
           <a:p>
             <a:r>
-              <a:rPr lang="en-GB" dirty="0"/>
+              <a:rPr lang="en-GB" sz="3200" dirty="0">
+                <a:solidFill>
+                  <a:schemeClr val="bg1"/>
+                </a:solidFill>
+              </a:rPr>
               <a:t>Research: The Casting of Frank Stone (Week 1)</a:t>
             </a:r>
           </a:p>
@@ -5481,6 +8448,9 @@
             </a:pPr>
             <a:r>
               <a:rPr lang="en-GB" sz="1800" dirty="0">
+                <a:solidFill>
+                  <a:schemeClr val="bg1"/>
+                </a:solidFill>
                 <a:effectLst/>
                 <a:latin typeface="Aptos" panose="020B0004020202020204" pitchFamily="34" charset="0"/>
                 <a:ea typeface="Aptos" panose="020B0004020202020204" pitchFamily="34" charset="0"/>
@@ -5490,6 +8460,9 @@
             </a:r>
             <a:r>
               <a:rPr lang="en-GB" sz="1800" dirty="0" err="1">
+                <a:solidFill>
+                  <a:schemeClr val="bg1"/>
+                </a:solidFill>
                 <a:effectLst/>
                 <a:latin typeface="Aptos" panose="020B0004020202020204" pitchFamily="34" charset="0"/>
                 <a:ea typeface="Aptos" panose="020B0004020202020204" pitchFamily="34" charset="0"/>
@@ -5499,6 +8472,9 @@
             </a:r>
             <a:r>
               <a:rPr lang="en-GB" sz="1800" dirty="0">
+                <a:solidFill>
+                  <a:schemeClr val="bg1"/>
+                </a:solidFill>
                 <a:effectLst/>
                 <a:latin typeface="Aptos" panose="020B0004020202020204" pitchFamily="34" charset="0"/>
                 <a:ea typeface="Aptos" panose="020B0004020202020204" pitchFamily="34" charset="0"/>
@@ -5508,6 +8484,9 @@
             </a:r>
             <a:r>
               <a:rPr lang="en-GB" sz="1800" dirty="0" err="1">
+                <a:solidFill>
+                  <a:schemeClr val="bg1"/>
+                </a:solidFill>
                 <a:effectLst/>
                 <a:latin typeface="Aptos" panose="020B0004020202020204" pitchFamily="34" charset="0"/>
                 <a:ea typeface="Aptos" panose="020B0004020202020204" pitchFamily="34" charset="0"/>
@@ -5517,6 +8496,9 @@
             </a:r>
             <a:r>
               <a:rPr lang="en-GB" sz="1800" dirty="0">
+                <a:solidFill>
+                  <a:schemeClr val="bg1"/>
+                </a:solidFill>
                 <a:effectLst/>
                 <a:latin typeface="Aptos" panose="020B0004020202020204" pitchFamily="34" charset="0"/>
                 <a:ea typeface="Aptos" panose="020B0004020202020204" pitchFamily="34" charset="0"/>
@@ -5526,6 +8508,9 @@
             </a:r>
             <a:r>
               <a:rPr lang="en-GB" sz="1800" dirty="0" err="1">
+                <a:solidFill>
+                  <a:schemeClr val="bg1"/>
+                </a:solidFill>
                 <a:effectLst/>
                 <a:latin typeface="Aptos" panose="020B0004020202020204" pitchFamily="34" charset="0"/>
                 <a:ea typeface="Aptos" panose="020B0004020202020204" pitchFamily="34" charset="0"/>
@@ -5535,6 +8520,9 @@
             </a:r>
             <a:r>
               <a:rPr lang="en-GB" sz="1800" dirty="0">
+                <a:solidFill>
+                  <a:schemeClr val="bg1"/>
+                </a:solidFill>
                 <a:effectLst/>
                 <a:latin typeface="Aptos" panose="020B0004020202020204" pitchFamily="34" charset="0"/>
                 <a:ea typeface="Aptos" panose="020B0004020202020204" pitchFamily="34" charset="0"/>
@@ -5543,6 +8531,9 @@
               <a:t> cinematic storytelling approach.</a:t>
             </a:r>
             <a:endParaRPr lang="en-GB" sz="1800" dirty="0">
+              <a:solidFill>
+                <a:schemeClr val="bg1"/>
+              </a:solidFill>
               <a:latin typeface="Aptos" panose="020B0004020202020204" pitchFamily="34" charset="0"/>
               <a:ea typeface="Aptos" panose="020B0004020202020204" pitchFamily="34" charset="0"/>
               <a:cs typeface="Times New Roman" panose="02020603050405020304" pitchFamily="18" charset="0"/>
@@ -5559,6 +8550,9 @@
             </a:pPr>
             <a:r>
               <a:rPr lang="en-GB" sz="1800" dirty="0">
+                <a:solidFill>
+                  <a:schemeClr val="bg1"/>
+                </a:solidFill>
                 <a:effectLst/>
                 <a:latin typeface="Aptos" panose="020B0004020202020204" pitchFamily="34" charset="0"/>
                 <a:ea typeface="Aptos" panose="020B0004020202020204" pitchFamily="34" charset="0"/>
@@ -5568,6 +8562,9 @@
             </a:r>
             <a:r>
               <a:rPr lang="en-GB" sz="1800" i="1" dirty="0">
+                <a:solidFill>
+                  <a:schemeClr val="bg1"/>
+                </a:solidFill>
                 <a:effectLst/>
                 <a:latin typeface="Aptos" panose="020B0004020202020204" pitchFamily="34" charset="0"/>
                 <a:ea typeface="Aptos" panose="020B0004020202020204" pitchFamily="34" charset="0"/>
@@ -5577,6 +8574,9 @@
             </a:r>
             <a:r>
               <a:rPr lang="en-GB" sz="1800" dirty="0">
+                <a:solidFill>
+                  <a:schemeClr val="bg1"/>
+                </a:solidFill>
                 <a:effectLst/>
                 <a:latin typeface="Aptos" panose="020B0004020202020204" pitchFamily="34" charset="0"/>
                 <a:ea typeface="Aptos" panose="020B0004020202020204" pitchFamily="34" charset="0"/>
@@ -5586,6 +8586,9 @@
             </a:r>
             <a:r>
               <a:rPr lang="en-GB" sz="1800" i="1" dirty="0">
+                <a:solidFill>
+                  <a:schemeClr val="bg1"/>
+                </a:solidFill>
                 <a:effectLst/>
                 <a:latin typeface="Aptos" panose="020B0004020202020204" pitchFamily="34" charset="0"/>
                 <a:ea typeface="Aptos" panose="020B0004020202020204" pitchFamily="34" charset="0"/>
@@ -5595,6 +8598,9 @@
             </a:r>
             <a:r>
               <a:rPr lang="en-GB" sz="1800" dirty="0">
+                <a:solidFill>
+                  <a:schemeClr val="bg1"/>
+                </a:solidFill>
                 <a:effectLst/>
                 <a:latin typeface="Aptos" panose="020B0004020202020204" pitchFamily="34" charset="0"/>
                 <a:ea typeface="Aptos" panose="020B0004020202020204" pitchFamily="34" charset="0"/>
@@ -5614,6 +8620,9 @@
             </a:pPr>
             <a:r>
               <a:rPr lang="en-GB" sz="1800" dirty="0">
+                <a:solidFill>
+                  <a:schemeClr val="bg1"/>
+                </a:solidFill>
                 <a:effectLst/>
                 <a:latin typeface="Aptos" panose="020B0004020202020204" pitchFamily="34" charset="0"/>
                 <a:ea typeface="Aptos" panose="020B0004020202020204" pitchFamily="34" charset="0"/>
@@ -5623,6 +8632,9 @@
             </a:r>
             <a:r>
               <a:rPr lang="en-GB" sz="1800" i="1" dirty="0">
+                <a:solidFill>
+                  <a:schemeClr val="bg1"/>
+                </a:solidFill>
                 <a:effectLst/>
                 <a:latin typeface="Aptos" panose="020B0004020202020204" pitchFamily="34" charset="0"/>
                 <a:ea typeface="Aptos" panose="020B0004020202020204" pitchFamily="34" charset="0"/>
@@ -5632,6 +8644,9 @@
             </a:r>
             <a:r>
               <a:rPr lang="en-GB" sz="1800" dirty="0">
+                <a:solidFill>
+                  <a:schemeClr val="bg1"/>
+                </a:solidFill>
                 <a:effectLst/>
                 <a:latin typeface="Aptos" panose="020B0004020202020204" pitchFamily="34" charset="0"/>
                 <a:ea typeface="Aptos" panose="020B0004020202020204" pitchFamily="34" charset="0"/>
@@ -5641,6 +8656,9 @@
             </a:r>
             <a:r>
               <a:rPr lang="en-GB" sz="1800" i="1" dirty="0">
+                <a:solidFill>
+                  <a:schemeClr val="bg1"/>
+                </a:solidFill>
                 <a:effectLst/>
                 <a:latin typeface="Aptos" panose="020B0004020202020204" pitchFamily="34" charset="0"/>
                 <a:ea typeface="Aptos" panose="020B0004020202020204" pitchFamily="34" charset="0"/>
@@ -5650,6 +8668,9 @@
             </a:r>
             <a:r>
               <a:rPr lang="en-GB" sz="1800" dirty="0">
+                <a:solidFill>
+                  <a:schemeClr val="bg1"/>
+                </a:solidFill>
                 <a:effectLst/>
                 <a:latin typeface="Aptos" panose="020B0004020202020204" pitchFamily="34" charset="0"/>
                 <a:ea typeface="Aptos" panose="020B0004020202020204" pitchFamily="34" charset="0"/>
@@ -5669,6 +8690,9 @@
               <a:buNone/>
             </a:pPr>
             <a:endParaRPr lang="en-GB" sz="1800" dirty="0">
+              <a:solidFill>
+                <a:schemeClr val="bg1"/>
+              </a:solidFill>
               <a:effectLst/>
               <a:latin typeface="Aptos" panose="020B0004020202020204" pitchFamily="34" charset="0"/>
               <a:ea typeface="Aptos" panose="020B0004020202020204" pitchFamily="34" charset="0"/>
@@ -5726,6 +8750,152 @@
       </p:grpSpPr>
       <p:sp>
         <p:nvSpPr>
+          <p:cNvPr id="4" name="Rectangle 3">
+            <a:extLst>
+              <a:ext uri="{FF2B5EF4-FFF2-40B4-BE49-F238E27FC236}">
+                <a16:creationId xmlns:a16="http://schemas.microsoft.com/office/drawing/2014/main" id="{16224251-3012-3AD5-CD4A-3EA25F6CF104}"/>
+              </a:ext>
+            </a:extLst>
+          </p:cNvPr>
+          <p:cNvSpPr/>
+          <p:nvPr/>
+        </p:nvSpPr>
+        <p:spPr>
+          <a:xfrm>
+            <a:off x="0" y="0"/>
+            <a:ext cx="12192000" cy="6858000"/>
+          </a:xfrm>
+          <a:prstGeom prst="rect">
+            <a:avLst/>
+          </a:prstGeom>
+          <a:solidFill>
+            <a:schemeClr val="tx1"/>
+          </a:solidFill>
+          <a:ln>
+            <a:noFill/>
+          </a:ln>
+        </p:spPr>
+        <p:style>
+          <a:lnRef idx="2">
+            <a:schemeClr val="accent1">
+              <a:shade val="15000"/>
+            </a:schemeClr>
+          </a:lnRef>
+          <a:fillRef idx="1">
+            <a:schemeClr val="accent1"/>
+          </a:fillRef>
+          <a:effectRef idx="0">
+            <a:schemeClr val="accent1"/>
+          </a:effectRef>
+          <a:fontRef idx="minor">
+            <a:schemeClr val="lt1"/>
+          </a:fontRef>
+        </p:style>
+        <p:txBody>
+          <a:bodyPr rtlCol="0" anchor="ctr"/>
+          <a:lstStyle>
+            <a:defPPr>
+              <a:defRPr lang="en-US"/>
+            </a:defPPr>
+            <a:lvl1pPr marL="0" algn="l" defTabSz="914400" rtl="0" eaLnBrk="1" latinLnBrk="0" hangingPunct="1">
+              <a:defRPr sz="1800" kern="1200">
+                <a:solidFill>
+                  <a:schemeClr val="lt1"/>
+                </a:solidFill>
+                <a:latin typeface="+mn-lt"/>
+                <a:ea typeface="+mn-ea"/>
+                <a:cs typeface="+mn-cs"/>
+              </a:defRPr>
+            </a:lvl1pPr>
+            <a:lvl2pPr marL="457200" algn="l" defTabSz="914400" rtl="0" eaLnBrk="1" latinLnBrk="0" hangingPunct="1">
+              <a:defRPr sz="1800" kern="1200">
+                <a:solidFill>
+                  <a:schemeClr val="lt1"/>
+                </a:solidFill>
+                <a:latin typeface="+mn-lt"/>
+                <a:ea typeface="+mn-ea"/>
+                <a:cs typeface="+mn-cs"/>
+              </a:defRPr>
+            </a:lvl2pPr>
+            <a:lvl3pPr marL="914400" algn="l" defTabSz="914400" rtl="0" eaLnBrk="1" latinLnBrk="0" hangingPunct="1">
+              <a:defRPr sz="1800" kern="1200">
+                <a:solidFill>
+                  <a:schemeClr val="lt1"/>
+                </a:solidFill>
+                <a:latin typeface="+mn-lt"/>
+                <a:ea typeface="+mn-ea"/>
+                <a:cs typeface="+mn-cs"/>
+              </a:defRPr>
+            </a:lvl3pPr>
+            <a:lvl4pPr marL="1371600" algn="l" defTabSz="914400" rtl="0" eaLnBrk="1" latinLnBrk="0" hangingPunct="1">
+              <a:defRPr sz="1800" kern="1200">
+                <a:solidFill>
+                  <a:schemeClr val="lt1"/>
+                </a:solidFill>
+                <a:latin typeface="+mn-lt"/>
+                <a:ea typeface="+mn-ea"/>
+                <a:cs typeface="+mn-cs"/>
+              </a:defRPr>
+            </a:lvl4pPr>
+            <a:lvl5pPr marL="1828800" algn="l" defTabSz="914400" rtl="0" eaLnBrk="1" latinLnBrk="0" hangingPunct="1">
+              <a:defRPr sz="1800" kern="1200">
+                <a:solidFill>
+                  <a:schemeClr val="lt1"/>
+                </a:solidFill>
+                <a:latin typeface="+mn-lt"/>
+                <a:ea typeface="+mn-ea"/>
+                <a:cs typeface="+mn-cs"/>
+              </a:defRPr>
+            </a:lvl5pPr>
+            <a:lvl6pPr marL="2286000" algn="l" defTabSz="914400" rtl="0" eaLnBrk="1" latinLnBrk="0" hangingPunct="1">
+              <a:defRPr sz="1800" kern="1200">
+                <a:solidFill>
+                  <a:schemeClr val="lt1"/>
+                </a:solidFill>
+                <a:latin typeface="+mn-lt"/>
+                <a:ea typeface="+mn-ea"/>
+                <a:cs typeface="+mn-cs"/>
+              </a:defRPr>
+            </a:lvl6pPr>
+            <a:lvl7pPr marL="2743200" algn="l" defTabSz="914400" rtl="0" eaLnBrk="1" latinLnBrk="0" hangingPunct="1">
+              <a:defRPr sz="1800" kern="1200">
+                <a:solidFill>
+                  <a:schemeClr val="lt1"/>
+                </a:solidFill>
+                <a:latin typeface="+mn-lt"/>
+                <a:ea typeface="+mn-ea"/>
+                <a:cs typeface="+mn-cs"/>
+              </a:defRPr>
+            </a:lvl7pPr>
+            <a:lvl8pPr marL="3200400" algn="l" defTabSz="914400" rtl="0" eaLnBrk="1" latinLnBrk="0" hangingPunct="1">
+              <a:defRPr sz="1800" kern="1200">
+                <a:solidFill>
+                  <a:schemeClr val="lt1"/>
+                </a:solidFill>
+                <a:latin typeface="+mn-lt"/>
+                <a:ea typeface="+mn-ea"/>
+                <a:cs typeface="+mn-cs"/>
+              </a:defRPr>
+            </a:lvl8pPr>
+            <a:lvl9pPr marL="3657600" algn="l" defTabSz="914400" rtl="0" eaLnBrk="1" latinLnBrk="0" hangingPunct="1">
+              <a:defRPr sz="1800" kern="1200">
+                <a:solidFill>
+                  <a:schemeClr val="lt1"/>
+                </a:solidFill>
+                <a:latin typeface="+mn-lt"/>
+                <a:ea typeface="+mn-ea"/>
+                <a:cs typeface="+mn-cs"/>
+              </a:defRPr>
+            </a:lvl9pPr>
+          </a:lstStyle>
+          <a:p>
+            <a:pPr algn="ctr"/>
+            <a:endParaRPr lang="en-GB"/>
+          </a:p>
+        </p:txBody>
+      </p:sp>
+      <p:sp>
+        <p:nvSpPr>
           <p:cNvPr id="2" name="Title 1">
             <a:extLst>
               <a:ext uri="{FF2B5EF4-FFF2-40B4-BE49-F238E27FC236}">
@@ -5742,11 +8912,17 @@
         </p:nvSpPr>
         <p:spPr/>
         <p:txBody>
-          <a:bodyPr/>
+          <a:bodyPr>
+            <a:normAutofit/>
+          </a:bodyPr>
           <a:lstStyle/>
           <a:p>
             <a:r>
-              <a:rPr lang="en-GB" dirty="0"/>
+              <a:rPr lang="en-GB" sz="3200" dirty="0">
+                <a:solidFill>
+                  <a:schemeClr val="bg1"/>
+                </a:solidFill>
+              </a:rPr>
               <a:t>Research: Horror Game Mechanics (Week 1)</a:t>
             </a:r>
           </a:p>
@@ -5785,6 +8961,9 @@
             </a:pPr>
             <a:r>
               <a:rPr lang="en-GB" sz="1800" dirty="0" err="1">
+                <a:solidFill>
+                  <a:schemeClr val="bg1"/>
+                </a:solidFill>
                 <a:effectLst/>
                 <a:latin typeface="Aptos" panose="020B0004020202020204" pitchFamily="34" charset="0"/>
                 <a:ea typeface="Aptos" panose="020B0004020202020204" pitchFamily="34" charset="0"/>
@@ -5794,6 +8973,9 @@
             </a:r>
             <a:r>
               <a:rPr lang="en-GB" sz="1800" dirty="0">
+                <a:solidFill>
+                  <a:schemeClr val="bg1"/>
+                </a:solidFill>
                 <a:effectLst/>
                 <a:latin typeface="Aptos" panose="020B0004020202020204" pitchFamily="34" charset="0"/>
                 <a:ea typeface="Aptos" panose="020B0004020202020204" pitchFamily="34" charset="0"/>
@@ -5803,6 +8985,9 @@
             </a:r>
             <a:r>
               <a:rPr lang="en-GB" sz="1800" dirty="0" err="1">
+                <a:solidFill>
+                  <a:schemeClr val="bg1"/>
+                </a:solidFill>
                 <a:effectLst/>
                 <a:latin typeface="Aptos" panose="020B0004020202020204" pitchFamily="34" charset="0"/>
                 <a:ea typeface="Aptos" panose="020B0004020202020204" pitchFamily="34" charset="0"/>
@@ -5812,6 +8997,9 @@
             </a:r>
             <a:r>
               <a:rPr lang="en-GB" sz="1800" dirty="0">
+                <a:solidFill>
+                  <a:schemeClr val="bg1"/>
+                </a:solidFill>
                 <a:effectLst/>
                 <a:latin typeface="Aptos" panose="020B0004020202020204" pitchFamily="34" charset="0"/>
                 <a:ea typeface="Aptos" panose="020B0004020202020204" pitchFamily="34" charset="0"/>
@@ -5821,6 +9009,9 @@
             </a:r>
             <a:r>
               <a:rPr lang="en-GB" sz="1800" dirty="0" err="1">
+                <a:solidFill>
+                  <a:schemeClr val="bg1"/>
+                </a:solidFill>
                 <a:effectLst/>
                 <a:latin typeface="Aptos" panose="020B0004020202020204" pitchFamily="34" charset="0"/>
                 <a:ea typeface="Aptos" panose="020B0004020202020204" pitchFamily="34" charset="0"/>
@@ -5830,6 +9021,9 @@
             </a:r>
             <a:r>
               <a:rPr lang="en-GB" sz="1800" dirty="0">
+                <a:solidFill>
+                  <a:schemeClr val="bg1"/>
+                </a:solidFill>
                 <a:effectLst/>
                 <a:latin typeface="Aptos" panose="020B0004020202020204" pitchFamily="34" charset="0"/>
                 <a:ea typeface="Aptos" panose="020B0004020202020204" pitchFamily="34" charset="0"/>
@@ -5839,6 +9033,9 @@
             </a:r>
             <a:r>
               <a:rPr lang="en-GB" sz="1800" dirty="0" err="1">
+                <a:solidFill>
+                  <a:schemeClr val="bg1"/>
+                </a:solidFill>
                 <a:effectLst/>
                 <a:latin typeface="Aptos" panose="020B0004020202020204" pitchFamily="34" charset="0"/>
                 <a:ea typeface="Aptos" panose="020B0004020202020204" pitchFamily="34" charset="0"/>
@@ -5848,6 +9045,9 @@
             </a:r>
             <a:r>
               <a:rPr lang="en-GB" sz="1800" dirty="0">
+                <a:solidFill>
+                  <a:schemeClr val="bg1"/>
+                </a:solidFill>
                 <a:effectLst/>
                 <a:latin typeface="Aptos" panose="020B0004020202020204" pitchFamily="34" charset="0"/>
                 <a:ea typeface="Aptos" panose="020B0004020202020204" pitchFamily="34" charset="0"/>
@@ -5857,6 +9057,9 @@
             </a:r>
             <a:r>
               <a:rPr lang="en-GB" sz="1800" dirty="0" err="1">
+                <a:solidFill>
+                  <a:schemeClr val="bg1"/>
+                </a:solidFill>
                 <a:effectLst/>
                 <a:latin typeface="Aptos" panose="020B0004020202020204" pitchFamily="34" charset="0"/>
                 <a:ea typeface="Aptos" panose="020B0004020202020204" pitchFamily="34" charset="0"/>
@@ -5866,6 +9069,9 @@
             </a:r>
             <a:r>
               <a:rPr lang="en-GB" sz="1800" dirty="0">
+                <a:solidFill>
+                  <a:schemeClr val="bg1"/>
+                </a:solidFill>
                 <a:effectLst/>
                 <a:latin typeface="Aptos" panose="020B0004020202020204" pitchFamily="34" charset="0"/>
                 <a:ea typeface="Aptos" panose="020B0004020202020204" pitchFamily="34" charset="0"/>
@@ -5875,6 +9081,9 @@
             </a:r>
             <a:r>
               <a:rPr lang="en-GB" sz="1800" dirty="0" err="1">
+                <a:solidFill>
+                  <a:schemeClr val="bg1"/>
+                </a:solidFill>
                 <a:effectLst/>
                 <a:latin typeface="Aptos" panose="020B0004020202020204" pitchFamily="34" charset="0"/>
                 <a:ea typeface="Aptos" panose="020B0004020202020204" pitchFamily="34" charset="0"/>
@@ -5884,6 +9093,9 @@
             </a:r>
             <a:r>
               <a:rPr lang="en-GB" sz="1800" dirty="0">
+                <a:solidFill>
+                  <a:schemeClr val="bg1"/>
+                </a:solidFill>
                 <a:effectLst/>
                 <a:latin typeface="Aptos" panose="020B0004020202020204" pitchFamily="34" charset="0"/>
                 <a:ea typeface="Aptos" panose="020B0004020202020204" pitchFamily="34" charset="0"/>
@@ -5903,6 +9115,9 @@
             </a:pPr>
             <a:r>
               <a:rPr lang="en-GB" sz="1800" dirty="0">
+                <a:solidFill>
+                  <a:schemeClr val="bg1"/>
+                </a:solidFill>
                 <a:effectLst/>
                 <a:latin typeface="Aptos" panose="020B0004020202020204" pitchFamily="34" charset="0"/>
                 <a:ea typeface="Aptos" panose="020B0004020202020204" pitchFamily="34" charset="0"/>
@@ -5912,6 +9127,9 @@
             </a:r>
             <a:r>
               <a:rPr lang="en-GB" sz="1800" i="1" dirty="0">
+                <a:solidFill>
+                  <a:schemeClr val="bg1"/>
+                </a:solidFill>
                 <a:effectLst/>
                 <a:latin typeface="Aptos" panose="020B0004020202020204" pitchFamily="34" charset="0"/>
                 <a:ea typeface="Aptos" panose="020B0004020202020204" pitchFamily="34" charset="0"/>
@@ -5921,6 +9139,9 @@
             </a:r>
             <a:r>
               <a:rPr lang="en-GB" sz="1800" dirty="0">
+                <a:solidFill>
+                  <a:schemeClr val="bg1"/>
+                </a:solidFill>
                 <a:effectLst/>
                 <a:latin typeface="Aptos" panose="020B0004020202020204" pitchFamily="34" charset="0"/>
                 <a:ea typeface="Aptos" panose="020B0004020202020204" pitchFamily="34" charset="0"/>
@@ -5930,6 +9151,9 @@
             </a:r>
             <a:r>
               <a:rPr lang="en-GB" sz="1800" i="1" dirty="0" err="1">
+                <a:solidFill>
+                  <a:schemeClr val="bg1"/>
+                </a:solidFill>
                 <a:effectLst/>
                 <a:latin typeface="Aptos" panose="020B0004020202020204" pitchFamily="34" charset="0"/>
                 <a:ea typeface="Aptos" panose="020B0004020202020204" pitchFamily="34" charset="0"/>
@@ -5939,6 +9163,9 @@
             </a:r>
             <a:r>
               <a:rPr lang="en-GB" sz="1800" dirty="0">
+                <a:solidFill>
+                  <a:schemeClr val="bg1"/>
+                </a:solidFill>
                 <a:effectLst/>
                 <a:latin typeface="Aptos" panose="020B0004020202020204" pitchFamily="34" charset="0"/>
                 <a:ea typeface="Aptos" panose="020B0004020202020204" pitchFamily="34" charset="0"/>
@@ -5948,6 +9175,9 @@
             </a:r>
             <a:r>
               <a:rPr lang="en-GB" sz="1800" i="1" dirty="0">
+                <a:solidFill>
+                  <a:schemeClr val="bg1"/>
+                </a:solidFill>
                 <a:effectLst/>
                 <a:latin typeface="Aptos" panose="020B0004020202020204" pitchFamily="34" charset="0"/>
                 <a:ea typeface="Aptos" panose="020B0004020202020204" pitchFamily="34" charset="0"/>
@@ -5957,6 +9187,9 @@
             </a:r>
             <a:r>
               <a:rPr lang="en-GB" sz="1800" dirty="0">
+                <a:solidFill>
+                  <a:schemeClr val="bg1"/>
+                </a:solidFill>
                 <a:effectLst/>
                 <a:latin typeface="Aptos" panose="020B0004020202020204" pitchFamily="34" charset="0"/>
                 <a:ea typeface="Aptos" panose="020B0004020202020204" pitchFamily="34" charset="0"/>
@@ -5966,6 +9199,9 @@
             </a:r>
             <a:r>
               <a:rPr lang="en-GB" sz="1800" i="1" dirty="0">
+                <a:solidFill>
+                  <a:schemeClr val="bg1"/>
+                </a:solidFill>
                 <a:effectLst/>
                 <a:latin typeface="Aptos" panose="020B0004020202020204" pitchFamily="34" charset="0"/>
                 <a:ea typeface="Aptos" panose="020B0004020202020204" pitchFamily="34" charset="0"/>
@@ -5975,6 +9211,9 @@
             </a:r>
             <a:r>
               <a:rPr lang="en-GB" sz="1800" dirty="0">
+                <a:solidFill>
+                  <a:schemeClr val="bg1"/>
+                </a:solidFill>
                 <a:effectLst/>
                 <a:latin typeface="Aptos" panose="020B0004020202020204" pitchFamily="34" charset="0"/>
                 <a:ea typeface="Aptos" panose="020B0004020202020204" pitchFamily="34" charset="0"/>
@@ -5984,6 +9223,9 @@
             </a:r>
             <a:r>
               <a:rPr lang="en-GB" sz="1800" i="1" dirty="0">
+                <a:solidFill>
+                  <a:schemeClr val="bg1"/>
+                </a:solidFill>
                 <a:effectLst/>
                 <a:latin typeface="Aptos" panose="020B0004020202020204" pitchFamily="34" charset="0"/>
                 <a:ea typeface="Aptos" panose="020B0004020202020204" pitchFamily="34" charset="0"/>
@@ -5993,6 +9235,9 @@
             </a:r>
             <a:r>
               <a:rPr lang="en-GB" sz="1800" dirty="0">
+                <a:solidFill>
+                  <a:schemeClr val="bg1"/>
+                </a:solidFill>
                 <a:effectLst/>
                 <a:latin typeface="Aptos" panose="020B0004020202020204" pitchFamily="34" charset="0"/>
                 <a:ea typeface="Aptos" panose="020B0004020202020204" pitchFamily="34" charset="0"/>
@@ -6002,6 +9247,9 @@
             </a:r>
             <a:r>
               <a:rPr lang="en-GB" sz="1800" i="1" dirty="0">
+                <a:solidFill>
+                  <a:schemeClr val="bg1"/>
+                </a:solidFill>
                 <a:effectLst/>
                 <a:latin typeface="Aptos" panose="020B0004020202020204" pitchFamily="34" charset="0"/>
                 <a:ea typeface="Aptos" panose="020B0004020202020204" pitchFamily="34" charset="0"/>
@@ -6011,6 +9259,9 @@
             </a:r>
             <a:r>
               <a:rPr lang="en-GB" sz="1800" dirty="0">
+                <a:solidFill>
+                  <a:schemeClr val="bg1"/>
+                </a:solidFill>
                 <a:effectLst/>
                 <a:latin typeface="Aptos" panose="020B0004020202020204" pitchFamily="34" charset="0"/>
                 <a:ea typeface="Aptos" panose="020B0004020202020204" pitchFamily="34" charset="0"/>
@@ -6030,6 +9281,9 @@
             </a:pPr>
             <a:r>
               <a:rPr lang="en-GB" sz="1800" dirty="0">
+                <a:solidFill>
+                  <a:schemeClr val="bg1"/>
+                </a:solidFill>
                 <a:effectLst/>
                 <a:latin typeface="Aptos" panose="020B0004020202020204" pitchFamily="34" charset="0"/>
                 <a:ea typeface="Aptos" panose="020B0004020202020204" pitchFamily="34" charset="0"/>
@@ -6039,6 +9293,9 @@
             </a:r>
             <a:r>
               <a:rPr lang="en-GB" sz="1800" i="1" dirty="0">
+                <a:solidFill>
+                  <a:schemeClr val="bg1"/>
+                </a:solidFill>
                 <a:effectLst/>
                 <a:latin typeface="Aptos" panose="020B0004020202020204" pitchFamily="34" charset="0"/>
                 <a:ea typeface="Aptos" panose="020B0004020202020204" pitchFamily="34" charset="0"/>
@@ -6048,6 +9305,9 @@
             </a:r>
             <a:r>
               <a:rPr lang="en-GB" sz="1800" dirty="0">
+                <a:solidFill>
+                  <a:schemeClr val="bg1"/>
+                </a:solidFill>
                 <a:effectLst/>
                 <a:latin typeface="Aptos" panose="020B0004020202020204" pitchFamily="34" charset="0"/>
                 <a:ea typeface="Aptos" panose="020B0004020202020204" pitchFamily="34" charset="0"/>
@@ -6057,6 +9317,9 @@
             </a:r>
             <a:r>
               <a:rPr lang="en-GB" sz="1800" dirty="0" err="1">
+                <a:solidFill>
+                  <a:schemeClr val="bg1"/>
+                </a:solidFill>
                 <a:effectLst/>
                 <a:latin typeface="Aptos" panose="020B0004020202020204" pitchFamily="34" charset="0"/>
                 <a:ea typeface="Aptos" panose="020B0004020202020204" pitchFamily="34" charset="0"/>
@@ -6066,6 +9329,9 @@
             </a:r>
             <a:r>
               <a:rPr lang="en-GB" sz="1800" dirty="0">
+                <a:solidFill>
+                  <a:schemeClr val="bg1"/>
+                </a:solidFill>
                 <a:effectLst/>
                 <a:latin typeface="Aptos" panose="020B0004020202020204" pitchFamily="34" charset="0"/>
                 <a:ea typeface="Aptos" panose="020B0004020202020204" pitchFamily="34" charset="0"/>
@@ -6075,6 +9341,9 @@
             </a:r>
             <a:r>
               <a:rPr lang="en-GB" sz="1800" i="1" dirty="0" err="1">
+                <a:solidFill>
+                  <a:schemeClr val="bg1"/>
+                </a:solidFill>
                 <a:effectLst/>
                 <a:latin typeface="Aptos" panose="020B0004020202020204" pitchFamily="34" charset="0"/>
                 <a:ea typeface="Aptos" panose="020B0004020202020204" pitchFamily="34" charset="0"/>
@@ -6084,6 +9353,9 @@
             </a:r>
             <a:r>
               <a:rPr lang="en-GB" sz="1800" dirty="0">
+                <a:solidFill>
+                  <a:schemeClr val="bg1"/>
+                </a:solidFill>
                 <a:effectLst/>
                 <a:latin typeface="Aptos" panose="020B0004020202020204" pitchFamily="34" charset="0"/>
                 <a:ea typeface="Aptos" panose="020B0004020202020204" pitchFamily="34" charset="0"/>
@@ -6132,6 +9404,152 @@
       </p:grpSpPr>
       <p:sp>
         <p:nvSpPr>
+          <p:cNvPr id="4" name="Rectangle 3">
+            <a:extLst>
+              <a:ext uri="{FF2B5EF4-FFF2-40B4-BE49-F238E27FC236}">
+                <a16:creationId xmlns:a16="http://schemas.microsoft.com/office/drawing/2014/main" id="{16224251-3012-3AD5-CD4A-3EA25F6CF104}"/>
+              </a:ext>
+            </a:extLst>
+          </p:cNvPr>
+          <p:cNvSpPr/>
+          <p:nvPr/>
+        </p:nvSpPr>
+        <p:spPr>
+          <a:xfrm>
+            <a:off x="0" y="0"/>
+            <a:ext cx="12192000" cy="6858000"/>
+          </a:xfrm>
+          <a:prstGeom prst="rect">
+            <a:avLst/>
+          </a:prstGeom>
+          <a:solidFill>
+            <a:schemeClr val="tx1"/>
+          </a:solidFill>
+          <a:ln>
+            <a:noFill/>
+          </a:ln>
+        </p:spPr>
+        <p:style>
+          <a:lnRef idx="2">
+            <a:schemeClr val="accent1">
+              <a:shade val="15000"/>
+            </a:schemeClr>
+          </a:lnRef>
+          <a:fillRef idx="1">
+            <a:schemeClr val="accent1"/>
+          </a:fillRef>
+          <a:effectRef idx="0">
+            <a:schemeClr val="accent1"/>
+          </a:effectRef>
+          <a:fontRef idx="minor">
+            <a:schemeClr val="lt1"/>
+          </a:fontRef>
+        </p:style>
+        <p:txBody>
+          <a:bodyPr rtlCol="0" anchor="ctr"/>
+          <a:lstStyle>
+            <a:defPPr>
+              <a:defRPr lang="en-US"/>
+            </a:defPPr>
+            <a:lvl1pPr marL="0" algn="l" defTabSz="914400" rtl="0" eaLnBrk="1" latinLnBrk="0" hangingPunct="1">
+              <a:defRPr sz="1800" kern="1200">
+                <a:solidFill>
+                  <a:schemeClr val="lt1"/>
+                </a:solidFill>
+                <a:latin typeface="+mn-lt"/>
+                <a:ea typeface="+mn-ea"/>
+                <a:cs typeface="+mn-cs"/>
+              </a:defRPr>
+            </a:lvl1pPr>
+            <a:lvl2pPr marL="457200" algn="l" defTabSz="914400" rtl="0" eaLnBrk="1" latinLnBrk="0" hangingPunct="1">
+              <a:defRPr sz="1800" kern="1200">
+                <a:solidFill>
+                  <a:schemeClr val="lt1"/>
+                </a:solidFill>
+                <a:latin typeface="+mn-lt"/>
+                <a:ea typeface="+mn-ea"/>
+                <a:cs typeface="+mn-cs"/>
+              </a:defRPr>
+            </a:lvl2pPr>
+            <a:lvl3pPr marL="914400" algn="l" defTabSz="914400" rtl="0" eaLnBrk="1" latinLnBrk="0" hangingPunct="1">
+              <a:defRPr sz="1800" kern="1200">
+                <a:solidFill>
+                  <a:schemeClr val="lt1"/>
+                </a:solidFill>
+                <a:latin typeface="+mn-lt"/>
+                <a:ea typeface="+mn-ea"/>
+                <a:cs typeface="+mn-cs"/>
+              </a:defRPr>
+            </a:lvl3pPr>
+            <a:lvl4pPr marL="1371600" algn="l" defTabSz="914400" rtl="0" eaLnBrk="1" latinLnBrk="0" hangingPunct="1">
+              <a:defRPr sz="1800" kern="1200">
+                <a:solidFill>
+                  <a:schemeClr val="lt1"/>
+                </a:solidFill>
+                <a:latin typeface="+mn-lt"/>
+                <a:ea typeface="+mn-ea"/>
+                <a:cs typeface="+mn-cs"/>
+              </a:defRPr>
+            </a:lvl4pPr>
+            <a:lvl5pPr marL="1828800" algn="l" defTabSz="914400" rtl="0" eaLnBrk="1" latinLnBrk="0" hangingPunct="1">
+              <a:defRPr sz="1800" kern="1200">
+                <a:solidFill>
+                  <a:schemeClr val="lt1"/>
+                </a:solidFill>
+                <a:latin typeface="+mn-lt"/>
+                <a:ea typeface="+mn-ea"/>
+                <a:cs typeface="+mn-cs"/>
+              </a:defRPr>
+            </a:lvl5pPr>
+            <a:lvl6pPr marL="2286000" algn="l" defTabSz="914400" rtl="0" eaLnBrk="1" latinLnBrk="0" hangingPunct="1">
+              <a:defRPr sz="1800" kern="1200">
+                <a:solidFill>
+                  <a:schemeClr val="lt1"/>
+                </a:solidFill>
+                <a:latin typeface="+mn-lt"/>
+                <a:ea typeface="+mn-ea"/>
+                <a:cs typeface="+mn-cs"/>
+              </a:defRPr>
+            </a:lvl6pPr>
+            <a:lvl7pPr marL="2743200" algn="l" defTabSz="914400" rtl="0" eaLnBrk="1" latinLnBrk="0" hangingPunct="1">
+              <a:defRPr sz="1800" kern="1200">
+                <a:solidFill>
+                  <a:schemeClr val="lt1"/>
+                </a:solidFill>
+                <a:latin typeface="+mn-lt"/>
+                <a:ea typeface="+mn-ea"/>
+                <a:cs typeface="+mn-cs"/>
+              </a:defRPr>
+            </a:lvl7pPr>
+            <a:lvl8pPr marL="3200400" algn="l" defTabSz="914400" rtl="0" eaLnBrk="1" latinLnBrk="0" hangingPunct="1">
+              <a:defRPr sz="1800" kern="1200">
+                <a:solidFill>
+                  <a:schemeClr val="lt1"/>
+                </a:solidFill>
+                <a:latin typeface="+mn-lt"/>
+                <a:ea typeface="+mn-ea"/>
+                <a:cs typeface="+mn-cs"/>
+              </a:defRPr>
+            </a:lvl8pPr>
+            <a:lvl9pPr marL="3657600" algn="l" defTabSz="914400" rtl="0" eaLnBrk="1" latinLnBrk="0" hangingPunct="1">
+              <a:defRPr sz="1800" kern="1200">
+                <a:solidFill>
+                  <a:schemeClr val="lt1"/>
+                </a:solidFill>
+                <a:latin typeface="+mn-lt"/>
+                <a:ea typeface="+mn-ea"/>
+                <a:cs typeface="+mn-cs"/>
+              </a:defRPr>
+            </a:lvl9pPr>
+          </a:lstStyle>
+          <a:p>
+            <a:pPr algn="ctr"/>
+            <a:endParaRPr lang="en-GB"/>
+          </a:p>
+        </p:txBody>
+      </p:sp>
+      <p:sp>
+        <p:nvSpPr>
           <p:cNvPr id="2" name="Title 1">
             <a:extLst>
               <a:ext uri="{FF2B5EF4-FFF2-40B4-BE49-F238E27FC236}">
@@ -6148,11 +9566,17 @@
         </p:nvSpPr>
         <p:spPr/>
         <p:txBody>
-          <a:bodyPr/>
+          <a:bodyPr>
+            <a:normAutofit/>
+          </a:bodyPr>
           <a:lstStyle/>
           <a:p>
             <a:r>
-              <a:rPr lang="en-GB" dirty="0"/>
+              <a:rPr lang="en-GB" sz="3200" dirty="0">
+                <a:solidFill>
+                  <a:schemeClr val="bg1"/>
+                </a:solidFill>
+              </a:rPr>
               <a:t>Research: Interactive Narrative Game Mechanics (Week 1)</a:t>
             </a:r>
           </a:p>
@@ -6188,6 +9612,9 @@
           <a:p>
             <a:r>
               <a:rPr lang="en-GB" sz="1800" dirty="0">
+                <a:solidFill>
+                  <a:schemeClr val="bg1"/>
+                </a:solidFill>
                 <a:effectLst/>
                 <a:latin typeface="Aptos" panose="020B0004020202020204" pitchFamily="34" charset="0"/>
                 <a:ea typeface="Aptos" panose="020B0004020202020204" pitchFamily="34" charset="0"/>
@@ -6197,6 +9624,9 @@
             </a:r>
             <a:r>
               <a:rPr lang="en-GB" sz="1800" dirty="0" err="1">
+                <a:solidFill>
+                  <a:schemeClr val="bg1"/>
+                </a:solidFill>
                 <a:effectLst/>
                 <a:latin typeface="Aptos" panose="020B0004020202020204" pitchFamily="34" charset="0"/>
                 <a:ea typeface="Aptos" panose="020B0004020202020204" pitchFamily="34" charset="0"/>
@@ -6206,6 +9636,9 @@
             </a:r>
             <a:r>
               <a:rPr lang="en-GB" sz="1800" dirty="0">
+                <a:solidFill>
+                  <a:schemeClr val="bg1"/>
+                </a:solidFill>
                 <a:effectLst/>
                 <a:latin typeface="Aptos" panose="020B0004020202020204" pitchFamily="34" charset="0"/>
                 <a:ea typeface="Aptos" panose="020B0004020202020204" pitchFamily="34" charset="0"/>
@@ -6215,6 +9648,9 @@
             </a:r>
             <a:r>
               <a:rPr lang="en-GB" sz="1800" dirty="0" err="1">
+                <a:solidFill>
+                  <a:schemeClr val="bg1"/>
+                </a:solidFill>
                 <a:effectLst/>
                 <a:latin typeface="Aptos" panose="020B0004020202020204" pitchFamily="34" charset="0"/>
                 <a:ea typeface="Aptos" panose="020B0004020202020204" pitchFamily="34" charset="0"/>
@@ -6224,6 +9660,9 @@
             </a:r>
             <a:r>
               <a:rPr lang="en-GB" sz="1800" dirty="0">
+                <a:solidFill>
+                  <a:schemeClr val="bg1"/>
+                </a:solidFill>
                 <a:effectLst/>
                 <a:latin typeface="Aptos" panose="020B0004020202020204" pitchFamily="34" charset="0"/>
                 <a:ea typeface="Aptos" panose="020B0004020202020204" pitchFamily="34" charset="0"/>
@@ -6243,6 +9682,9 @@
             </a:pPr>
             <a:r>
               <a:rPr lang="en-GB" sz="1800" dirty="0">
+                <a:solidFill>
+                  <a:schemeClr val="bg1"/>
+                </a:solidFill>
                 <a:effectLst/>
                 <a:latin typeface="Aptos" panose="020B0004020202020204" pitchFamily="34" charset="0"/>
                 <a:ea typeface="Aptos" panose="020B0004020202020204" pitchFamily="34" charset="0"/>
@@ -6262,6 +9704,9 @@
             </a:pPr>
             <a:r>
               <a:rPr lang="en-GB" sz="1800" dirty="0">
+                <a:solidFill>
+                  <a:schemeClr val="bg1"/>
+                </a:solidFill>
                 <a:effectLst/>
                 <a:latin typeface="Aptos" panose="020B0004020202020204" pitchFamily="34" charset="0"/>
                 <a:ea typeface="Aptos" panose="020B0004020202020204" pitchFamily="34" charset="0"/>
@@ -6304,6 +9749,152 @@
       </p:grpSpPr>
       <p:sp>
         <p:nvSpPr>
+          <p:cNvPr id="4" name="Rectangle 3">
+            <a:extLst>
+              <a:ext uri="{FF2B5EF4-FFF2-40B4-BE49-F238E27FC236}">
+                <a16:creationId xmlns:a16="http://schemas.microsoft.com/office/drawing/2014/main" id="{16224251-3012-3AD5-CD4A-3EA25F6CF104}"/>
+              </a:ext>
+            </a:extLst>
+          </p:cNvPr>
+          <p:cNvSpPr/>
+          <p:nvPr/>
+        </p:nvSpPr>
+        <p:spPr>
+          <a:xfrm>
+            <a:off x="0" y="0"/>
+            <a:ext cx="12192000" cy="6858000"/>
+          </a:xfrm>
+          <a:prstGeom prst="rect">
+            <a:avLst/>
+          </a:prstGeom>
+          <a:solidFill>
+            <a:schemeClr val="tx1"/>
+          </a:solidFill>
+          <a:ln>
+            <a:noFill/>
+          </a:ln>
+        </p:spPr>
+        <p:style>
+          <a:lnRef idx="2">
+            <a:schemeClr val="accent1">
+              <a:shade val="15000"/>
+            </a:schemeClr>
+          </a:lnRef>
+          <a:fillRef idx="1">
+            <a:schemeClr val="accent1"/>
+          </a:fillRef>
+          <a:effectRef idx="0">
+            <a:schemeClr val="accent1"/>
+          </a:effectRef>
+          <a:fontRef idx="minor">
+            <a:schemeClr val="lt1"/>
+          </a:fontRef>
+        </p:style>
+        <p:txBody>
+          <a:bodyPr rtlCol="0" anchor="ctr"/>
+          <a:lstStyle>
+            <a:defPPr>
+              <a:defRPr lang="en-US"/>
+            </a:defPPr>
+            <a:lvl1pPr marL="0" algn="l" defTabSz="914400" rtl="0" eaLnBrk="1" latinLnBrk="0" hangingPunct="1">
+              <a:defRPr sz="1800" kern="1200">
+                <a:solidFill>
+                  <a:schemeClr val="lt1"/>
+                </a:solidFill>
+                <a:latin typeface="+mn-lt"/>
+                <a:ea typeface="+mn-ea"/>
+                <a:cs typeface="+mn-cs"/>
+              </a:defRPr>
+            </a:lvl1pPr>
+            <a:lvl2pPr marL="457200" algn="l" defTabSz="914400" rtl="0" eaLnBrk="1" latinLnBrk="0" hangingPunct="1">
+              <a:defRPr sz="1800" kern="1200">
+                <a:solidFill>
+                  <a:schemeClr val="lt1"/>
+                </a:solidFill>
+                <a:latin typeface="+mn-lt"/>
+                <a:ea typeface="+mn-ea"/>
+                <a:cs typeface="+mn-cs"/>
+              </a:defRPr>
+            </a:lvl2pPr>
+            <a:lvl3pPr marL="914400" algn="l" defTabSz="914400" rtl="0" eaLnBrk="1" latinLnBrk="0" hangingPunct="1">
+              <a:defRPr sz="1800" kern="1200">
+                <a:solidFill>
+                  <a:schemeClr val="lt1"/>
+                </a:solidFill>
+                <a:latin typeface="+mn-lt"/>
+                <a:ea typeface="+mn-ea"/>
+                <a:cs typeface="+mn-cs"/>
+              </a:defRPr>
+            </a:lvl3pPr>
+            <a:lvl4pPr marL="1371600" algn="l" defTabSz="914400" rtl="0" eaLnBrk="1" latinLnBrk="0" hangingPunct="1">
+              <a:defRPr sz="1800" kern="1200">
+                <a:solidFill>
+                  <a:schemeClr val="lt1"/>
+                </a:solidFill>
+                <a:latin typeface="+mn-lt"/>
+                <a:ea typeface="+mn-ea"/>
+                <a:cs typeface="+mn-cs"/>
+              </a:defRPr>
+            </a:lvl4pPr>
+            <a:lvl5pPr marL="1828800" algn="l" defTabSz="914400" rtl="0" eaLnBrk="1" latinLnBrk="0" hangingPunct="1">
+              <a:defRPr sz="1800" kern="1200">
+                <a:solidFill>
+                  <a:schemeClr val="lt1"/>
+                </a:solidFill>
+                <a:latin typeface="+mn-lt"/>
+                <a:ea typeface="+mn-ea"/>
+                <a:cs typeface="+mn-cs"/>
+              </a:defRPr>
+            </a:lvl5pPr>
+            <a:lvl6pPr marL="2286000" algn="l" defTabSz="914400" rtl="0" eaLnBrk="1" latinLnBrk="0" hangingPunct="1">
+              <a:defRPr sz="1800" kern="1200">
+                <a:solidFill>
+                  <a:schemeClr val="lt1"/>
+                </a:solidFill>
+                <a:latin typeface="+mn-lt"/>
+                <a:ea typeface="+mn-ea"/>
+                <a:cs typeface="+mn-cs"/>
+              </a:defRPr>
+            </a:lvl6pPr>
+            <a:lvl7pPr marL="2743200" algn="l" defTabSz="914400" rtl="0" eaLnBrk="1" latinLnBrk="0" hangingPunct="1">
+              <a:defRPr sz="1800" kern="1200">
+                <a:solidFill>
+                  <a:schemeClr val="lt1"/>
+                </a:solidFill>
+                <a:latin typeface="+mn-lt"/>
+                <a:ea typeface="+mn-ea"/>
+                <a:cs typeface="+mn-cs"/>
+              </a:defRPr>
+            </a:lvl7pPr>
+            <a:lvl8pPr marL="3200400" algn="l" defTabSz="914400" rtl="0" eaLnBrk="1" latinLnBrk="0" hangingPunct="1">
+              <a:defRPr sz="1800" kern="1200">
+                <a:solidFill>
+                  <a:schemeClr val="lt1"/>
+                </a:solidFill>
+                <a:latin typeface="+mn-lt"/>
+                <a:ea typeface="+mn-ea"/>
+                <a:cs typeface="+mn-cs"/>
+              </a:defRPr>
+            </a:lvl8pPr>
+            <a:lvl9pPr marL="3657600" algn="l" defTabSz="914400" rtl="0" eaLnBrk="1" latinLnBrk="0" hangingPunct="1">
+              <a:defRPr sz="1800" kern="1200">
+                <a:solidFill>
+                  <a:schemeClr val="lt1"/>
+                </a:solidFill>
+                <a:latin typeface="+mn-lt"/>
+                <a:ea typeface="+mn-ea"/>
+                <a:cs typeface="+mn-cs"/>
+              </a:defRPr>
+            </a:lvl9pPr>
+          </a:lstStyle>
+          <a:p>
+            <a:pPr algn="ctr"/>
+            <a:endParaRPr lang="en-GB"/>
+          </a:p>
+        </p:txBody>
+      </p:sp>
+      <p:sp>
+        <p:nvSpPr>
           <p:cNvPr id="2" name="Title 1">
             <a:extLst>
               <a:ext uri="{FF2B5EF4-FFF2-40B4-BE49-F238E27FC236}">
@@ -6320,11 +9911,17 @@
         </p:nvSpPr>
         <p:spPr/>
         <p:txBody>
-          <a:bodyPr/>
+          <a:bodyPr>
+            <a:normAutofit/>
+          </a:bodyPr>
           <a:lstStyle/>
           <a:p>
             <a:r>
-              <a:rPr lang="en-GB" dirty="0"/>
+              <a:rPr lang="en-GB" sz="3200" dirty="0">
+                <a:solidFill>
+                  <a:schemeClr val="bg1"/>
+                </a:solidFill>
+              </a:rPr>
               <a:t>Implementation: Sprinting &amp; Crouching (Week 2)</a:t>
             </a:r>
           </a:p>
@@ -6353,16 +9950,31 @@
           <a:p>
             <a:r>
               <a:rPr lang="en-GB" sz="1800" dirty="0">
-                <a:effectLst/>
-                <a:latin typeface="Aptos" panose="020B0004020202020204" pitchFamily="34" charset="0"/>
-                <a:ea typeface="Aptos" panose="020B0004020202020204" pitchFamily="34" charset="0"/>
-                <a:cs typeface="Times New Roman" panose="02020603050405020304" pitchFamily="18" charset="0"/>
-                <a:hlinkClick r:id="rId2"/>
+                <a:solidFill>
+                  <a:schemeClr val="accent1">
+                    <a:lumMod val="60000"/>
+                    <a:lumOff val="40000"/>
+                  </a:schemeClr>
+                </a:solidFill>
+                <a:effectLst/>
+                <a:latin typeface="Aptos" panose="020B0004020202020204" pitchFamily="34" charset="0"/>
+                <a:ea typeface="Aptos" panose="020B0004020202020204" pitchFamily="34" charset="0"/>
+                <a:cs typeface="Times New Roman" panose="02020603050405020304" pitchFamily="18" charset="0"/>
+                <a:hlinkClick r:id="rId2">
+                  <a:extLst>
+                    <a:ext uri="{A12FA001-AC4F-418D-AE19-62706E023703}">
+                      <ahyp:hlinkClr xmlns:ahyp="http://schemas.microsoft.com/office/drawing/2018/hyperlinkcolor" val="tx"/>
+                    </a:ext>
+                  </a:extLst>
+                </a:hlinkClick>
               </a:rPr>
               <a:t>Sprinting &amp; Crouching </a:t>
             </a:r>
             <a:r>
               <a:rPr lang="en-GB" sz="1800" dirty="0">
+                <a:solidFill>
+                  <a:schemeClr val="bg1"/>
+                </a:solidFill>
                 <a:effectLst/>
                 <a:latin typeface="Aptos" panose="020B0004020202020204" pitchFamily="34" charset="0"/>
                 <a:ea typeface="Aptos" panose="020B0004020202020204" pitchFamily="34" charset="0"/>
@@ -6372,6 +9984,9 @@
             </a:r>
             <a:r>
               <a:rPr lang="en-GB" sz="1800" dirty="0" err="1">
+                <a:solidFill>
+                  <a:schemeClr val="bg1"/>
+                </a:solidFill>
                 <a:effectLst/>
                 <a:latin typeface="Aptos" panose="020B0004020202020204" pitchFamily="34" charset="0"/>
                 <a:ea typeface="Aptos" panose="020B0004020202020204" pitchFamily="34" charset="0"/>
@@ -6381,6 +9996,9 @@
             </a:r>
             <a:r>
               <a:rPr lang="en-GB" sz="1800" dirty="0">
+                <a:solidFill>
+                  <a:schemeClr val="bg1"/>
+                </a:solidFill>
                 <a:effectLst/>
                 <a:latin typeface="Aptos" panose="020B0004020202020204" pitchFamily="34" charset="0"/>
                 <a:ea typeface="Aptos" panose="020B0004020202020204" pitchFamily="34" charset="0"/>
@@ -6390,6 +10008,9 @@
             </a:r>
             <a:r>
               <a:rPr lang="en-GB" sz="1800" dirty="0" err="1">
+                <a:solidFill>
+                  <a:schemeClr val="bg1"/>
+                </a:solidFill>
                 <a:effectLst/>
                 <a:latin typeface="Aptos" panose="020B0004020202020204" pitchFamily="34" charset="0"/>
                 <a:ea typeface="Aptos" panose="020B0004020202020204" pitchFamily="34" charset="0"/>
@@ -6399,6 +10020,9 @@
             </a:r>
             <a:r>
               <a:rPr lang="en-GB" sz="1800" dirty="0">
+                <a:solidFill>
+                  <a:schemeClr val="bg1"/>
+                </a:solidFill>
                 <a:effectLst/>
                 <a:latin typeface="Aptos" panose="020B0004020202020204" pitchFamily="34" charset="0"/>
                 <a:ea typeface="Aptos" panose="020B0004020202020204" pitchFamily="34" charset="0"/>
@@ -6408,6 +10032,9 @@
             </a:r>
             <a:r>
               <a:rPr lang="en-GB" sz="1800" dirty="0" err="1">
+                <a:solidFill>
+                  <a:schemeClr val="bg1"/>
+                </a:solidFill>
                 <a:effectLst/>
                 <a:latin typeface="Aptos" panose="020B0004020202020204" pitchFamily="34" charset="0"/>
                 <a:ea typeface="Aptos" panose="020B0004020202020204" pitchFamily="34" charset="0"/>
@@ -6417,6 +10044,9 @@
             </a:r>
             <a:r>
               <a:rPr lang="en-GB" sz="1800" dirty="0">
+                <a:solidFill>
+                  <a:schemeClr val="bg1"/>
+                </a:solidFill>
                 <a:effectLst/>
                 <a:latin typeface="Aptos" panose="020B0004020202020204" pitchFamily="34" charset="0"/>
                 <a:ea typeface="Aptos" panose="020B0004020202020204" pitchFamily="34" charset="0"/>
@@ -6426,6 +10056,9 @@
             </a:r>
             <a:r>
               <a:rPr lang="en-GB" sz="1800" dirty="0" err="1">
+                <a:solidFill>
+                  <a:schemeClr val="bg1"/>
+                </a:solidFill>
                 <a:effectLst/>
                 <a:latin typeface="Aptos" panose="020B0004020202020204" pitchFamily="34" charset="0"/>
                 <a:ea typeface="Aptos" panose="020B0004020202020204" pitchFamily="34" charset="0"/>
@@ -6435,6 +10068,9 @@
             </a:r>
             <a:r>
               <a:rPr lang="en-GB" sz="1800" dirty="0">
+                <a:solidFill>
+                  <a:schemeClr val="bg1"/>
+                </a:solidFill>
                 <a:effectLst/>
                 <a:latin typeface="Aptos" panose="020B0004020202020204" pitchFamily="34" charset="0"/>
                 <a:ea typeface="Aptos" panose="020B0004020202020204" pitchFamily="34" charset="0"/>
@@ -6444,6 +10080,9 @@
             </a:r>
             <a:r>
               <a:rPr lang="en-GB" sz="1800" dirty="0" err="1">
+                <a:solidFill>
+                  <a:schemeClr val="bg1"/>
+                </a:solidFill>
                 <a:effectLst/>
                 <a:latin typeface="Aptos" panose="020B0004020202020204" pitchFamily="34" charset="0"/>
                 <a:ea typeface="Aptos" panose="020B0004020202020204" pitchFamily="34" charset="0"/>
@@ -6453,6 +10092,9 @@
             </a:r>
             <a:r>
               <a:rPr lang="en-GB" sz="1800" dirty="0">
+                <a:solidFill>
+                  <a:schemeClr val="bg1"/>
+                </a:solidFill>
                 <a:effectLst/>
                 <a:latin typeface="Aptos" panose="020B0004020202020204" pitchFamily="34" charset="0"/>
                 <a:ea typeface="Aptos" panose="020B0004020202020204" pitchFamily="34" charset="0"/>
@@ -6462,6 +10104,9 @@
             </a:r>
             <a:r>
               <a:rPr lang="en-GB" sz="1800" dirty="0" err="1">
+                <a:solidFill>
+                  <a:schemeClr val="bg1"/>
+                </a:solidFill>
                 <a:effectLst/>
                 <a:latin typeface="Aptos" panose="020B0004020202020204" pitchFamily="34" charset="0"/>
                 <a:ea typeface="Aptos" panose="020B0004020202020204" pitchFamily="34" charset="0"/>
@@ -6471,6 +10116,9 @@
             </a:r>
             <a:r>
               <a:rPr lang="en-GB" sz="1800" dirty="0">
+                <a:solidFill>
+                  <a:schemeClr val="bg1"/>
+                </a:solidFill>
                 <a:effectLst/>
                 <a:latin typeface="Aptos" panose="020B0004020202020204" pitchFamily="34" charset="0"/>
                 <a:ea typeface="Aptos" panose="020B0004020202020204" pitchFamily="34" charset="0"/>
@@ -6513,6 +10161,152 @@
       </p:grpSpPr>
       <p:sp>
         <p:nvSpPr>
+          <p:cNvPr id="4" name="Rectangle 3">
+            <a:extLst>
+              <a:ext uri="{FF2B5EF4-FFF2-40B4-BE49-F238E27FC236}">
+                <a16:creationId xmlns:a16="http://schemas.microsoft.com/office/drawing/2014/main" id="{16224251-3012-3AD5-CD4A-3EA25F6CF104}"/>
+              </a:ext>
+            </a:extLst>
+          </p:cNvPr>
+          <p:cNvSpPr/>
+          <p:nvPr/>
+        </p:nvSpPr>
+        <p:spPr>
+          <a:xfrm>
+            <a:off x="0" y="0"/>
+            <a:ext cx="12192000" cy="6858000"/>
+          </a:xfrm>
+          <a:prstGeom prst="rect">
+            <a:avLst/>
+          </a:prstGeom>
+          <a:solidFill>
+            <a:schemeClr val="tx1"/>
+          </a:solidFill>
+          <a:ln>
+            <a:noFill/>
+          </a:ln>
+        </p:spPr>
+        <p:style>
+          <a:lnRef idx="2">
+            <a:schemeClr val="accent1">
+              <a:shade val="15000"/>
+            </a:schemeClr>
+          </a:lnRef>
+          <a:fillRef idx="1">
+            <a:schemeClr val="accent1"/>
+          </a:fillRef>
+          <a:effectRef idx="0">
+            <a:schemeClr val="accent1"/>
+          </a:effectRef>
+          <a:fontRef idx="minor">
+            <a:schemeClr val="lt1"/>
+          </a:fontRef>
+        </p:style>
+        <p:txBody>
+          <a:bodyPr rtlCol="0" anchor="ctr"/>
+          <a:lstStyle>
+            <a:defPPr>
+              <a:defRPr lang="en-US"/>
+            </a:defPPr>
+            <a:lvl1pPr marL="0" algn="l" defTabSz="914400" rtl="0" eaLnBrk="1" latinLnBrk="0" hangingPunct="1">
+              <a:defRPr sz="1800" kern="1200">
+                <a:solidFill>
+                  <a:schemeClr val="lt1"/>
+                </a:solidFill>
+                <a:latin typeface="+mn-lt"/>
+                <a:ea typeface="+mn-ea"/>
+                <a:cs typeface="+mn-cs"/>
+              </a:defRPr>
+            </a:lvl1pPr>
+            <a:lvl2pPr marL="457200" algn="l" defTabSz="914400" rtl="0" eaLnBrk="1" latinLnBrk="0" hangingPunct="1">
+              <a:defRPr sz="1800" kern="1200">
+                <a:solidFill>
+                  <a:schemeClr val="lt1"/>
+                </a:solidFill>
+                <a:latin typeface="+mn-lt"/>
+                <a:ea typeface="+mn-ea"/>
+                <a:cs typeface="+mn-cs"/>
+              </a:defRPr>
+            </a:lvl2pPr>
+            <a:lvl3pPr marL="914400" algn="l" defTabSz="914400" rtl="0" eaLnBrk="1" latinLnBrk="0" hangingPunct="1">
+              <a:defRPr sz="1800" kern="1200">
+                <a:solidFill>
+                  <a:schemeClr val="lt1"/>
+                </a:solidFill>
+                <a:latin typeface="+mn-lt"/>
+                <a:ea typeface="+mn-ea"/>
+                <a:cs typeface="+mn-cs"/>
+              </a:defRPr>
+            </a:lvl3pPr>
+            <a:lvl4pPr marL="1371600" algn="l" defTabSz="914400" rtl="0" eaLnBrk="1" latinLnBrk="0" hangingPunct="1">
+              <a:defRPr sz="1800" kern="1200">
+                <a:solidFill>
+                  <a:schemeClr val="lt1"/>
+                </a:solidFill>
+                <a:latin typeface="+mn-lt"/>
+                <a:ea typeface="+mn-ea"/>
+                <a:cs typeface="+mn-cs"/>
+              </a:defRPr>
+            </a:lvl4pPr>
+            <a:lvl5pPr marL="1828800" algn="l" defTabSz="914400" rtl="0" eaLnBrk="1" latinLnBrk="0" hangingPunct="1">
+              <a:defRPr sz="1800" kern="1200">
+                <a:solidFill>
+                  <a:schemeClr val="lt1"/>
+                </a:solidFill>
+                <a:latin typeface="+mn-lt"/>
+                <a:ea typeface="+mn-ea"/>
+                <a:cs typeface="+mn-cs"/>
+              </a:defRPr>
+            </a:lvl5pPr>
+            <a:lvl6pPr marL="2286000" algn="l" defTabSz="914400" rtl="0" eaLnBrk="1" latinLnBrk="0" hangingPunct="1">
+              <a:defRPr sz="1800" kern="1200">
+                <a:solidFill>
+                  <a:schemeClr val="lt1"/>
+                </a:solidFill>
+                <a:latin typeface="+mn-lt"/>
+                <a:ea typeface="+mn-ea"/>
+                <a:cs typeface="+mn-cs"/>
+              </a:defRPr>
+            </a:lvl6pPr>
+            <a:lvl7pPr marL="2743200" algn="l" defTabSz="914400" rtl="0" eaLnBrk="1" latinLnBrk="0" hangingPunct="1">
+              <a:defRPr sz="1800" kern="1200">
+                <a:solidFill>
+                  <a:schemeClr val="lt1"/>
+                </a:solidFill>
+                <a:latin typeface="+mn-lt"/>
+                <a:ea typeface="+mn-ea"/>
+                <a:cs typeface="+mn-cs"/>
+              </a:defRPr>
+            </a:lvl7pPr>
+            <a:lvl8pPr marL="3200400" algn="l" defTabSz="914400" rtl="0" eaLnBrk="1" latinLnBrk="0" hangingPunct="1">
+              <a:defRPr sz="1800" kern="1200">
+                <a:solidFill>
+                  <a:schemeClr val="lt1"/>
+                </a:solidFill>
+                <a:latin typeface="+mn-lt"/>
+                <a:ea typeface="+mn-ea"/>
+                <a:cs typeface="+mn-cs"/>
+              </a:defRPr>
+            </a:lvl8pPr>
+            <a:lvl9pPr marL="3657600" algn="l" defTabSz="914400" rtl="0" eaLnBrk="1" latinLnBrk="0" hangingPunct="1">
+              <a:defRPr sz="1800" kern="1200">
+                <a:solidFill>
+                  <a:schemeClr val="lt1"/>
+                </a:solidFill>
+                <a:latin typeface="+mn-lt"/>
+                <a:ea typeface="+mn-ea"/>
+                <a:cs typeface="+mn-cs"/>
+              </a:defRPr>
+            </a:lvl9pPr>
+          </a:lstStyle>
+          <a:p>
+            <a:pPr algn="ctr"/>
+            <a:endParaRPr lang="en-GB"/>
+          </a:p>
+        </p:txBody>
+      </p:sp>
+      <p:sp>
+        <p:nvSpPr>
           <p:cNvPr id="2" name="Title 1">
             <a:extLst>
               <a:ext uri="{FF2B5EF4-FFF2-40B4-BE49-F238E27FC236}">
@@ -6529,11 +10323,17 @@
         </p:nvSpPr>
         <p:spPr/>
         <p:txBody>
-          <a:bodyPr/>
+          <a:bodyPr>
+            <a:normAutofit/>
+          </a:bodyPr>
           <a:lstStyle/>
           <a:p>
             <a:r>
-              <a:rPr lang="en-GB" dirty="0"/>
+              <a:rPr lang="en-GB" sz="3200" dirty="0">
+                <a:solidFill>
+                  <a:schemeClr val="bg1"/>
+                </a:solidFill>
+              </a:rPr>
               <a:t>Implementation: Checkpoint System (Week 2)</a:t>
             </a:r>
           </a:p>
@@ -6572,23 +10372,55 @@
             </a:pPr>
             <a:r>
               <a:rPr lang="en-GB" sz="1800" dirty="0">
-                <a:latin typeface="Aptos" panose="020B0004020202020204" pitchFamily="34" charset="0"/>
-                <a:ea typeface="Aptos" panose="020B0004020202020204" pitchFamily="34" charset="0"/>
-                <a:cs typeface="Times New Roman" panose="02020603050405020304" pitchFamily="18" charset="0"/>
-                <a:hlinkClick r:id="rId2"/>
+                <a:solidFill>
+                  <a:schemeClr val="accent1">
+                    <a:lumMod val="60000"/>
+                    <a:lumOff val="40000"/>
+                  </a:schemeClr>
+                </a:solidFill>
+                <a:latin typeface="Aptos" panose="020B0004020202020204" pitchFamily="34" charset="0"/>
+                <a:ea typeface="Aptos" panose="020B0004020202020204" pitchFamily="34" charset="0"/>
+                <a:cs typeface="Times New Roman" panose="02020603050405020304" pitchFamily="18" charset="0"/>
+                <a:hlinkClick r:id="rId2">
+                  <a:extLst>
+                    <a:ext uri="{A12FA001-AC4F-418D-AE19-62706E023703}">
+                      <ahyp:hlinkClr xmlns:ahyp="http://schemas.microsoft.com/office/drawing/2018/hyperlinkcolor" val="tx"/>
+                    </a:ext>
+                  </a:extLst>
+                </a:hlinkClick>
               </a:rPr>
               <a:t>Collision with Checkpoint</a:t>
             </a:r>
             <a:r>
               <a:rPr lang="en-GB" sz="1800" dirty="0">
-                <a:latin typeface="Aptos" panose="020B0004020202020204" pitchFamily="34" charset="0"/>
-                <a:ea typeface="Aptos" panose="020B0004020202020204" pitchFamily="34" charset="0"/>
-                <a:cs typeface="Times New Roman" panose="02020603050405020304" pitchFamily="18" charset="0"/>
-              </a:rPr>
-              <a:t> b</a:t>
+                <a:solidFill>
+                  <a:schemeClr val="accent1">
+                    <a:lumMod val="60000"/>
+                    <a:lumOff val="40000"/>
+                  </a:schemeClr>
+                </a:solidFill>
+                <a:latin typeface="Aptos" panose="020B0004020202020204" pitchFamily="34" charset="0"/>
+                <a:ea typeface="Aptos" panose="020B0004020202020204" pitchFamily="34" charset="0"/>
+                <a:cs typeface="Times New Roman" panose="02020603050405020304" pitchFamily="18" charset="0"/>
+              </a:rPr>
+              <a:t> </a:t>
             </a:r>
             <a:r>
               <a:rPr lang="en-GB" sz="1800" dirty="0">
+                <a:solidFill>
+                  <a:schemeClr val="bg1"/>
+                </a:solidFill>
+                <a:latin typeface="Aptos" panose="020B0004020202020204" pitchFamily="34" charset="0"/>
+                <a:ea typeface="Aptos" panose="020B0004020202020204" pitchFamily="34" charset="0"/>
+                <a:cs typeface="Times New Roman" panose="02020603050405020304" pitchFamily="18" charset="0"/>
+              </a:rPr>
+              <a:t>b</a:t>
+            </a:r>
+            <a:r>
+              <a:rPr lang="en-GB" sz="1800" dirty="0">
+                <a:solidFill>
+                  <a:schemeClr val="bg1"/>
+                </a:solidFill>
                 <a:effectLst/>
                 <a:latin typeface="Aptos" panose="020B0004020202020204" pitchFamily="34" charset="0"/>
                 <a:ea typeface="Aptos" panose="020B0004020202020204" pitchFamily="34" charset="0"/>
@@ -6598,6 +10430,9 @@
             </a:r>
             <a:r>
               <a:rPr lang="en-GB" sz="1800" dirty="0" err="1">
+                <a:solidFill>
+                  <a:schemeClr val="bg1"/>
+                </a:solidFill>
                 <a:effectLst/>
                 <a:latin typeface="Aptos" panose="020B0004020202020204" pitchFamily="34" charset="0"/>
                 <a:ea typeface="Aptos" panose="020B0004020202020204" pitchFamily="34" charset="0"/>
@@ -6607,6 +10442,9 @@
             </a:r>
             <a:r>
               <a:rPr lang="en-GB" sz="1800" dirty="0">
+                <a:solidFill>
+                  <a:schemeClr val="bg1"/>
+                </a:solidFill>
                 <a:effectLst/>
                 <a:latin typeface="Aptos" panose="020B0004020202020204" pitchFamily="34" charset="0"/>
                 <a:ea typeface="Aptos" panose="020B0004020202020204" pitchFamily="34" charset="0"/>
@@ -6616,6 +10454,9 @@
             </a:r>
             <a:r>
               <a:rPr lang="en-GB" sz="1800" dirty="0" err="1">
+                <a:solidFill>
+                  <a:schemeClr val="bg1"/>
+                </a:solidFill>
                 <a:effectLst/>
                 <a:latin typeface="Aptos" panose="020B0004020202020204" pitchFamily="34" charset="0"/>
                 <a:ea typeface="Aptos" panose="020B0004020202020204" pitchFamily="34" charset="0"/>
@@ -6625,6 +10466,9 @@
             </a:r>
             <a:r>
               <a:rPr lang="en-GB" sz="1800" dirty="0">
+                <a:solidFill>
+                  <a:schemeClr val="bg1"/>
+                </a:solidFill>
                 <a:effectLst/>
                 <a:latin typeface="Aptos" panose="020B0004020202020204" pitchFamily="34" charset="0"/>
                 <a:ea typeface="Aptos" panose="020B0004020202020204" pitchFamily="34" charset="0"/>
@@ -6634,6 +10478,9 @@
             </a:r>
             <a:r>
               <a:rPr lang="en-GB" sz="1800" dirty="0" err="1">
+                <a:solidFill>
+                  <a:schemeClr val="bg1"/>
+                </a:solidFill>
                 <a:effectLst/>
                 <a:latin typeface="Aptos" panose="020B0004020202020204" pitchFamily="34" charset="0"/>
                 <a:ea typeface="Aptos" panose="020B0004020202020204" pitchFamily="34" charset="0"/>
@@ -6643,6 +10490,9 @@
             </a:r>
             <a:r>
               <a:rPr lang="en-GB" sz="1800" dirty="0">
+                <a:solidFill>
+                  <a:schemeClr val="bg1"/>
+                </a:solidFill>
                 <a:effectLst/>
                 <a:latin typeface="Aptos" panose="020B0004020202020204" pitchFamily="34" charset="0"/>
                 <a:ea typeface="Aptos" panose="020B0004020202020204" pitchFamily="34" charset="0"/>
@@ -6652,6 +10502,9 @@
             </a:r>
             <a:r>
               <a:rPr lang="en-GB" sz="1800" dirty="0" err="1">
+                <a:solidFill>
+                  <a:schemeClr val="bg1"/>
+                </a:solidFill>
                 <a:effectLst/>
                 <a:latin typeface="Aptos" panose="020B0004020202020204" pitchFamily="34" charset="0"/>
                 <a:ea typeface="Aptos" panose="020B0004020202020204" pitchFamily="34" charset="0"/>
@@ -6661,6 +10514,9 @@
             </a:r>
             <a:r>
               <a:rPr lang="en-GB" sz="1800" dirty="0">
+                <a:solidFill>
+                  <a:schemeClr val="bg1"/>
+                </a:solidFill>
                 <a:effectLst/>
                 <a:latin typeface="Aptos" panose="020B0004020202020204" pitchFamily="34" charset="0"/>
                 <a:ea typeface="Aptos" panose="020B0004020202020204" pitchFamily="34" charset="0"/>
@@ -6670,6 +10526,9 @@
             </a:r>
             <a:r>
               <a:rPr lang="en-GB" sz="1800" dirty="0" err="1">
+                <a:solidFill>
+                  <a:schemeClr val="bg1"/>
+                </a:solidFill>
                 <a:effectLst/>
                 <a:latin typeface="Aptos" panose="020B0004020202020204" pitchFamily="34" charset="0"/>
                 <a:ea typeface="Aptos" panose="020B0004020202020204" pitchFamily="34" charset="0"/>
@@ -6679,6 +10538,9 @@
             </a:r>
             <a:r>
               <a:rPr lang="en-GB" sz="1800" dirty="0">
+                <a:solidFill>
+                  <a:schemeClr val="bg1"/>
+                </a:solidFill>
                 <a:effectLst/>
                 <a:latin typeface="Aptos" panose="020B0004020202020204" pitchFamily="34" charset="0"/>
                 <a:ea typeface="Aptos" panose="020B0004020202020204" pitchFamily="34" charset="0"/>
@@ -6687,6 +10549,9 @@
               <a:t> variable Checkpoint On to true, indicating that the checkpoint has been activated. This setup ensures that when the player reaches a checkpoint, their position is saved for potential respawn or continuation.</a:t>
             </a:r>
             <a:endParaRPr lang="en-GB" sz="1800" dirty="0">
+              <a:solidFill>
+                <a:schemeClr val="bg1"/>
+              </a:solidFill>
               <a:latin typeface="Aptos" panose="020B0004020202020204" pitchFamily="34" charset="0"/>
               <a:ea typeface="Aptos" panose="020B0004020202020204" pitchFamily="34" charset="0"/>
               <a:cs typeface="Times New Roman" panose="02020603050405020304" pitchFamily="18" charset="0"/>
@@ -6703,15 +10568,30 @@
             </a:pPr>
             <a:r>
               <a:rPr lang="en-GB" sz="1800" dirty="0">
-                <a:latin typeface="Aptos" panose="020B0004020202020204" pitchFamily="34" charset="0"/>
-                <a:ea typeface="Aptos" panose="020B0004020202020204" pitchFamily="34" charset="0"/>
-                <a:cs typeface="Times New Roman" panose="02020603050405020304" pitchFamily="18" charset="0"/>
-                <a:hlinkClick r:id="rId3"/>
+                <a:solidFill>
+                  <a:schemeClr val="accent1">
+                    <a:lumMod val="60000"/>
+                    <a:lumOff val="40000"/>
+                  </a:schemeClr>
+                </a:solidFill>
+                <a:latin typeface="Aptos" panose="020B0004020202020204" pitchFamily="34" charset="0"/>
+                <a:ea typeface="Aptos" panose="020B0004020202020204" pitchFamily="34" charset="0"/>
+                <a:cs typeface="Times New Roman" panose="02020603050405020304" pitchFamily="18" charset="0"/>
+                <a:hlinkClick r:id="rId3">
+                  <a:extLst>
+                    <a:ext uri="{A12FA001-AC4F-418D-AE19-62706E023703}">
+                      <ahyp:hlinkClr xmlns:ahyp="http://schemas.microsoft.com/office/drawing/2018/hyperlinkcolor" val="tx"/>
+                    </a:ext>
+                  </a:extLst>
+                </a:hlinkClick>
               </a:rPr>
               <a:t>Setting Respawn Position </a:t>
             </a:r>
             <a:r>
               <a:rPr lang="en-GB" sz="1800" dirty="0">
+                <a:solidFill>
+                  <a:schemeClr val="bg1"/>
+                </a:solidFill>
                 <a:latin typeface="Aptos" panose="020B0004020202020204" pitchFamily="34" charset="0"/>
                 <a:ea typeface="Aptos" panose="020B0004020202020204" pitchFamily="34" charset="0"/>
                 <a:cs typeface="Times New Roman" panose="02020603050405020304" pitchFamily="18" charset="0"/>
@@ -6720,6 +10600,9 @@
             </a:r>
             <a:r>
               <a:rPr lang="en-GB" sz="1800" dirty="0">
+                <a:solidFill>
+                  <a:schemeClr val="bg1"/>
+                </a:solidFill>
                 <a:effectLst/>
                 <a:latin typeface="Aptos" panose="020B0004020202020204" pitchFamily="34" charset="0"/>
                 <a:ea typeface="Aptos" panose="020B0004020202020204" pitchFamily="34" charset="0"/>
@@ -6729,6 +10612,9 @@
             </a:r>
             <a:r>
               <a:rPr lang="en-GB" sz="1800" dirty="0" err="1">
+                <a:solidFill>
+                  <a:schemeClr val="bg1"/>
+                </a:solidFill>
                 <a:effectLst/>
                 <a:latin typeface="Aptos" panose="020B0004020202020204" pitchFamily="34" charset="0"/>
                 <a:ea typeface="Aptos" panose="020B0004020202020204" pitchFamily="34" charset="0"/>
@@ -6738,6 +10624,9 @@
             </a:r>
             <a:r>
               <a:rPr lang="en-GB" sz="1800" dirty="0">
+                <a:solidFill>
+                  <a:schemeClr val="bg1"/>
+                </a:solidFill>
                 <a:effectLst/>
                 <a:latin typeface="Aptos" panose="020B0004020202020204" pitchFamily="34" charset="0"/>
                 <a:ea typeface="Aptos" panose="020B0004020202020204" pitchFamily="34" charset="0"/>
@@ -6747,6 +10636,9 @@
             </a:r>
             <a:r>
               <a:rPr lang="en-GB" sz="1800" dirty="0" err="1">
+                <a:solidFill>
+                  <a:schemeClr val="bg1"/>
+                </a:solidFill>
                 <a:effectLst/>
                 <a:latin typeface="Aptos" panose="020B0004020202020204" pitchFamily="34" charset="0"/>
                 <a:ea typeface="Aptos" panose="020B0004020202020204" pitchFamily="34" charset="0"/>
@@ -6756,6 +10648,9 @@
             </a:r>
             <a:r>
               <a:rPr lang="en-GB" sz="1800" dirty="0">
+                <a:solidFill>
+                  <a:schemeClr val="bg1"/>
+                </a:solidFill>
                 <a:effectLst/>
                 <a:latin typeface="Aptos" panose="020B0004020202020204" pitchFamily="34" charset="0"/>
                 <a:ea typeface="Aptos" panose="020B0004020202020204" pitchFamily="34" charset="0"/>
@@ -6765,6 +10660,9 @@
             </a:r>
             <a:r>
               <a:rPr lang="en-GB" sz="1800" dirty="0" err="1">
+                <a:solidFill>
+                  <a:schemeClr val="bg1"/>
+                </a:solidFill>
                 <a:effectLst/>
                 <a:latin typeface="Aptos" panose="020B0004020202020204" pitchFamily="34" charset="0"/>
                 <a:ea typeface="Aptos" panose="020B0004020202020204" pitchFamily="34" charset="0"/>
@@ -6774,6 +10672,9 @@
             </a:r>
             <a:r>
               <a:rPr lang="en-GB" sz="1800" dirty="0">
+                <a:solidFill>
+                  <a:schemeClr val="bg1"/>
+                </a:solidFill>
                 <a:effectLst/>
                 <a:latin typeface="Aptos" panose="020B0004020202020204" pitchFamily="34" charset="0"/>
                 <a:ea typeface="Aptos" panose="020B0004020202020204" pitchFamily="34" charset="0"/>
@@ -6783,6 +10684,9 @@
             </a:r>
             <a:r>
               <a:rPr lang="en-GB" sz="1800" dirty="0" err="1">
+                <a:solidFill>
+                  <a:schemeClr val="bg1"/>
+                </a:solidFill>
                 <a:effectLst/>
                 <a:latin typeface="Aptos" panose="020B0004020202020204" pitchFamily="34" charset="0"/>
                 <a:ea typeface="Aptos" panose="020B0004020202020204" pitchFamily="34" charset="0"/>
@@ -6792,6 +10696,9 @@
             </a:r>
             <a:r>
               <a:rPr lang="en-GB" sz="1800" dirty="0">
+                <a:solidFill>
+                  <a:schemeClr val="bg1"/>
+                </a:solidFill>
                 <a:effectLst/>
                 <a:latin typeface="Aptos" panose="020B0004020202020204" pitchFamily="34" charset="0"/>
                 <a:ea typeface="Aptos" panose="020B0004020202020204" pitchFamily="34" charset="0"/>
@@ -6851,6 +10758,152 @@
       </p:grpSpPr>
       <p:sp>
         <p:nvSpPr>
+          <p:cNvPr id="4" name="Rectangle 3">
+            <a:extLst>
+              <a:ext uri="{FF2B5EF4-FFF2-40B4-BE49-F238E27FC236}">
+                <a16:creationId xmlns:a16="http://schemas.microsoft.com/office/drawing/2014/main" id="{16224251-3012-3AD5-CD4A-3EA25F6CF104}"/>
+              </a:ext>
+            </a:extLst>
+          </p:cNvPr>
+          <p:cNvSpPr/>
+          <p:nvPr/>
+        </p:nvSpPr>
+        <p:spPr>
+          <a:xfrm>
+            <a:off x="0" y="0"/>
+            <a:ext cx="12192000" cy="6858000"/>
+          </a:xfrm>
+          <a:prstGeom prst="rect">
+            <a:avLst/>
+          </a:prstGeom>
+          <a:solidFill>
+            <a:schemeClr val="tx1"/>
+          </a:solidFill>
+          <a:ln>
+            <a:noFill/>
+          </a:ln>
+        </p:spPr>
+        <p:style>
+          <a:lnRef idx="2">
+            <a:schemeClr val="accent1">
+              <a:shade val="15000"/>
+            </a:schemeClr>
+          </a:lnRef>
+          <a:fillRef idx="1">
+            <a:schemeClr val="accent1"/>
+          </a:fillRef>
+          <a:effectRef idx="0">
+            <a:schemeClr val="accent1"/>
+          </a:effectRef>
+          <a:fontRef idx="minor">
+            <a:schemeClr val="lt1"/>
+          </a:fontRef>
+        </p:style>
+        <p:txBody>
+          <a:bodyPr rtlCol="0" anchor="ctr"/>
+          <a:lstStyle>
+            <a:defPPr>
+              <a:defRPr lang="en-US"/>
+            </a:defPPr>
+            <a:lvl1pPr marL="0" algn="l" defTabSz="914400" rtl="0" eaLnBrk="1" latinLnBrk="0" hangingPunct="1">
+              <a:defRPr sz="1800" kern="1200">
+                <a:solidFill>
+                  <a:schemeClr val="lt1"/>
+                </a:solidFill>
+                <a:latin typeface="+mn-lt"/>
+                <a:ea typeface="+mn-ea"/>
+                <a:cs typeface="+mn-cs"/>
+              </a:defRPr>
+            </a:lvl1pPr>
+            <a:lvl2pPr marL="457200" algn="l" defTabSz="914400" rtl="0" eaLnBrk="1" latinLnBrk="0" hangingPunct="1">
+              <a:defRPr sz="1800" kern="1200">
+                <a:solidFill>
+                  <a:schemeClr val="lt1"/>
+                </a:solidFill>
+                <a:latin typeface="+mn-lt"/>
+                <a:ea typeface="+mn-ea"/>
+                <a:cs typeface="+mn-cs"/>
+              </a:defRPr>
+            </a:lvl2pPr>
+            <a:lvl3pPr marL="914400" algn="l" defTabSz="914400" rtl="0" eaLnBrk="1" latinLnBrk="0" hangingPunct="1">
+              <a:defRPr sz="1800" kern="1200">
+                <a:solidFill>
+                  <a:schemeClr val="lt1"/>
+                </a:solidFill>
+                <a:latin typeface="+mn-lt"/>
+                <a:ea typeface="+mn-ea"/>
+                <a:cs typeface="+mn-cs"/>
+              </a:defRPr>
+            </a:lvl3pPr>
+            <a:lvl4pPr marL="1371600" algn="l" defTabSz="914400" rtl="0" eaLnBrk="1" latinLnBrk="0" hangingPunct="1">
+              <a:defRPr sz="1800" kern="1200">
+                <a:solidFill>
+                  <a:schemeClr val="lt1"/>
+                </a:solidFill>
+                <a:latin typeface="+mn-lt"/>
+                <a:ea typeface="+mn-ea"/>
+                <a:cs typeface="+mn-cs"/>
+              </a:defRPr>
+            </a:lvl4pPr>
+            <a:lvl5pPr marL="1828800" algn="l" defTabSz="914400" rtl="0" eaLnBrk="1" latinLnBrk="0" hangingPunct="1">
+              <a:defRPr sz="1800" kern="1200">
+                <a:solidFill>
+                  <a:schemeClr val="lt1"/>
+                </a:solidFill>
+                <a:latin typeface="+mn-lt"/>
+                <a:ea typeface="+mn-ea"/>
+                <a:cs typeface="+mn-cs"/>
+              </a:defRPr>
+            </a:lvl5pPr>
+            <a:lvl6pPr marL="2286000" algn="l" defTabSz="914400" rtl="0" eaLnBrk="1" latinLnBrk="0" hangingPunct="1">
+              <a:defRPr sz="1800" kern="1200">
+                <a:solidFill>
+                  <a:schemeClr val="lt1"/>
+                </a:solidFill>
+                <a:latin typeface="+mn-lt"/>
+                <a:ea typeface="+mn-ea"/>
+                <a:cs typeface="+mn-cs"/>
+              </a:defRPr>
+            </a:lvl6pPr>
+            <a:lvl7pPr marL="2743200" algn="l" defTabSz="914400" rtl="0" eaLnBrk="1" latinLnBrk="0" hangingPunct="1">
+              <a:defRPr sz="1800" kern="1200">
+                <a:solidFill>
+                  <a:schemeClr val="lt1"/>
+                </a:solidFill>
+                <a:latin typeface="+mn-lt"/>
+                <a:ea typeface="+mn-ea"/>
+                <a:cs typeface="+mn-cs"/>
+              </a:defRPr>
+            </a:lvl7pPr>
+            <a:lvl8pPr marL="3200400" algn="l" defTabSz="914400" rtl="0" eaLnBrk="1" latinLnBrk="0" hangingPunct="1">
+              <a:defRPr sz="1800" kern="1200">
+                <a:solidFill>
+                  <a:schemeClr val="lt1"/>
+                </a:solidFill>
+                <a:latin typeface="+mn-lt"/>
+                <a:ea typeface="+mn-ea"/>
+                <a:cs typeface="+mn-cs"/>
+              </a:defRPr>
+            </a:lvl8pPr>
+            <a:lvl9pPr marL="3657600" algn="l" defTabSz="914400" rtl="0" eaLnBrk="1" latinLnBrk="0" hangingPunct="1">
+              <a:defRPr sz="1800" kern="1200">
+                <a:solidFill>
+                  <a:schemeClr val="lt1"/>
+                </a:solidFill>
+                <a:latin typeface="+mn-lt"/>
+                <a:ea typeface="+mn-ea"/>
+                <a:cs typeface="+mn-cs"/>
+              </a:defRPr>
+            </a:lvl9pPr>
+          </a:lstStyle>
+          <a:p>
+            <a:pPr algn="ctr"/>
+            <a:endParaRPr lang="en-GB"/>
+          </a:p>
+        </p:txBody>
+      </p:sp>
+      <p:sp>
+        <p:nvSpPr>
           <p:cNvPr id="2" name="Title 1">
             <a:extLst>
               <a:ext uri="{FF2B5EF4-FFF2-40B4-BE49-F238E27FC236}">
@@ -6867,11 +10920,17 @@
         </p:nvSpPr>
         <p:spPr/>
         <p:txBody>
-          <a:bodyPr/>
+          <a:bodyPr>
+            <a:normAutofit/>
+          </a:bodyPr>
           <a:lstStyle/>
           <a:p>
             <a:r>
-              <a:rPr lang="en-GB" dirty="0"/>
+              <a:rPr lang="en-GB" sz="3200" dirty="0">
+                <a:solidFill>
+                  <a:schemeClr val="bg1"/>
+                </a:solidFill>
+              </a:rPr>
               <a:t>Implementation: Button Mashing QTE Mechanic (Week 3)</a:t>
             </a:r>
           </a:p>
@@ -6898,7 +10957,14 @@
           <a:bodyPr/>
           <a:lstStyle/>
           <a:p>
-            <a:endParaRPr lang="en-GB"/>
+            <a:r>
+              <a:rPr lang="en-GB" dirty="0">
+                <a:solidFill>
+                  <a:schemeClr val="bg1"/>
+                </a:solidFill>
+              </a:rPr>
+              <a:t>g</a:t>
+            </a:r>
           </a:p>
         </p:txBody>
       </p:sp>
